--- a/poster/Poster_DataExpo2013_Kaplan_Hare.pptx
+++ b/poster/Poster_DataExpo2013_Kaplan_Hare.pptx
@@ -192,7 +192,7 @@
           <a:p>
             <a:fld id="{FB9341E4-CD2F-49AF-BE6F-5123F55E34CC}" type="datetimeFigureOut">
               <a:rPr lang="en-US" smtClean="0"/>
-              <a:t>7/29/2013</a:t>
+              <a:t>7/30/2013</a:t>
             </a:fld>
             <a:endParaRPr lang="en-US"/>
           </a:p>
@@ -725,7 +725,7 @@
           <a:p>
             <a:fld id="{EC5820C2-EEC8-4B3E-825C-12D1B6D3BEB7}" type="datetimeFigureOut">
               <a:rPr lang="en-US" smtClean="0"/>
-              <a:t>7/29/2013</a:t>
+              <a:t>7/30/2013</a:t>
             </a:fld>
             <a:endParaRPr lang="en-US"/>
           </a:p>
@@ -895,7 +895,7 @@
           <a:p>
             <a:fld id="{EC5820C2-EEC8-4B3E-825C-12D1B6D3BEB7}" type="datetimeFigureOut">
               <a:rPr lang="en-US" smtClean="0"/>
-              <a:t>7/29/2013</a:t>
+              <a:t>7/30/2013</a:t>
             </a:fld>
             <a:endParaRPr lang="en-US"/>
           </a:p>
@@ -1075,7 +1075,7 @@
           <a:p>
             <a:fld id="{EC5820C2-EEC8-4B3E-825C-12D1B6D3BEB7}" type="datetimeFigureOut">
               <a:rPr lang="en-US" smtClean="0"/>
-              <a:t>7/29/2013</a:t>
+              <a:t>7/30/2013</a:t>
             </a:fld>
             <a:endParaRPr lang="en-US"/>
           </a:p>
@@ -1245,7 +1245,7 @@
           <a:p>
             <a:fld id="{EC5820C2-EEC8-4B3E-825C-12D1B6D3BEB7}" type="datetimeFigureOut">
               <a:rPr lang="en-US" smtClean="0"/>
-              <a:t>7/29/2013</a:t>
+              <a:t>7/30/2013</a:t>
             </a:fld>
             <a:endParaRPr lang="en-US"/>
           </a:p>
@@ -1491,7 +1491,7 @@
           <a:p>
             <a:fld id="{EC5820C2-EEC8-4B3E-825C-12D1B6D3BEB7}" type="datetimeFigureOut">
               <a:rPr lang="en-US" smtClean="0"/>
-              <a:t>7/29/2013</a:t>
+              <a:t>7/30/2013</a:t>
             </a:fld>
             <a:endParaRPr lang="en-US"/>
           </a:p>
@@ -1779,7 +1779,7 @@
           <a:p>
             <a:fld id="{EC5820C2-EEC8-4B3E-825C-12D1B6D3BEB7}" type="datetimeFigureOut">
               <a:rPr lang="en-US" smtClean="0"/>
-              <a:t>7/29/2013</a:t>
+              <a:t>7/30/2013</a:t>
             </a:fld>
             <a:endParaRPr lang="en-US"/>
           </a:p>
@@ -2201,7 +2201,7 @@
           <a:p>
             <a:fld id="{EC5820C2-EEC8-4B3E-825C-12D1B6D3BEB7}" type="datetimeFigureOut">
               <a:rPr lang="en-US" smtClean="0"/>
-              <a:t>7/29/2013</a:t>
+              <a:t>7/30/2013</a:t>
             </a:fld>
             <a:endParaRPr lang="en-US"/>
           </a:p>
@@ -2319,7 +2319,7 @@
           <a:p>
             <a:fld id="{EC5820C2-EEC8-4B3E-825C-12D1B6D3BEB7}" type="datetimeFigureOut">
               <a:rPr lang="en-US" smtClean="0"/>
-              <a:t>7/29/2013</a:t>
+              <a:t>7/30/2013</a:t>
             </a:fld>
             <a:endParaRPr lang="en-US"/>
           </a:p>
@@ -2414,7 +2414,7 @@
           <a:p>
             <a:fld id="{EC5820C2-EEC8-4B3E-825C-12D1B6D3BEB7}" type="datetimeFigureOut">
               <a:rPr lang="en-US" smtClean="0"/>
-              <a:t>7/29/2013</a:t>
+              <a:t>7/30/2013</a:t>
             </a:fld>
             <a:endParaRPr lang="en-US"/>
           </a:p>
@@ -2691,7 +2691,7 @@
           <a:p>
             <a:fld id="{EC5820C2-EEC8-4B3E-825C-12D1B6D3BEB7}" type="datetimeFigureOut">
               <a:rPr lang="en-US" smtClean="0"/>
-              <a:t>7/29/2013</a:t>
+              <a:t>7/30/2013</a:t>
             </a:fld>
             <a:endParaRPr lang="en-US"/>
           </a:p>
@@ -2944,7 +2944,7 @@
           <a:p>
             <a:fld id="{EC5820C2-EEC8-4B3E-825C-12D1B6D3BEB7}" type="datetimeFigureOut">
               <a:rPr lang="en-US" smtClean="0"/>
-              <a:t>7/29/2013</a:t>
+              <a:t>7/30/2013</a:t>
             </a:fld>
             <a:endParaRPr lang="en-US"/>
           </a:p>
@@ -3157,7 +3157,7 @@
           <a:p>
             <a:fld id="{EC5820C2-EEC8-4B3E-825C-12D1B6D3BEB7}" type="datetimeFigureOut">
               <a:rPr lang="en-US" smtClean="0"/>
-              <a:t>7/29/2013</a:t>
+              <a:t>7/30/2013</a:t>
             </a:fld>
             <a:endParaRPr lang="en-US"/>
           </a:p>
@@ -4592,7 +4592,7 @@
         </p:nvSpPr>
         <p:spPr>
           <a:xfrm>
-            <a:off x="369506" y="433954"/>
+            <a:off x="369506" y="482080"/>
             <a:ext cx="43148257" cy="2246769"/>
           </a:xfrm>
           <a:prstGeom prst="rect">
@@ -4645,12 +4645,12 @@
         </p:nvSpPr>
         <p:spPr>
           <a:xfrm>
-            <a:off x="629976" y="3435699"/>
-            <a:ext cx="11810997" cy="2138817"/>
+            <a:off x="629976" y="3387574"/>
+            <a:ext cx="11810997" cy="1918558"/>
           </a:xfrm>
           <a:prstGeom prst="roundRect">
             <a:avLst>
-              <a:gd name="adj" fmla="val 8663"/>
+              <a:gd name="adj" fmla="val 5110"/>
             </a:avLst>
           </a:prstGeom>
           <a:noFill/>
@@ -4696,12 +4696,12 @@
         </p:nvSpPr>
         <p:spPr>
           <a:xfrm>
-            <a:off x="629976" y="5779425"/>
-            <a:ext cx="11810997" cy="13143209"/>
+            <a:off x="629976" y="5432760"/>
+            <a:ext cx="11810997" cy="12443698"/>
           </a:xfrm>
           <a:prstGeom prst="roundRect">
             <a:avLst>
-              <a:gd name="adj" fmla="val 1331"/>
+              <a:gd name="adj" fmla="val 1118"/>
             </a:avLst>
           </a:prstGeom>
           <a:noFill/>
@@ -4747,12 +4747,12 @@
         </p:nvSpPr>
         <p:spPr>
           <a:xfrm>
-            <a:off x="629976" y="19094980"/>
+            <a:off x="629975" y="18034699"/>
             <a:ext cx="11810997" cy="2301453"/>
           </a:xfrm>
           <a:prstGeom prst="roundRect">
             <a:avLst>
-              <a:gd name="adj" fmla="val 10711"/>
+              <a:gd name="adj" fmla="val 5483"/>
             </a:avLst>
           </a:prstGeom>
           <a:noFill/>
@@ -4798,8 +4798,8 @@
         </p:nvSpPr>
         <p:spPr>
           <a:xfrm>
-            <a:off x="726228" y="3531951"/>
-            <a:ext cx="11714745" cy="461665"/>
+            <a:off x="726228" y="3483825"/>
+            <a:ext cx="11714745" cy="492443"/>
           </a:xfrm>
           <a:prstGeom prst="rect">
             <a:avLst/>
@@ -4816,13 +4816,13 @@
           <a:lstStyle/>
           <a:p>
             <a:r>
-              <a:rPr lang="en-US" sz="2400" dirty="0" smtClean="0">
+              <a:rPr lang="en-US" sz="2600" dirty="0" smtClean="0">
                 <a:latin typeface="Arial" pitchFamily="34" charset="0"/>
                 <a:cs typeface="Arial" pitchFamily="34" charset="0"/>
               </a:rPr>
               <a:t>Data</a:t>
             </a:r>
-            <a:endParaRPr lang="en-US" sz="2400" dirty="0">
+            <a:endParaRPr lang="en-US" sz="2600" dirty="0">
               <a:latin typeface="Arial" pitchFamily="34" charset="0"/>
               <a:cs typeface="Arial" pitchFamily="34" charset="0"/>
             </a:endParaRPr>
@@ -4837,8 +4837,8 @@
         </p:nvSpPr>
         <p:spPr>
           <a:xfrm>
-            <a:off x="726228" y="5839919"/>
-            <a:ext cx="11714745" cy="461665"/>
+            <a:off x="726228" y="5531353"/>
+            <a:ext cx="11714745" cy="492443"/>
           </a:xfrm>
           <a:prstGeom prst="rect">
             <a:avLst/>
@@ -4855,13 +4855,13 @@
           <a:lstStyle/>
           <a:p>
             <a:r>
-              <a:rPr lang="en-US" sz="2400" dirty="0" smtClean="0">
+              <a:rPr lang="en-US" sz="2600" dirty="0" smtClean="0">
                 <a:latin typeface="Arial" pitchFamily="34" charset="0"/>
                 <a:cs typeface="Arial" pitchFamily="34" charset="0"/>
               </a:rPr>
               <a:t>Metrics</a:t>
             </a:r>
-            <a:endParaRPr lang="en-US" sz="2400" dirty="0">
+            <a:endParaRPr lang="en-US" sz="2600" dirty="0">
               <a:latin typeface="Arial" pitchFamily="34" charset="0"/>
               <a:cs typeface="Arial" pitchFamily="34" charset="0"/>
             </a:endParaRPr>
@@ -4876,8 +4876,8 @@
         </p:nvSpPr>
         <p:spPr>
           <a:xfrm>
-            <a:off x="726228" y="19215533"/>
-            <a:ext cx="11714745" cy="461665"/>
+            <a:off x="726227" y="18107126"/>
+            <a:ext cx="11714745" cy="492443"/>
           </a:xfrm>
           <a:prstGeom prst="rect">
             <a:avLst/>
@@ -4894,13 +4894,13 @@
           <a:lstStyle/>
           <a:p>
             <a:r>
-              <a:rPr lang="en-US" sz="2400" dirty="0" smtClean="0">
+              <a:rPr lang="en-US" sz="2600" dirty="0" smtClean="0">
                 <a:latin typeface="Arial" pitchFamily="34" charset="0"/>
                 <a:cs typeface="Arial" pitchFamily="34" charset="0"/>
               </a:rPr>
               <a:t>Philosophy</a:t>
             </a:r>
-            <a:endParaRPr lang="en-US" sz="2400" dirty="0">
+            <a:endParaRPr lang="en-US" sz="2600" dirty="0">
               <a:latin typeface="Arial" pitchFamily="34" charset="0"/>
               <a:cs typeface="Arial" pitchFamily="34" charset="0"/>
             </a:endParaRPr>
@@ -5295,7 +5295,7 @@
         <p:spPr>
           <a:xfrm>
             <a:off x="13229426" y="3223943"/>
-            <a:ext cx="3968005" cy="461665"/>
+            <a:ext cx="3968005" cy="492443"/>
           </a:xfrm>
           <a:prstGeom prst="rect">
             <a:avLst/>
@@ -5312,13 +5312,13 @@
           <a:lstStyle/>
           <a:p>
             <a:r>
-              <a:rPr lang="en-US" sz="2400" dirty="0" smtClean="0">
+              <a:rPr lang="en-US" sz="2600" dirty="0" smtClean="0">
                 <a:latin typeface="Arial" pitchFamily="34" charset="0"/>
                 <a:cs typeface="Arial" pitchFamily="34" charset="0"/>
               </a:rPr>
               <a:t>West Region</a:t>
             </a:r>
-            <a:endParaRPr lang="en-US" sz="2400" dirty="0">
+            <a:endParaRPr lang="en-US" sz="2600" dirty="0">
               <a:latin typeface="Arial" pitchFamily="34" charset="0"/>
               <a:cs typeface="Arial" pitchFamily="34" charset="0"/>
             </a:endParaRPr>
@@ -5383,7 +5383,7 @@
         <p:spPr>
           <a:xfrm>
             <a:off x="13229427" y="18032963"/>
-            <a:ext cx="18319688" cy="461665"/>
+            <a:ext cx="18319688" cy="492443"/>
           </a:xfrm>
           <a:prstGeom prst="rect">
             <a:avLst/>
@@ -5400,13 +5400,13 @@
           <a:lstStyle/>
           <a:p>
             <a:r>
-              <a:rPr lang="en-US" sz="2400" dirty="0" smtClean="0">
+              <a:rPr lang="en-US" sz="2600" dirty="0" smtClean="0">
                 <a:latin typeface="Arial" pitchFamily="34" charset="0"/>
                 <a:cs typeface="Arial" pitchFamily="34" charset="0"/>
               </a:rPr>
               <a:t>Deep South Region</a:t>
             </a:r>
-            <a:endParaRPr lang="en-US" sz="2400" dirty="0">
+            <a:endParaRPr lang="en-US" sz="2600" dirty="0">
               <a:latin typeface="Arial" pitchFamily="34" charset="0"/>
               <a:cs typeface="Arial" pitchFamily="34" charset="0"/>
             </a:endParaRPr>
@@ -5471,7 +5471,7 @@
         <p:spPr>
           <a:xfrm>
             <a:off x="35887559" y="13040238"/>
-            <a:ext cx="8225300" cy="461665"/>
+            <a:ext cx="8225300" cy="492443"/>
           </a:xfrm>
           <a:prstGeom prst="rect">
             <a:avLst/>
@@ -5488,13 +5488,13 @@
           <a:lstStyle/>
           <a:p>
             <a:r>
-              <a:rPr lang="en-US" sz="2400" dirty="0" smtClean="0">
+              <a:rPr lang="en-US" sz="2600" dirty="0" smtClean="0">
                 <a:latin typeface="Arial" pitchFamily="34" charset="0"/>
                 <a:cs typeface="Arial" pitchFamily="34" charset="0"/>
               </a:rPr>
               <a:t>Southeast Region</a:t>
             </a:r>
-            <a:endParaRPr lang="en-US" sz="2400" dirty="0">
+            <a:endParaRPr lang="en-US" sz="2600" dirty="0">
               <a:latin typeface="Arial" pitchFamily="34" charset="0"/>
               <a:cs typeface="Arial" pitchFamily="34" charset="0"/>
             </a:endParaRPr>
@@ -5559,7 +5559,7 @@
         <p:spPr>
           <a:xfrm>
             <a:off x="37346005" y="3221255"/>
-            <a:ext cx="6637390" cy="461665"/>
+            <a:ext cx="6637390" cy="492443"/>
           </a:xfrm>
           <a:prstGeom prst="rect">
             <a:avLst/>
@@ -5576,13 +5576,13 @@
           <a:lstStyle/>
           <a:p>
             <a:r>
-              <a:rPr lang="en-US" sz="2400" dirty="0" smtClean="0">
+              <a:rPr lang="en-US" sz="2600" dirty="0" smtClean="0">
                 <a:latin typeface="Arial" pitchFamily="34" charset="0"/>
                 <a:cs typeface="Arial" pitchFamily="34" charset="0"/>
               </a:rPr>
               <a:t>Rust Belt Region</a:t>
             </a:r>
-            <a:endParaRPr lang="en-US" sz="2400" dirty="0">
+            <a:endParaRPr lang="en-US" sz="2600" dirty="0">
               <a:latin typeface="Arial" pitchFamily="34" charset="0"/>
               <a:cs typeface="Arial" pitchFamily="34" charset="0"/>
             </a:endParaRPr>
@@ -5881,7 +5881,7 @@
         <p:spPr>
           <a:xfrm>
             <a:off x="18719580" y="3208785"/>
-            <a:ext cx="11714745" cy="461665"/>
+            <a:ext cx="11714745" cy="492443"/>
           </a:xfrm>
           <a:prstGeom prst="rect">
             <a:avLst/>
@@ -5898,13 +5898,13 @@
           <a:lstStyle/>
           <a:p>
             <a:r>
-              <a:rPr lang="en-US" sz="2400" dirty="0" smtClean="0">
+              <a:rPr lang="en-US" sz="2600" dirty="0" smtClean="0">
                 <a:latin typeface="Arial" pitchFamily="34" charset="0"/>
                 <a:cs typeface="Arial" pitchFamily="34" charset="0"/>
               </a:rPr>
               <a:t>Great Plains Region</a:t>
             </a:r>
-            <a:endParaRPr lang="en-US" sz="2400" dirty="0">
+            <a:endParaRPr lang="en-US" sz="2600" dirty="0">
               <a:latin typeface="Arial" pitchFamily="34" charset="0"/>
               <a:cs typeface="Arial" pitchFamily="34" charset="0"/>
             </a:endParaRPr>
@@ -5919,8 +5919,8 @@
         </p:nvSpPr>
         <p:spPr>
           <a:xfrm>
-            <a:off x="726228" y="3953874"/>
-            <a:ext cx="11791319" cy="1477328"/>
+            <a:off x="726228" y="3905748"/>
+            <a:ext cx="11791319" cy="1400383"/>
           </a:xfrm>
           <a:prstGeom prst="rect">
             <a:avLst/>
@@ -5934,35 +5934,35 @@
           <a:lstStyle/>
           <a:p>
             <a:r>
-              <a:rPr lang="en-US" sz="1800" dirty="0" smtClean="0">
+              <a:rPr lang="en-US" sz="1700" dirty="0" smtClean="0">
                 <a:latin typeface="Arial" pitchFamily="34" charset="0"/>
                 <a:cs typeface="Arial" pitchFamily="34" charset="0"/>
               </a:rPr>
               <a:t>The data come from the Knight Foundation’s  ‘</a:t>
             </a:r>
             <a:r>
-              <a:rPr lang="en-US" sz="1800" dirty="0">
+              <a:rPr lang="en-US" sz="1700" dirty="0">
                 <a:latin typeface="Arial" pitchFamily="34" charset="0"/>
                 <a:cs typeface="Arial" pitchFamily="34" charset="0"/>
               </a:rPr>
               <a:t>Soul of the Community</a:t>
             </a:r>
             <a:r>
-              <a:rPr lang="en-US" sz="1800" dirty="0" smtClean="0">
+              <a:rPr lang="en-US" sz="1700" dirty="0" smtClean="0">
                 <a:latin typeface="Arial" pitchFamily="34" charset="0"/>
                 <a:cs typeface="Arial" pitchFamily="34" charset="0"/>
               </a:rPr>
               <a:t>’ project. The </a:t>
             </a:r>
             <a:r>
-              <a:rPr lang="en-US" sz="1800" dirty="0">
+              <a:rPr lang="en-US" sz="1700" dirty="0">
                 <a:latin typeface="Arial" pitchFamily="34" charset="0"/>
                 <a:cs typeface="Arial" pitchFamily="34" charset="0"/>
               </a:rPr>
               <a:t>Knight Foundation in cooperation with Gallup collected data from 43,000 people over </a:t>
             </a:r>
             <a:r>
-              <a:rPr lang="en-US" sz="1800" dirty="0" smtClean="0">
+              <a:rPr lang="en-US" sz="1700" dirty="0" smtClean="0">
                 <a:latin typeface="Arial" pitchFamily="34" charset="0"/>
                 <a:cs typeface="Arial" pitchFamily="34" charset="0"/>
               </a:rPr>
@@ -5980,14 +5980,14 @@
           <p:nvPr>
             <p:extLst>
               <p:ext uri="{D42A27DB-BD31-4B8C-83A1-F6EECF244321}">
-                <p14:modId xmlns:p14="http://schemas.microsoft.com/office/powerpoint/2010/main" val="184523659"/>
+                <p14:modId xmlns:p14="http://schemas.microsoft.com/office/powerpoint/2010/main" val="2859300118"/>
               </p:ext>
             </p:extLst>
           </p:nvPr>
         </p:nvGraphicFramePr>
         <p:xfrm>
-          <a:off x="726228" y="6280140"/>
-          <a:ext cx="11696221" cy="12527280"/>
+          <a:off x="726228" y="5971574"/>
+          <a:ext cx="11696221" cy="11887200"/>
         </p:xfrm>
         <a:graphic>
           <a:graphicData uri="http://schemas.openxmlformats.org/drawingml/2006/table">
@@ -6006,7 +6006,7 @@
                     <a:lstStyle/>
                     <a:p>
                       <a:r>
-                        <a:rPr lang="en-US" sz="1800" dirty="0" smtClean="0">
+                        <a:rPr lang="en-US" sz="1700" dirty="0" smtClean="0">
                           <a:latin typeface="Arial" pitchFamily="34" charset="0"/>
                           <a:cs typeface="Arial" pitchFamily="34" charset="0"/>
                         </a:rPr>
@@ -6026,20 +6026,20 @@
                         <a:buChar char="•"/>
                       </a:pPr>
                       <a:r>
-                        <a:rPr lang="en-US" sz="1800" dirty="0" smtClean="0">
+                        <a:rPr lang="en-US" sz="1700" dirty="0" smtClean="0">
                           <a:latin typeface="Arial" pitchFamily="34" charset="0"/>
                           <a:cs typeface="Arial" pitchFamily="34" charset="0"/>
                         </a:rPr>
                         <a:t>I am proud to say I live in [Community</a:t>
                       </a:r>
                       <a:r>
-                        <a:rPr lang="en-US" sz="1800" baseline="0" dirty="0" smtClean="0">
+                        <a:rPr lang="en-US" sz="1700" baseline="0" dirty="0" smtClean="0">
                           <a:latin typeface="Arial" pitchFamily="34" charset="0"/>
                           <a:cs typeface="Arial" pitchFamily="34" charset="0"/>
                         </a:rPr>
                         <a:t>].</a:t>
                       </a:r>
-                      <a:endParaRPr lang="en-US" sz="1800" dirty="0" smtClean="0">
+                      <a:endParaRPr lang="en-US" sz="1700" dirty="0" smtClean="0">
                         <a:latin typeface="Arial" pitchFamily="34" charset="0"/>
                         <a:cs typeface="Arial" pitchFamily="34" charset="0"/>
                       </a:endParaRPr>
@@ -6050,21 +6050,21 @@
                         <a:buChar char="•"/>
                       </a:pPr>
                       <a:r>
-                        <a:rPr lang="en-US" sz="1800" dirty="0" smtClean="0">
+                        <a:rPr lang="en-US" sz="1700" dirty="0" smtClean="0">
                           <a:latin typeface="Arial" pitchFamily="34" charset="0"/>
                           <a:cs typeface="Arial" pitchFamily="34" charset="0"/>
                         </a:rPr>
                         <a:t>[Community</a:t>
                       </a:r>
                       <a:r>
-                        <a:rPr lang="en-US" sz="1800" baseline="0" dirty="0" smtClean="0">
+                        <a:rPr lang="en-US" sz="1700" baseline="0" dirty="0" smtClean="0">
                           <a:latin typeface="Arial" pitchFamily="34" charset="0"/>
                           <a:cs typeface="Arial" pitchFamily="34" charset="0"/>
                         </a:rPr>
                         <a:t>] </a:t>
                       </a:r>
                       <a:r>
-                        <a:rPr lang="en-US" sz="1800" dirty="0" smtClean="0">
+                        <a:rPr lang="en-US" sz="1700" dirty="0" smtClean="0">
                           <a:latin typeface="Arial" pitchFamily="34" charset="0"/>
                           <a:cs typeface="Arial" pitchFamily="34" charset="0"/>
                         </a:rPr>
@@ -6077,7 +6077,7 @@
                         <a:buChar char="•"/>
                       </a:pPr>
                       <a:r>
-                        <a:rPr lang="en-US" sz="1800" dirty="0" smtClean="0">
+                        <a:rPr lang="en-US" sz="1700" dirty="0" smtClean="0">
                           <a:latin typeface="Arial" pitchFamily="34" charset="0"/>
                           <a:cs typeface="Arial" pitchFamily="34" charset="0"/>
                         </a:rPr>
@@ -6090,7 +6090,7 @@
                         <a:buChar char="•"/>
                       </a:pPr>
                       <a:r>
-                        <a:rPr lang="en-US" sz="1800" dirty="0" smtClean="0">
+                        <a:rPr lang="en-US" sz="1700" dirty="0" smtClean="0">
                           <a:latin typeface="Arial" pitchFamily="34" charset="0"/>
                           <a:cs typeface="Arial" pitchFamily="34" charset="0"/>
                         </a:rPr>
@@ -6103,13 +6103,13 @@
                         <a:buChar char="•"/>
                       </a:pPr>
                       <a:r>
-                        <a:rPr lang="en-US" sz="1800" dirty="0" smtClean="0">
+                        <a:rPr lang="en-US" sz="1700" dirty="0" smtClean="0">
                           <a:latin typeface="Arial" pitchFamily="34" charset="0"/>
                           <a:cs typeface="Arial" pitchFamily="34" charset="0"/>
                         </a:rPr>
                         <a:t>And thinking about five years from now, how do you think [Community] will be as a place to live compared to today?</a:t>
                       </a:r>
-                      <a:endParaRPr lang="en-US" sz="1800" dirty="0">
+                      <a:endParaRPr lang="en-US" sz="1700" dirty="0">
                         <a:latin typeface="Arial" pitchFamily="34" charset="0"/>
                         <a:cs typeface="Arial" pitchFamily="34" charset="0"/>
                       </a:endParaRPr>
@@ -6125,13 +6125,13 @@
                     <a:lstStyle/>
                     <a:p>
                       <a:r>
-                        <a:rPr lang="en-US" sz="1800" dirty="0" smtClean="0">
+                        <a:rPr lang="en-US" sz="1700" dirty="0" smtClean="0">
                           <a:latin typeface="Arial" pitchFamily="34" charset="0"/>
                           <a:cs typeface="Arial" pitchFamily="34" charset="0"/>
                         </a:rPr>
                         <a:t>Safety</a:t>
                       </a:r>
-                      <a:endParaRPr lang="en-US" sz="1800" dirty="0">
+                      <a:endParaRPr lang="en-US" sz="1700" dirty="0">
                         <a:latin typeface="Arial" pitchFamily="34" charset="0"/>
                         <a:cs typeface="Arial" pitchFamily="34" charset="0"/>
                       </a:endParaRPr>
@@ -6149,7 +6149,7 @@
                         <a:buChar char="•"/>
                       </a:pPr>
                       <a:r>
-                        <a:rPr lang="en-US" sz="1800" dirty="0" smtClean="0">
+                        <a:rPr lang="en-US" sz="1700" dirty="0" smtClean="0">
                           <a:latin typeface="Arial" pitchFamily="34" charset="0"/>
                           <a:cs typeface="Arial" pitchFamily="34" charset="0"/>
                         </a:rPr>
@@ -6162,13 +6162,13 @@
                         <a:buChar char="•"/>
                       </a:pPr>
                       <a:r>
-                        <a:rPr lang="en-US" sz="1800" dirty="0" smtClean="0">
+                        <a:rPr lang="en-US" sz="1700" dirty="0" smtClean="0">
                           <a:latin typeface="Arial" pitchFamily="34" charset="0"/>
                           <a:cs typeface="Arial" pitchFamily="34" charset="0"/>
                         </a:rPr>
                         <a:t>How would you rate the level of crime in your community?</a:t>
                       </a:r>
-                      <a:endParaRPr lang="en-US" sz="1800" dirty="0">
+                      <a:endParaRPr lang="en-US" sz="1700" dirty="0">
                         <a:latin typeface="Arial" pitchFamily="34" charset="0"/>
                         <a:cs typeface="Arial" pitchFamily="34" charset="0"/>
                       </a:endParaRPr>
@@ -6184,13 +6184,13 @@
                     <a:lstStyle/>
                     <a:p>
                       <a:r>
-                        <a:rPr lang="en-US" sz="1800" dirty="0" smtClean="0">
+                        <a:rPr lang="en-US" sz="1700" dirty="0" smtClean="0">
                           <a:latin typeface="Arial" pitchFamily="34" charset="0"/>
                           <a:cs typeface="Arial" pitchFamily="34" charset="0"/>
                         </a:rPr>
                         <a:t>Education</a:t>
                       </a:r>
-                      <a:endParaRPr lang="en-US" sz="1800" dirty="0">
+                      <a:endParaRPr lang="en-US" sz="1700" dirty="0">
                         <a:latin typeface="Arial" pitchFamily="34" charset="0"/>
                         <a:cs typeface="Arial" pitchFamily="34" charset="0"/>
                       </a:endParaRPr>
@@ -6208,7 +6208,7 @@
                         <a:buChar char="•"/>
                       </a:pPr>
                       <a:r>
-                        <a:rPr lang="en-US" sz="1800" dirty="0" smtClean="0">
+                        <a:rPr lang="en-US" sz="1700" dirty="0" smtClean="0">
                           <a:latin typeface="Arial" pitchFamily="34" charset="0"/>
                           <a:cs typeface="Arial" pitchFamily="34" charset="0"/>
                         </a:rPr>
@@ -6221,13 +6221,13 @@
                         <a:buChar char="•"/>
                       </a:pPr>
                       <a:r>
-                        <a:rPr lang="en-US" sz="1800" dirty="0" smtClean="0">
+                        <a:rPr lang="en-US" sz="1700" dirty="0" smtClean="0">
                           <a:latin typeface="Arial" pitchFamily="34" charset="0"/>
                           <a:cs typeface="Arial" pitchFamily="34" charset="0"/>
                         </a:rPr>
                         <a:t>The overall quality of the colleges and universities</a:t>
                       </a:r>
-                      <a:endParaRPr lang="en-US" sz="1800" dirty="0">
+                      <a:endParaRPr lang="en-US" sz="1700" dirty="0">
                         <a:latin typeface="Arial" pitchFamily="34" charset="0"/>
                         <a:cs typeface="Arial" pitchFamily="34" charset="0"/>
                       </a:endParaRPr>
@@ -6243,13 +6243,13 @@
                     <a:lstStyle/>
                     <a:p>
                       <a:r>
-                        <a:rPr lang="en-US" sz="1800" dirty="0" smtClean="0">
+                        <a:rPr lang="en-US" sz="1700" dirty="0" smtClean="0">
                           <a:latin typeface="Arial" pitchFamily="34" charset="0"/>
                           <a:cs typeface="Arial" pitchFamily="34" charset="0"/>
                         </a:rPr>
                         <a:t>Leadership</a:t>
                       </a:r>
-                      <a:endParaRPr lang="en-US" sz="1800" dirty="0">
+                      <a:endParaRPr lang="en-US" sz="1700" dirty="0">
                         <a:latin typeface="Arial" pitchFamily="34" charset="0"/>
                         <a:cs typeface="Arial" pitchFamily="34" charset="0"/>
                       </a:endParaRPr>
@@ -6267,7 +6267,7 @@
                         <a:buChar char="•"/>
                       </a:pPr>
                       <a:r>
-                        <a:rPr lang="en-US" sz="1800" dirty="0" smtClean="0">
+                        <a:rPr lang="en-US" sz="1700" dirty="0" smtClean="0">
                           <a:latin typeface="Arial" pitchFamily="34" charset="0"/>
                           <a:cs typeface="Arial" pitchFamily="34" charset="0"/>
                         </a:rPr>
@@ -6280,13 +6280,13 @@
                         <a:buChar char="•"/>
                       </a:pPr>
                       <a:r>
-                        <a:rPr lang="en-US" sz="1800" dirty="0" smtClean="0">
+                        <a:rPr lang="en-US" sz="1700" dirty="0" smtClean="0">
                           <a:latin typeface="Arial" pitchFamily="34" charset="0"/>
                           <a:cs typeface="Arial" pitchFamily="34" charset="0"/>
                         </a:rPr>
                         <a:t>The leaders in my community represent my interests</a:t>
                       </a:r>
-                      <a:endParaRPr lang="en-US" sz="1800" dirty="0">
+                      <a:endParaRPr lang="en-US" sz="1700" dirty="0">
                         <a:latin typeface="Arial" pitchFamily="34" charset="0"/>
                         <a:cs typeface="Arial" pitchFamily="34" charset="0"/>
                       </a:endParaRPr>
@@ -6302,7 +6302,7 @@
                     <a:lstStyle/>
                     <a:p>
                       <a:r>
-                        <a:rPr lang="en-US" sz="1800" dirty="0" smtClean="0">
+                        <a:rPr lang="en-US" sz="1700" dirty="0" smtClean="0">
                           <a:latin typeface="Arial" pitchFamily="34" charset="0"/>
                           <a:cs typeface="Arial" pitchFamily="34" charset="0"/>
                         </a:rPr>
@@ -6322,7 +6322,7 @@
                         <a:buChar char="•"/>
                       </a:pPr>
                       <a:r>
-                        <a:rPr lang="en-US" sz="1800" dirty="0" smtClean="0">
+                        <a:rPr lang="en-US" sz="1700" dirty="0" smtClean="0">
                           <a:latin typeface="Arial" pitchFamily="34" charset="0"/>
                           <a:cs typeface="Arial" pitchFamily="34" charset="0"/>
                         </a:rPr>
@@ -6335,13 +6335,13 @@
                         <a:buChar char="•"/>
                       </a:pPr>
                       <a:r>
-                        <a:rPr lang="en-US" sz="1800" dirty="0" smtClean="0">
+                        <a:rPr lang="en-US" sz="1700" dirty="0" smtClean="0">
                           <a:latin typeface="Arial" pitchFamily="34" charset="0"/>
                           <a:cs typeface="Arial" pitchFamily="34" charset="0"/>
                         </a:rPr>
                         <a:t>The beauty or physical setting</a:t>
                       </a:r>
-                      <a:endParaRPr lang="en-US" sz="1800" dirty="0">
+                      <a:endParaRPr lang="en-US" sz="1700" dirty="0">
                         <a:latin typeface="Arial" pitchFamily="34" charset="0"/>
                         <a:cs typeface="Arial" pitchFamily="34" charset="0"/>
                       </a:endParaRPr>
@@ -6357,13 +6357,13 @@
                     <a:lstStyle/>
                     <a:p>
                       <a:r>
-                        <a:rPr lang="en-US" sz="1800" dirty="0" smtClean="0">
+                        <a:rPr lang="en-US" sz="1700" dirty="0" smtClean="0">
                           <a:latin typeface="Arial" pitchFamily="34" charset="0"/>
                           <a:cs typeface="Arial" pitchFamily="34" charset="0"/>
                         </a:rPr>
                         <a:t>Economy</a:t>
                       </a:r>
-                      <a:endParaRPr lang="en-US" sz="1800" dirty="0">
+                      <a:endParaRPr lang="en-US" sz="1700" dirty="0">
                         <a:latin typeface="Arial" pitchFamily="34" charset="0"/>
                         <a:cs typeface="Arial" pitchFamily="34" charset="0"/>
                       </a:endParaRPr>
@@ -6381,7 +6381,7 @@
                         <a:buChar char="•"/>
                       </a:pPr>
                       <a:r>
-                        <a:rPr lang="en-US" sz="1800" dirty="0" smtClean="0">
+                        <a:rPr lang="en-US" sz="1700" dirty="0" smtClean="0">
                           <a:latin typeface="Arial" pitchFamily="34" charset="0"/>
                           <a:cs typeface="Arial" pitchFamily="34" charset="0"/>
                         </a:rPr>
@@ -6394,7 +6394,7 @@
                         <a:buChar char="•"/>
                       </a:pPr>
                       <a:r>
-                        <a:rPr lang="en-US" sz="1800" dirty="0" smtClean="0">
+                        <a:rPr lang="en-US" sz="1700" dirty="0" smtClean="0">
                           <a:latin typeface="Arial" pitchFamily="34" charset="0"/>
                           <a:cs typeface="Arial" pitchFamily="34" charset="0"/>
                         </a:rPr>
@@ -6407,7 +6407,7 @@
                         <a:buChar char="•"/>
                       </a:pPr>
                       <a:r>
-                        <a:rPr lang="en-US" sz="1800" dirty="0" smtClean="0">
+                        <a:rPr lang="en-US" sz="1700" dirty="0" smtClean="0">
                           <a:latin typeface="Arial" pitchFamily="34" charset="0"/>
                           <a:cs typeface="Arial" pitchFamily="34" charset="0"/>
                         </a:rPr>
@@ -6420,7 +6420,7 @@
                         <a:buChar char="•"/>
                       </a:pPr>
                       <a:r>
-                        <a:rPr lang="en-US" sz="1800" dirty="0" smtClean="0">
+                        <a:rPr lang="en-US" sz="1700" dirty="0" smtClean="0">
                           <a:latin typeface="Arial" pitchFamily="34" charset="0"/>
                           <a:cs typeface="Arial" pitchFamily="34" charset="0"/>
                         </a:rPr>
@@ -6433,7 +6433,7 @@
                         <a:buChar char="•"/>
                       </a:pPr>
                       <a:r>
-                        <a:rPr lang="en-US" sz="1800" dirty="0" smtClean="0">
+                        <a:rPr lang="en-US" sz="1700" dirty="0" smtClean="0">
                           <a:latin typeface="Arial" pitchFamily="34" charset="0"/>
                           <a:cs typeface="Arial" pitchFamily="34" charset="0"/>
                         </a:rPr>
@@ -6446,13 +6446,13 @@
                         <a:buChar char="•"/>
                       </a:pPr>
                       <a:r>
-                        <a:rPr lang="en-US" sz="1800" dirty="0" smtClean="0">
+                        <a:rPr lang="en-US" sz="1700" dirty="0" smtClean="0">
                           <a:latin typeface="Arial" pitchFamily="34" charset="0"/>
                           <a:cs typeface="Arial" pitchFamily="34" charset="0"/>
                         </a:rPr>
                         <a:t>How satisfied are you with your job, that is, the work you do?</a:t>
                       </a:r>
-                      <a:endParaRPr lang="en-US" sz="1800" dirty="0">
+                      <a:endParaRPr lang="en-US" sz="1700" dirty="0">
                         <a:latin typeface="Arial" pitchFamily="34" charset="0"/>
                         <a:cs typeface="Arial" pitchFamily="34" charset="0"/>
                       </a:endParaRPr>
@@ -6468,13 +6468,13 @@
                     <a:lstStyle/>
                     <a:p>
                       <a:r>
-                        <a:rPr lang="en-US" sz="1800" dirty="0" smtClean="0">
+                        <a:rPr lang="en-US" sz="1700" dirty="0" smtClean="0">
                           <a:latin typeface="Arial" pitchFamily="34" charset="0"/>
                           <a:cs typeface="Arial" pitchFamily="34" charset="0"/>
                         </a:rPr>
                         <a:t>Social Offerings</a:t>
                       </a:r>
-                      <a:endParaRPr lang="en-US" sz="1800" dirty="0">
+                      <a:endParaRPr lang="en-US" sz="1700" dirty="0">
                         <a:latin typeface="Arial" pitchFamily="34" charset="0"/>
                         <a:cs typeface="Arial" pitchFamily="34" charset="0"/>
                       </a:endParaRPr>
@@ -6492,7 +6492,7 @@
                         <a:buChar char="•"/>
                       </a:pPr>
                       <a:r>
-                        <a:rPr lang="en-US" sz="1800" dirty="0" smtClean="0">
+                        <a:rPr lang="en-US" sz="1700" dirty="0" smtClean="0">
                           <a:latin typeface="Arial" pitchFamily="34" charset="0"/>
                           <a:cs typeface="Arial" pitchFamily="34" charset="0"/>
                         </a:rPr>
@@ -6505,7 +6505,7 @@
                         <a:buChar char="•"/>
                       </a:pPr>
                       <a:r>
-                        <a:rPr lang="en-US" sz="1800" dirty="0" smtClean="0">
+                        <a:rPr lang="en-US" sz="1700" dirty="0" smtClean="0">
                           <a:latin typeface="Arial" pitchFamily="34" charset="0"/>
                           <a:cs typeface="Arial" pitchFamily="34" charset="0"/>
                         </a:rPr>
@@ -6518,13 +6518,13 @@
                         <a:buChar char="•"/>
                       </a:pPr>
                       <a:r>
-                        <a:rPr lang="en-US" sz="1800" dirty="0" smtClean="0">
+                        <a:rPr lang="en-US" sz="1700" dirty="0" smtClean="0">
                           <a:latin typeface="Arial" pitchFamily="34" charset="0"/>
                           <a:cs typeface="Arial" pitchFamily="34" charset="0"/>
                         </a:rPr>
                         <a:t>How much people in [Community] care about each other</a:t>
                       </a:r>
-                      <a:endParaRPr lang="en-US" sz="1800" dirty="0">
+                      <a:endParaRPr lang="en-US" sz="1700" dirty="0">
                         <a:latin typeface="Arial" pitchFamily="34" charset="0"/>
                         <a:cs typeface="Arial" pitchFamily="34" charset="0"/>
                       </a:endParaRPr>
@@ -6540,13 +6540,13 @@
                     <a:lstStyle/>
                     <a:p>
                       <a:r>
-                        <a:rPr lang="en-US" sz="1800" dirty="0" smtClean="0">
+                        <a:rPr lang="en-US" sz="1700" dirty="0" smtClean="0">
                           <a:latin typeface="Arial" pitchFamily="34" charset="0"/>
                           <a:cs typeface="Arial" pitchFamily="34" charset="0"/>
                         </a:rPr>
                         <a:t>Social Capital</a:t>
                       </a:r>
-                      <a:endParaRPr lang="en-US" sz="1800" dirty="0">
+                      <a:endParaRPr lang="en-US" sz="1700" dirty="0">
                         <a:latin typeface="Arial" pitchFamily="34" charset="0"/>
                         <a:cs typeface="Arial" pitchFamily="34" charset="0"/>
                       </a:endParaRPr>
@@ -6564,7 +6564,7 @@
                         <a:buChar char="•"/>
                       </a:pPr>
                       <a:r>
-                        <a:rPr lang="en-US" sz="1800" dirty="0" smtClean="0">
+                        <a:rPr lang="en-US" sz="1700" dirty="0" smtClean="0">
                           <a:latin typeface="Arial" pitchFamily="34" charset="0"/>
                           <a:cs typeface="Arial" pitchFamily="34" charset="0"/>
                         </a:rPr>
@@ -6577,7 +6577,7 @@
                         <a:buChar char="•"/>
                       </a:pPr>
                       <a:r>
-                        <a:rPr lang="en-US" sz="1800" dirty="0" smtClean="0">
+                        <a:rPr lang="en-US" sz="1700" dirty="0" smtClean="0">
                           <a:latin typeface="Arial" pitchFamily="34" charset="0"/>
                           <a:cs typeface="Arial" pitchFamily="34" charset="0"/>
                         </a:rPr>
@@ -6590,7 +6590,7 @@
                         <a:buChar char="•"/>
                       </a:pPr>
                       <a:r>
-                        <a:rPr lang="en-US" sz="1800" dirty="0" smtClean="0">
+                        <a:rPr lang="en-US" sz="1700" dirty="0" smtClean="0">
                           <a:latin typeface="Arial" pitchFamily="34" charset="0"/>
                           <a:cs typeface="Arial" pitchFamily="34" charset="0"/>
                         </a:rPr>
@@ -6603,13 +6603,13 @@
                         <a:buChar char="•"/>
                       </a:pPr>
                       <a:r>
-                        <a:rPr lang="en-US" sz="1800" dirty="0" smtClean="0">
+                        <a:rPr lang="en-US" sz="1700" dirty="0" smtClean="0">
                           <a:latin typeface="Arial" pitchFamily="34" charset="0"/>
                           <a:cs typeface="Arial" pitchFamily="34" charset="0"/>
                         </a:rPr>
                         <a:t>How often do you talk to or visit with your immediate neighbors?</a:t>
                       </a:r>
-                      <a:endParaRPr lang="en-US" sz="1800" dirty="0">
+                      <a:endParaRPr lang="en-US" sz="1700" dirty="0">
                         <a:latin typeface="Arial" pitchFamily="34" charset="0"/>
                         <a:cs typeface="Arial" pitchFamily="34" charset="0"/>
                       </a:endParaRPr>
@@ -6625,13 +6625,13 @@
                     <a:lstStyle/>
                     <a:p>
                       <a:r>
-                        <a:rPr lang="en-US" sz="1800" dirty="0" smtClean="0">
+                        <a:rPr lang="en-US" sz="1700" dirty="0" smtClean="0">
                           <a:latin typeface="Arial" pitchFamily="34" charset="0"/>
                           <a:cs typeface="Arial" pitchFamily="34" charset="0"/>
                         </a:rPr>
                         <a:t>Basic Services</a:t>
                       </a:r>
-                      <a:endParaRPr lang="en-US" sz="1800" dirty="0">
+                      <a:endParaRPr lang="en-US" sz="1700" dirty="0">
                         <a:latin typeface="Arial" pitchFamily="34" charset="0"/>
                         <a:cs typeface="Arial" pitchFamily="34" charset="0"/>
                       </a:endParaRPr>
@@ -6649,7 +6649,7 @@
                         <a:buChar char="•"/>
                       </a:pPr>
                       <a:r>
-                        <a:rPr lang="en-US" sz="1800" dirty="0" smtClean="0">
+                        <a:rPr lang="en-US" sz="1700" dirty="0" smtClean="0">
                           <a:latin typeface="Arial" pitchFamily="34" charset="0"/>
                           <a:cs typeface="Arial" pitchFamily="34" charset="0"/>
                         </a:rPr>
@@ -6662,7 +6662,7 @@
                         <a:buChar char="•"/>
                       </a:pPr>
                       <a:r>
-                        <a:rPr lang="en-US" sz="1800" dirty="0" smtClean="0">
+                        <a:rPr lang="en-US" sz="1700" dirty="0" smtClean="0">
                           <a:latin typeface="Arial" pitchFamily="34" charset="0"/>
                           <a:cs typeface="Arial" pitchFamily="34" charset="0"/>
                         </a:rPr>
@@ -6675,13 +6675,13 @@
                         <a:buChar char="•"/>
                       </a:pPr>
                       <a:r>
-                        <a:rPr lang="en-US" sz="1800" dirty="0" smtClean="0">
+                        <a:rPr lang="en-US" sz="1700" dirty="0" smtClean="0">
                           <a:latin typeface="Arial" pitchFamily="34" charset="0"/>
                           <a:cs typeface="Arial" pitchFamily="34" charset="0"/>
                         </a:rPr>
                         <a:t>The availability and accessibility of quality healthcare</a:t>
                       </a:r>
-                      <a:endParaRPr lang="en-US" sz="1800" dirty="0">
+                      <a:endParaRPr lang="en-US" sz="1700" dirty="0">
                         <a:latin typeface="Arial" pitchFamily="34" charset="0"/>
                         <a:cs typeface="Arial" pitchFamily="34" charset="0"/>
                       </a:endParaRPr>
@@ -6697,13 +6697,13 @@
                     <a:lstStyle/>
                     <a:p>
                       <a:r>
-                        <a:rPr lang="en-US" sz="1800" dirty="0" smtClean="0">
+                        <a:rPr lang="en-US" sz="1700" dirty="0" smtClean="0">
                           <a:latin typeface="Arial" pitchFamily="34" charset="0"/>
                           <a:cs typeface="Arial" pitchFamily="34" charset="0"/>
                         </a:rPr>
                         <a:t>Civic Involvement</a:t>
                       </a:r>
-                      <a:endParaRPr lang="en-US" sz="1800" dirty="0">
+                      <a:endParaRPr lang="en-US" sz="1700" dirty="0">
                         <a:latin typeface="Arial" pitchFamily="34" charset="0"/>
                         <a:cs typeface="Arial" pitchFamily="34" charset="0"/>
                       </a:endParaRPr>
@@ -6721,7 +6721,7 @@
                         <a:buChar char="•"/>
                       </a:pPr>
                       <a:r>
-                        <a:rPr lang="en-US" sz="1800" dirty="0" smtClean="0">
+                        <a:rPr lang="en-US" sz="1700" dirty="0" smtClean="0">
                           <a:latin typeface="Arial" pitchFamily="34" charset="0"/>
                           <a:cs typeface="Arial" pitchFamily="34" charset="0"/>
                         </a:rPr>
@@ -6734,7 +6734,7 @@
                         <a:buChar char="•"/>
                       </a:pPr>
                       <a:r>
-                        <a:rPr lang="en-US" sz="1800" dirty="0" smtClean="0">
+                        <a:rPr lang="en-US" sz="1700" dirty="0" smtClean="0">
                           <a:latin typeface="Arial" pitchFamily="34" charset="0"/>
                           <a:cs typeface="Arial" pitchFamily="34" charset="0"/>
                         </a:rPr>
@@ -6747,7 +6747,7 @@
                         <a:buChar char="•"/>
                       </a:pPr>
                       <a:r>
-                        <a:rPr lang="en-US" sz="1800" dirty="0" smtClean="0">
+                        <a:rPr lang="en-US" sz="1700" dirty="0" smtClean="0">
                           <a:latin typeface="Arial" pitchFamily="34" charset="0"/>
                           <a:cs typeface="Arial" pitchFamily="34" charset="0"/>
                         </a:rPr>
@@ -6760,13 +6760,13 @@
                         <a:buChar char="•"/>
                       </a:pPr>
                       <a:r>
-                        <a:rPr lang="en-US" sz="1800" dirty="0" smtClean="0">
+                        <a:rPr lang="en-US" sz="1700" dirty="0" smtClean="0">
                           <a:latin typeface="Arial" pitchFamily="34" charset="0"/>
                           <a:cs typeface="Arial" pitchFamily="34" charset="0"/>
                         </a:rPr>
                         <a:t>Worked with other residents to make change in the local community</a:t>
                       </a:r>
-                      <a:endParaRPr lang="en-US" sz="1800" dirty="0">
+                      <a:endParaRPr lang="en-US" sz="1700" dirty="0">
                         <a:latin typeface="Arial" pitchFamily="34" charset="0"/>
                         <a:cs typeface="Arial" pitchFamily="34" charset="0"/>
                       </a:endParaRPr>
@@ -6782,13 +6782,13 @@
                     <a:lstStyle/>
                     <a:p>
                       <a:r>
-                        <a:rPr lang="en-US" sz="1800" dirty="0" smtClean="0">
+                        <a:rPr lang="en-US" sz="1700" dirty="0" smtClean="0">
                           <a:latin typeface="Arial" pitchFamily="34" charset="0"/>
                           <a:cs typeface="Arial" pitchFamily="34" charset="0"/>
                         </a:rPr>
                         <a:t>Openness</a:t>
                       </a:r>
-                      <a:endParaRPr lang="en-US" sz="1800" dirty="0">
+                      <a:endParaRPr lang="en-US" sz="1700" dirty="0">
                         <a:latin typeface="Arial" pitchFamily="34" charset="0"/>
                         <a:cs typeface="Arial" pitchFamily="34" charset="0"/>
                       </a:endParaRPr>
@@ -6806,7 +6806,7 @@
                         <a:buChar char="•"/>
                       </a:pPr>
                       <a:r>
-                        <a:rPr lang="en-US" sz="1800" dirty="0" smtClean="0">
+                        <a:rPr lang="en-US" sz="1700" dirty="0" smtClean="0">
                           <a:latin typeface="Arial" pitchFamily="34" charset="0"/>
                           <a:cs typeface="Arial" pitchFamily="34" charset="0"/>
                         </a:rPr>
@@ -6819,7 +6819,7 @@
                         <a:buChar char="•"/>
                       </a:pPr>
                       <a:r>
-                        <a:rPr lang="en-US" sz="1800" dirty="0" smtClean="0">
+                        <a:rPr lang="en-US" sz="1700" dirty="0" smtClean="0">
                           <a:latin typeface="Arial" pitchFamily="34" charset="0"/>
                           <a:cs typeface="Arial" pitchFamily="34" charset="0"/>
                         </a:rPr>
@@ -6832,7 +6832,7 @@
                         <a:buChar char="•"/>
                       </a:pPr>
                       <a:r>
-                        <a:rPr lang="en-US" sz="1800" dirty="0" smtClean="0">
+                        <a:rPr lang="en-US" sz="1700" dirty="0" smtClean="0">
                           <a:latin typeface="Arial" pitchFamily="34" charset="0"/>
                           <a:cs typeface="Arial" pitchFamily="34" charset="0"/>
                         </a:rPr>
@@ -6845,7 +6845,7 @@
                         <a:buChar char="•"/>
                       </a:pPr>
                       <a:r>
-                        <a:rPr lang="en-US" sz="1800" dirty="0" smtClean="0">
+                        <a:rPr lang="en-US" sz="1700" dirty="0" smtClean="0">
                           <a:latin typeface="Arial" pitchFamily="34" charset="0"/>
                           <a:cs typeface="Arial" pitchFamily="34" charset="0"/>
                         </a:rPr>
@@ -6858,13 +6858,13 @@
                         <a:buChar char="•"/>
                       </a:pPr>
                       <a:r>
-                        <a:rPr lang="en-US" sz="1800" dirty="0" smtClean="0">
+                        <a:rPr lang="en-US" sz="1700" dirty="0" smtClean="0">
                           <a:latin typeface="Arial" pitchFamily="34" charset="0"/>
                           <a:cs typeface="Arial" pitchFamily="34" charset="0"/>
                         </a:rPr>
                         <a:t>Senior citizens</a:t>
                       </a:r>
-                      <a:endParaRPr lang="en-US" sz="1800" dirty="0">
+                      <a:endParaRPr lang="en-US" sz="1700" dirty="0">
                         <a:latin typeface="Arial" pitchFamily="34" charset="0"/>
                         <a:cs typeface="Arial" pitchFamily="34" charset="0"/>
                       </a:endParaRPr>
@@ -6885,8 +6885,8 @@
         </p:nvSpPr>
         <p:spPr>
           <a:xfrm>
-            <a:off x="726228" y="19653135"/>
-            <a:ext cx="11714745" cy="1754326"/>
+            <a:off x="726228" y="18592854"/>
+            <a:ext cx="11714745" cy="1661993"/>
           </a:xfrm>
           <a:prstGeom prst="rect">
             <a:avLst/>
@@ -6900,14 +6900,14 @@
           <a:lstStyle/>
           <a:p>
             <a:r>
-              <a:rPr lang="en-US" sz="1800" dirty="0" smtClean="0">
+              <a:rPr lang="en-US" sz="1700" dirty="0" smtClean="0">
                 <a:latin typeface="Arial" pitchFamily="34" charset="0"/>
                 <a:cs typeface="Arial" pitchFamily="34" charset="0"/>
               </a:rPr>
               <a:t>Our goal in this analysis is to facilitate the understanding of why people feel attachment to their communities. By utilizing an interactive and data driven web-based approach, we place the user in the driver seat of their own experience.  The philosophy behind our work has been from the point of view of a community planner, either from one of the communities in the study or from a community in the same region or a similar urbanicity. By exploring the factors that lead to community attachment in a similar community to their own, a user can apply the conclusions to their own situation. See </a:t>
             </a:r>
             <a:r>
-              <a:rPr lang="en-US" sz="1800" dirty="0" smtClean="0">
+              <a:rPr lang="en-US" sz="1700" dirty="0" smtClean="0">
                 <a:latin typeface="Arial" pitchFamily="34" charset="0"/>
                 <a:cs typeface="Arial" pitchFamily="34" charset="0"/>
                 <a:hlinkClick r:id="rId4"/>
@@ -6915,7 +6915,7 @@
               <a:t>http://glimmer.rstudio.com/andeek/DataExpo2013/</a:t>
             </a:r>
             <a:r>
-              <a:rPr lang="en-US" sz="1800" dirty="0" smtClean="0">
+              <a:rPr lang="en-US" sz="1700" dirty="0" smtClean="0">
                 <a:latin typeface="Arial" pitchFamily="34" charset="0"/>
                 <a:cs typeface="Arial" pitchFamily="34" charset="0"/>
               </a:rPr>
@@ -6924,6 +6924,218 @@
           </a:p>
         </p:txBody>
       </p:sp>
+      <p:sp>
+        <p:nvSpPr>
+          <p:cNvPr id="44" name="Rounded Rectangle 43"/>
+          <p:cNvSpPr/>
+          <p:nvPr/>
+        </p:nvSpPr>
+        <p:spPr>
+          <a:xfrm>
+            <a:off x="629975" y="20469411"/>
+            <a:ext cx="11810997" cy="912097"/>
+          </a:xfrm>
+          <a:prstGeom prst="roundRect">
+            <a:avLst>
+              <a:gd name="adj" fmla="val 10711"/>
+            </a:avLst>
+          </a:prstGeom>
+          <a:noFill/>
+          <a:ln>
+            <a:solidFill>
+              <a:schemeClr val="bg1">
+                <a:lumMod val="85000"/>
+              </a:schemeClr>
+            </a:solidFill>
+          </a:ln>
+          <a:effectLst/>
+        </p:spPr>
+        <p:style>
+          <a:lnRef idx="2">
+            <a:schemeClr val="accent1">
+              <a:shade val="50000"/>
+            </a:schemeClr>
+          </a:lnRef>
+          <a:fillRef idx="1">
+            <a:schemeClr val="accent1"/>
+          </a:fillRef>
+          <a:effectRef idx="0">
+            <a:schemeClr val="accent1"/>
+          </a:effectRef>
+          <a:fontRef idx="minor">
+            <a:schemeClr val="lt1"/>
+          </a:fontRef>
+        </p:style>
+        <p:txBody>
+          <a:bodyPr rtlCol="0" anchor="ctr"/>
+          <a:lstStyle/>
+          <a:p>
+            <a:pPr algn="ctr"/>
+            <a:endParaRPr lang="en-US"/>
+          </a:p>
+        </p:txBody>
+      </p:sp>
+      <p:sp>
+        <p:nvSpPr>
+          <p:cNvPr id="46" name="TextBox 45"/>
+          <p:cNvSpPr txBox="1"/>
+          <p:nvPr/>
+        </p:nvSpPr>
+        <p:spPr>
+          <a:xfrm>
+            <a:off x="726227" y="20541837"/>
+            <a:ext cx="11714745" cy="492443"/>
+          </a:xfrm>
+          <a:prstGeom prst="rect">
+            <a:avLst/>
+          </a:prstGeom>
+          <a:noFill/>
+          <a:ln>
+            <a:noFill/>
+          </a:ln>
+        </p:spPr>
+        <p:txBody>
+          <a:bodyPr wrap="square" rtlCol="0">
+            <a:spAutoFit/>
+          </a:bodyPr>
+          <a:lstStyle/>
+          <a:p>
+            <a:r>
+              <a:rPr lang="en-US" sz="2600" dirty="0" smtClean="0">
+                <a:latin typeface="Arial" pitchFamily="34" charset="0"/>
+                <a:cs typeface="Arial" pitchFamily="34" charset="0"/>
+              </a:rPr>
+              <a:t>Tools</a:t>
+            </a:r>
+            <a:endParaRPr lang="en-US" sz="2600" dirty="0">
+              <a:latin typeface="Arial" pitchFamily="34" charset="0"/>
+              <a:cs typeface="Arial" pitchFamily="34" charset="0"/>
+            </a:endParaRPr>
+          </a:p>
+        </p:txBody>
+      </p:sp>
+      <p:graphicFrame>
+        <p:nvGraphicFramePr>
+          <p:cNvPr id="2" name="Table 1"/>
+          <p:cNvGraphicFramePr>
+            <a:graphicFrameLocks noGrp="1"/>
+          </p:cNvGraphicFramePr>
+          <p:nvPr>
+            <p:extLst>
+              <p:ext uri="{D42A27DB-BD31-4B8C-83A1-F6EECF244321}">
+                <p14:modId xmlns:p14="http://schemas.microsoft.com/office/powerpoint/2010/main" val="3929309981"/>
+              </p:ext>
+            </p:extLst>
+          </p:nvPr>
+        </p:nvGraphicFramePr>
+        <p:xfrm>
+          <a:off x="726228" y="20992143"/>
+          <a:ext cx="11714744" cy="350520"/>
+        </p:xfrm>
+        <a:graphic>
+          <a:graphicData uri="http://schemas.openxmlformats.org/drawingml/2006/table">
+            <a:tbl>
+              <a:tblPr firstRow="1" bandRow="1">
+                <a:tableStyleId>{2D5ABB26-0587-4C30-8999-92F81FD0307C}</a:tableStyleId>
+              </a:tblPr>
+              <a:tblGrid>
+                <a:gridCol w="6087802"/>
+                <a:gridCol w="5626942"/>
+              </a:tblGrid>
+              <a:tr h="125193">
+                <a:tc>
+                  <a:txBody>
+                    <a:bodyPr/>
+                    <a:lstStyle/>
+                    <a:p>
+                      <a:pPr marL="0" marR="0" lvl="0" indent="0" algn="l" defTabSz="3762024" rtl="0" eaLnBrk="1" fontAlgn="auto" latinLnBrk="0" hangingPunct="1">
+                        <a:lnSpc>
+                          <a:spcPct val="100000"/>
+                        </a:lnSpc>
+                        <a:spcBef>
+                          <a:spcPts val="0"/>
+                        </a:spcBef>
+                        <a:spcAft>
+                          <a:spcPts val="0"/>
+                        </a:spcAft>
+                        <a:buClrTx/>
+                        <a:buSzTx/>
+                        <a:buFontTx/>
+                        <a:buNone/>
+                        <a:tabLst/>
+                        <a:defRPr/>
+                      </a:pPr>
+                      <a:r>
+                        <a:rPr kumimoji="0" lang="en-US" sz="1700" b="0" i="0" u="none" strike="noStrike" kern="1200" cap="none" spc="0" normalizeH="0" baseline="0" noProof="0" dirty="0" smtClean="0">
+                          <a:ln>
+                            <a:noFill/>
+                          </a:ln>
+                          <a:solidFill>
+                            <a:prstClr val="black"/>
+                          </a:solidFill>
+                          <a:effectLst/>
+                          <a:uLnTx/>
+                          <a:uFillTx/>
+                          <a:latin typeface="Arial" pitchFamily="34" charset="0"/>
+                          <a:ea typeface="+mn-ea"/>
+                          <a:cs typeface="Arial" pitchFamily="34" charset="0"/>
+                        </a:rPr>
+                        <a:t>Interactive Application: Shiny, D3, JQuery, Glimmer Server</a:t>
+                      </a:r>
+                      <a:endParaRPr lang="en-US" sz="1700" dirty="0"/>
+                    </a:p>
+                  </a:txBody>
+                  <a:tcPr/>
+                </a:tc>
+                <a:tc>
+                  <a:txBody>
+                    <a:bodyPr/>
+                    <a:lstStyle/>
+                    <a:p>
+                      <a:pPr marL="0" marR="0" lvl="0" indent="0" algn="l" defTabSz="3762024" rtl="0" eaLnBrk="1" fontAlgn="auto" latinLnBrk="0" hangingPunct="1">
+                        <a:lnSpc>
+                          <a:spcPct val="100000"/>
+                        </a:lnSpc>
+                        <a:spcBef>
+                          <a:spcPts val="0"/>
+                        </a:spcBef>
+                        <a:spcAft>
+                          <a:spcPts val="0"/>
+                        </a:spcAft>
+                        <a:buClrTx/>
+                        <a:buSzTx/>
+                        <a:buFontTx/>
+                        <a:buNone/>
+                        <a:tabLst/>
+                        <a:defRPr/>
+                      </a:pPr>
+                      <a:r>
+                        <a:rPr kumimoji="0" lang="en-US" sz="1700" b="0" i="0" u="none" strike="noStrike" kern="1200" cap="none" spc="0" normalizeH="0" baseline="0" noProof="0" dirty="0" smtClean="0">
+                          <a:ln>
+                            <a:noFill/>
+                          </a:ln>
+                          <a:solidFill>
+                            <a:prstClr val="black"/>
+                          </a:solidFill>
+                          <a:effectLst/>
+                          <a:uLnTx/>
+                          <a:uFillTx/>
+                          <a:latin typeface="Arial" pitchFamily="34" charset="0"/>
+                          <a:ea typeface="+mn-ea"/>
+                          <a:cs typeface="Arial" pitchFamily="34" charset="0"/>
+                        </a:rPr>
+                        <a:t>Data Manipulation: R, plyr, rjson</a:t>
+                      </a:r>
+                      <a:endParaRPr lang="en-US" sz="1700" dirty="0"/>
+                    </a:p>
+                  </a:txBody>
+                  <a:tcPr/>
+                </a:tc>
+              </a:tr>
+            </a:tbl>
+          </a:graphicData>
+        </a:graphic>
+      </p:graphicFrame>
     </p:spTree>
     <p:extLst>
       <p:ext uri="{BB962C8B-B14F-4D97-AF65-F5344CB8AC3E}">

--- a/poster/Poster_DataExpo2013_Kaplan_Hare.pptx
+++ b/poster/Poster_DataExpo2013_Kaplan_Hare.pptx
@@ -192,7 +192,7 @@
           <a:p>
             <a:fld id="{FB9341E4-CD2F-49AF-BE6F-5123F55E34CC}" type="datetimeFigureOut">
               <a:rPr lang="en-US" smtClean="0"/>
-              <a:t>7/31/2013</a:t>
+              <a:t>8/1/2013</a:t>
             </a:fld>
             <a:endParaRPr lang="en-US"/>
           </a:p>
@@ -725,7 +725,7 @@
           <a:p>
             <a:fld id="{EC5820C2-EEC8-4B3E-825C-12D1B6D3BEB7}" type="datetimeFigureOut">
               <a:rPr lang="en-US" smtClean="0"/>
-              <a:t>7/31/2013</a:t>
+              <a:t>8/1/2013</a:t>
             </a:fld>
             <a:endParaRPr lang="en-US"/>
           </a:p>
@@ -895,7 +895,7 @@
           <a:p>
             <a:fld id="{EC5820C2-EEC8-4B3E-825C-12D1B6D3BEB7}" type="datetimeFigureOut">
               <a:rPr lang="en-US" smtClean="0"/>
-              <a:t>7/31/2013</a:t>
+              <a:t>8/1/2013</a:t>
             </a:fld>
             <a:endParaRPr lang="en-US"/>
           </a:p>
@@ -1075,7 +1075,7 @@
           <a:p>
             <a:fld id="{EC5820C2-EEC8-4B3E-825C-12D1B6D3BEB7}" type="datetimeFigureOut">
               <a:rPr lang="en-US" smtClean="0"/>
-              <a:t>7/31/2013</a:t>
+              <a:t>8/1/2013</a:t>
             </a:fld>
             <a:endParaRPr lang="en-US"/>
           </a:p>
@@ -1245,7 +1245,7 @@
           <a:p>
             <a:fld id="{EC5820C2-EEC8-4B3E-825C-12D1B6D3BEB7}" type="datetimeFigureOut">
               <a:rPr lang="en-US" smtClean="0"/>
-              <a:t>7/31/2013</a:t>
+              <a:t>8/1/2013</a:t>
             </a:fld>
             <a:endParaRPr lang="en-US"/>
           </a:p>
@@ -1491,7 +1491,7 @@
           <a:p>
             <a:fld id="{EC5820C2-EEC8-4B3E-825C-12D1B6D3BEB7}" type="datetimeFigureOut">
               <a:rPr lang="en-US" smtClean="0"/>
-              <a:t>7/31/2013</a:t>
+              <a:t>8/1/2013</a:t>
             </a:fld>
             <a:endParaRPr lang="en-US"/>
           </a:p>
@@ -1779,7 +1779,7 @@
           <a:p>
             <a:fld id="{EC5820C2-EEC8-4B3E-825C-12D1B6D3BEB7}" type="datetimeFigureOut">
               <a:rPr lang="en-US" smtClean="0"/>
-              <a:t>7/31/2013</a:t>
+              <a:t>8/1/2013</a:t>
             </a:fld>
             <a:endParaRPr lang="en-US"/>
           </a:p>
@@ -2201,7 +2201,7 @@
           <a:p>
             <a:fld id="{EC5820C2-EEC8-4B3E-825C-12D1B6D3BEB7}" type="datetimeFigureOut">
               <a:rPr lang="en-US" smtClean="0"/>
-              <a:t>7/31/2013</a:t>
+              <a:t>8/1/2013</a:t>
             </a:fld>
             <a:endParaRPr lang="en-US"/>
           </a:p>
@@ -2319,7 +2319,7 @@
           <a:p>
             <a:fld id="{EC5820C2-EEC8-4B3E-825C-12D1B6D3BEB7}" type="datetimeFigureOut">
               <a:rPr lang="en-US" smtClean="0"/>
-              <a:t>7/31/2013</a:t>
+              <a:t>8/1/2013</a:t>
             </a:fld>
             <a:endParaRPr lang="en-US"/>
           </a:p>
@@ -2414,7 +2414,7 @@
           <a:p>
             <a:fld id="{EC5820C2-EEC8-4B3E-825C-12D1B6D3BEB7}" type="datetimeFigureOut">
               <a:rPr lang="en-US" smtClean="0"/>
-              <a:t>7/31/2013</a:t>
+              <a:t>8/1/2013</a:t>
             </a:fld>
             <a:endParaRPr lang="en-US"/>
           </a:p>
@@ -2691,7 +2691,7 @@
           <a:p>
             <a:fld id="{EC5820C2-EEC8-4B3E-825C-12D1B6D3BEB7}" type="datetimeFigureOut">
               <a:rPr lang="en-US" smtClean="0"/>
-              <a:t>7/31/2013</a:t>
+              <a:t>8/1/2013</a:t>
             </a:fld>
             <a:endParaRPr lang="en-US"/>
           </a:p>
@@ -2944,7 +2944,7 @@
           <a:p>
             <a:fld id="{EC5820C2-EEC8-4B3E-825C-12D1B6D3BEB7}" type="datetimeFigureOut">
               <a:rPr lang="en-US" smtClean="0"/>
-              <a:t>7/31/2013</a:t>
+              <a:t>8/1/2013</a:t>
             </a:fld>
             <a:endParaRPr lang="en-US"/>
           </a:p>
@@ -3157,7 +3157,7 @@
           <a:p>
             <a:fld id="{EC5820C2-EEC8-4B3E-825C-12D1B6D3BEB7}" type="datetimeFigureOut">
               <a:rPr lang="en-US" smtClean="0"/>
-              <a:t>7/31/2013</a:t>
+              <a:t>8/1/2013</a:t>
             </a:fld>
             <a:endParaRPr lang="en-US"/>
           </a:p>
@@ -3967,8 +3967,8 @@
         </p:nvSpPr>
         <p:spPr>
           <a:xfrm rot="10800000">
-            <a:off x="13203667" y="15934949"/>
-            <a:ext cx="19991564" cy="1913175"/>
+            <a:off x="12935713" y="15934950"/>
+            <a:ext cx="20259518" cy="1928886"/>
           </a:xfrm>
           <a:custGeom>
             <a:avLst/>
@@ -4073,6 +4073,16 @@
               <a:gd name="connsiteY3" fmla="*/ 10107 h 10107"/>
               <a:gd name="connsiteX4" fmla="*/ 280 w 11042"/>
               <a:gd name="connsiteY4" fmla="*/ 107 h 10107"/>
+              <a:gd name="connsiteX0" fmla="*/ 280 w 11190"/>
+              <a:gd name="connsiteY0" fmla="*/ 190 h 10190"/>
+              <a:gd name="connsiteX1" fmla="*/ 11190 w 11190"/>
+              <a:gd name="connsiteY1" fmla="*/ 0 h 10190"/>
+              <a:gd name="connsiteX2" fmla="*/ 1426 w 11190"/>
+              <a:gd name="connsiteY2" fmla="*/ 10190 h 10190"/>
+              <a:gd name="connsiteX3" fmla="*/ 0 w 11190"/>
+              <a:gd name="connsiteY3" fmla="*/ 10190 h 10190"/>
+              <a:gd name="connsiteX4" fmla="*/ 280 w 11190"/>
+              <a:gd name="connsiteY4" fmla="*/ 190 h 10190"/>
             </a:gdLst>
             <a:ahLst/>
             <a:cxnLst>
@@ -4094,23 +4104,23 @@
             </a:cxnLst>
             <a:rect l="l" t="t" r="r" b="b"/>
             <a:pathLst>
-              <a:path w="11042" h="10107">
+              <a:path w="11190" h="10190">
                 <a:moveTo>
-                  <a:pt x="280" y="107"/>
+                  <a:pt x="280" y="190"/>
                 </a:moveTo>
                 <a:lnTo>
-                  <a:pt x="11042" y="0"/>
+                  <a:pt x="11190" y="0"/>
                 </a:lnTo>
                 <a:lnTo>
-                  <a:pt x="1426" y="10107"/>
+                  <a:pt x="1426" y="10190"/>
                 </a:lnTo>
                 <a:lnTo>
-                  <a:pt x="0" y="10107"/>
+                  <a:pt x="0" y="10190"/>
                 </a:lnTo>
                 <a:cubicBezTo>
-                  <a:pt x="93" y="6774"/>
-                  <a:pt x="187" y="3440"/>
-                  <a:pt x="280" y="107"/>
+                  <a:pt x="93" y="6857"/>
+                  <a:pt x="187" y="3523"/>
+                  <a:pt x="280" y="190"/>
                 </a:cubicBezTo>
                 <a:close/>
               </a:path>
@@ -4158,8 +4168,8 @@
         </p:nvCxnSpPr>
         <p:spPr>
           <a:xfrm flipH="1">
-            <a:off x="13229427" y="15934949"/>
-            <a:ext cx="17388480" cy="1909499"/>
+            <a:off x="12958830" y="15934949"/>
+            <a:ext cx="17659077" cy="1909499"/>
           </a:xfrm>
           <a:prstGeom prst="line">
             <a:avLst/>
@@ -5302,8 +5312,8 @@
         </p:nvSpPr>
         <p:spPr>
           <a:xfrm>
-            <a:off x="13189261" y="3221254"/>
-            <a:ext cx="4977690" cy="14377637"/>
+            <a:off x="12958830" y="3221254"/>
+            <a:ext cx="5208121" cy="14377637"/>
           </a:xfrm>
           <a:prstGeom prst="rect">
             <a:avLst/>
@@ -5351,8 +5361,8 @@
         </p:nvSpPr>
         <p:spPr>
           <a:xfrm>
-            <a:off x="13229426" y="3223943"/>
-            <a:ext cx="3968005" cy="492443"/>
+            <a:off x="12958830" y="3223943"/>
+            <a:ext cx="5195551" cy="492443"/>
           </a:xfrm>
           <a:prstGeom prst="rect">
             <a:avLst/>
@@ -5373,7 +5383,7 @@
                 <a:latin typeface="Arial" pitchFamily="34" charset="0"/>
                 <a:cs typeface="Arial" pitchFamily="34" charset="0"/>
               </a:rPr>
-              <a:t>West</a:t>
+              <a:t>West – Urbanicity and Openness</a:t>
             </a:r>
             <a:endParaRPr lang="en-US" sz="2600" dirty="0">
               <a:latin typeface="Arial" pitchFamily="34" charset="0"/>
@@ -5390,8 +5400,8 @@
         </p:nvSpPr>
         <p:spPr>
           <a:xfrm>
-            <a:off x="13189261" y="17844448"/>
-            <a:ext cx="19504118" cy="3718411"/>
+            <a:off x="12958830" y="17844448"/>
+            <a:ext cx="19734549" cy="3718411"/>
           </a:xfrm>
           <a:prstGeom prst="rect">
             <a:avLst/>
@@ -5439,8 +5449,8 @@
         </p:nvSpPr>
         <p:spPr>
           <a:xfrm>
-            <a:off x="13229427" y="18032963"/>
-            <a:ext cx="18319688" cy="492443"/>
+            <a:off x="12958830" y="18032963"/>
+            <a:ext cx="18590285" cy="492443"/>
           </a:xfrm>
           <a:prstGeom prst="rect">
             <a:avLst/>
@@ -5461,7 +5471,14 @@
                 <a:latin typeface="Arial" pitchFamily="34" charset="0"/>
                 <a:cs typeface="Arial" pitchFamily="34" charset="0"/>
               </a:rPr>
-              <a:t>Deep South</a:t>
+              <a:t>Deep </a:t>
+            </a:r>
+            <a:r>
+              <a:rPr lang="en-US" sz="2600" dirty="0" smtClean="0">
+                <a:latin typeface="Arial" pitchFamily="34" charset="0"/>
+                <a:cs typeface="Arial" pitchFamily="34" charset="0"/>
+              </a:rPr>
+              <a:t>South – The Safety Angle</a:t>
             </a:r>
             <a:endParaRPr lang="en-US" sz="2600" dirty="0">
               <a:latin typeface="Arial" pitchFamily="34" charset="0"/>
@@ -8004,14 +8021,7 @@
                 <a:latin typeface="Arial" pitchFamily="34" charset="0"/>
                 <a:cs typeface="Arial" pitchFamily="34" charset="0"/>
               </a:rPr>
-              <a:t>for all communities aggregated. </a:t>
-            </a:r>
-            <a:r>
-              <a:rPr lang="en-US" sz="1700" dirty="0" smtClean="0">
-                <a:latin typeface="Arial" pitchFamily="34" charset="0"/>
-                <a:cs typeface="Arial" pitchFamily="34" charset="0"/>
-              </a:rPr>
-              <a:t>Social Offerings is the most highly correlated variable with Community Attachment for a </a:t>
+              <a:t>for all communities aggregated. Social Offerings is the most highly correlated variable with Community Attachment for a </a:t>
             </a:r>
             <a:r>
               <a:rPr lang="en-US" sz="1700" dirty="0">
@@ -8066,35 +8076,6 @@
       </p:pic>
       <p:pic>
         <p:nvPicPr>
-          <p:cNvPr id="7" name="Picture 6"/>
-          <p:cNvPicPr>
-            <a:picLocks noChangeAspect="1"/>
-          </p:cNvPicPr>
-          <p:nvPr/>
-        </p:nvPicPr>
-        <p:blipFill rotWithShape="1">
-          <a:blip r:embed="rId7" cstate="print">
-            <a:extLst>
-              <a:ext uri="{28A0092B-C50C-407E-A947-70E740481C1C}">
-                <a14:useLocalDpi xmlns:a14="http://schemas.microsoft.com/office/drawing/2010/main" val="0"/>
-              </a:ext>
-            </a:extLst>
-          </a:blip>
-          <a:srcRect t="2353" b="4893"/>
-          <a:stretch/>
-        </p:blipFill>
-        <p:spPr>
-          <a:xfrm>
-            <a:off x="36012815" y="16946202"/>
-            <a:ext cx="7543815" cy="4664783"/>
-          </a:xfrm>
-          <a:prstGeom prst="rect">
-            <a:avLst/>
-          </a:prstGeom>
-        </p:spPr>
-      </p:pic>
-      <p:pic>
-        <p:nvPicPr>
           <p:cNvPr id="14" name="Picture 13"/>
           <p:cNvPicPr>
             <a:picLocks noChangeAspect="1"/>
@@ -8102,7 +8083,7 @@
           <p:nvPr/>
         </p:nvPicPr>
         <p:blipFill>
-          <a:blip r:embed="rId8" cstate="print">
+          <a:blip r:embed="rId7" cstate="print">
             <a:extLst>
               <a:ext uri="{28A0092B-C50C-407E-A947-70E740481C1C}">
                 <a14:useLocalDpi xmlns:a14="http://schemas.microsoft.com/office/drawing/2010/main" val="0"/>
@@ -8132,7 +8113,7 @@
           <p:nvPr/>
         </p:nvPicPr>
         <p:blipFill rotWithShape="1">
-          <a:blip r:embed="rId9" cstate="print">
+          <a:blip r:embed="rId8" cstate="print">
             <a:extLst>
               <a:ext uri="{28A0092B-C50C-407E-A947-70E740481C1C}">
                 <a14:useLocalDpi xmlns:a14="http://schemas.microsoft.com/office/drawing/2010/main" val="0"/>
@@ -8146,6 +8127,381 @@
           <a:xfrm>
             <a:off x="40753986" y="6582210"/>
             <a:ext cx="2851464" cy="4741163"/>
+          </a:xfrm>
+          <a:prstGeom prst="rect">
+            <a:avLst/>
+          </a:prstGeom>
+        </p:spPr>
+      </p:pic>
+      <p:sp>
+        <p:nvSpPr>
+          <p:cNvPr id="20" name="TextBox 19"/>
+          <p:cNvSpPr txBox="1"/>
+          <p:nvPr/>
+        </p:nvSpPr>
+        <p:spPr>
+          <a:xfrm>
+            <a:off x="12958830" y="6978680"/>
+            <a:ext cx="5208121" cy="3231654"/>
+          </a:xfrm>
+          <a:prstGeom prst="rect">
+            <a:avLst/>
+          </a:prstGeom>
+          <a:noFill/>
+        </p:spPr>
+        <p:txBody>
+          <a:bodyPr wrap="square" rtlCol="0">
+            <a:spAutoFit/>
+          </a:bodyPr>
+          <a:lstStyle/>
+          <a:p>
+            <a:r>
+              <a:rPr lang="en-US" sz="1700" dirty="0">
+                <a:latin typeface="Arial" pitchFamily="34" charset="0"/>
+                <a:cs typeface="Arial" pitchFamily="34" charset="0"/>
+              </a:rPr>
+              <a:t>Two of the three cities comprising the West region, Boulder, CO and Long Beach, CA, have the urbanicity designation of "Very high urbanicity - medium population".  These are cities in which a large percentage of the moderately-sized population lives in the urban core. Although the average value for the openness metric is lower for this urbanicity designation than all cities as a whole, Boulder and Long Beach are ranked #1 and #5 in openness respectively.  This helps the two cities to achieve the top 10 in among all cities in overall community attachment</a:t>
+            </a:r>
+            <a:r>
+              <a:rPr lang="en-US" sz="1700" dirty="0" smtClean="0">
+                <a:latin typeface="Arial" pitchFamily="34" charset="0"/>
+                <a:cs typeface="Arial" pitchFamily="34" charset="0"/>
+              </a:rPr>
+              <a:t>.	</a:t>
+            </a:r>
+            <a:endParaRPr lang="en-US" sz="1700" dirty="0">
+              <a:latin typeface="Arial" pitchFamily="34" charset="0"/>
+              <a:cs typeface="Arial" pitchFamily="34" charset="0"/>
+            </a:endParaRPr>
+          </a:p>
+        </p:txBody>
+      </p:sp>
+      <p:pic>
+        <p:nvPicPr>
+          <p:cNvPr id="23" name="Picture 22"/>
+          <p:cNvPicPr>
+            <a:picLocks noChangeAspect="1"/>
+          </p:cNvPicPr>
+          <p:nvPr/>
+        </p:nvPicPr>
+        <p:blipFill>
+          <a:blip r:embed="rId9">
+            <a:extLst>
+              <a:ext uri="{28A0092B-C50C-407E-A947-70E740481C1C}">
+                <a14:useLocalDpi xmlns:a14="http://schemas.microsoft.com/office/drawing/2010/main" val="0"/>
+              </a:ext>
+            </a:extLst>
+          </a:blip>
+          <a:stretch>
+            <a:fillRect/>
+          </a:stretch>
+        </p:blipFill>
+        <p:spPr>
+          <a:xfrm>
+            <a:off x="13131664" y="3752660"/>
+            <a:ext cx="4862452" cy="3205415"/>
+          </a:xfrm>
+          <a:prstGeom prst="rect">
+            <a:avLst/>
+          </a:prstGeom>
+        </p:spPr>
+      </p:pic>
+      <p:sp>
+        <p:nvSpPr>
+          <p:cNvPr id="61" name="TextBox 60"/>
+          <p:cNvSpPr txBox="1"/>
+          <p:nvPr/>
+        </p:nvSpPr>
+        <p:spPr>
+          <a:xfrm>
+            <a:off x="12958830" y="18506356"/>
+            <a:ext cx="5208121" cy="3231654"/>
+          </a:xfrm>
+          <a:prstGeom prst="rect">
+            <a:avLst/>
+          </a:prstGeom>
+          <a:noFill/>
+        </p:spPr>
+        <p:txBody>
+          <a:bodyPr wrap="square" rtlCol="0">
+            <a:spAutoFit/>
+          </a:bodyPr>
+          <a:lstStyle/>
+          <a:p>
+            <a:r>
+              <a:rPr lang="en-US" sz="1700" dirty="0">
+                <a:latin typeface="Arial" pitchFamily="34" charset="0"/>
+                <a:cs typeface="Arial" pitchFamily="34" charset="0"/>
+              </a:rPr>
+              <a:t>In 2008, Columbus, GA and Macon, GA ranked 4th lowest and 3rd lowest among the 26 cities in terms of safety. </a:t>
+            </a:r>
+            <a:r>
+              <a:rPr lang="en-US" sz="1700" dirty="0" smtClean="0">
+                <a:latin typeface="Arial" pitchFamily="34" charset="0"/>
+                <a:cs typeface="Arial" pitchFamily="34" charset="0"/>
+              </a:rPr>
+              <a:t>By </a:t>
+            </a:r>
+            <a:r>
+              <a:rPr lang="en-US" sz="1700" dirty="0">
+                <a:latin typeface="Arial" pitchFamily="34" charset="0"/>
+                <a:cs typeface="Arial" pitchFamily="34" charset="0"/>
+              </a:rPr>
+              <a:t>2010, the situation declined further, as Macon declined to the lowest ranking, Milledgeville, GA took the 3rd lowest spot, and Columbus held at the 4th lowest. However, one community in the Deep South, Biloxi</a:t>
+            </a:r>
+            <a:r>
+              <a:rPr lang="en-US" sz="1700" dirty="0" smtClean="0">
+                <a:latin typeface="Arial" pitchFamily="34" charset="0"/>
+                <a:cs typeface="Arial" pitchFamily="34" charset="0"/>
+              </a:rPr>
+              <a:t>, MS, </a:t>
+            </a:r>
+            <a:r>
+              <a:rPr lang="en-US" sz="1700" dirty="0">
+                <a:latin typeface="Arial" pitchFamily="34" charset="0"/>
+                <a:cs typeface="Arial" pitchFamily="34" charset="0"/>
+              </a:rPr>
+              <a:t>bucked this trend</a:t>
+            </a:r>
+            <a:r>
+              <a:rPr lang="en-US" sz="1700" dirty="0" smtClean="0">
+                <a:latin typeface="Arial" pitchFamily="34" charset="0"/>
+                <a:cs typeface="Arial" pitchFamily="34" charset="0"/>
+              </a:rPr>
+              <a:t>. </a:t>
+            </a:r>
+            <a:r>
+              <a:rPr lang="en-US" sz="1700" dirty="0">
+                <a:latin typeface="Arial" pitchFamily="34" charset="0"/>
+                <a:cs typeface="Arial" pitchFamily="34" charset="0"/>
+              </a:rPr>
+              <a:t>In 2010, the city was the 8th highest ranked among all cities. Aided further with 2010's #2 overall ranking in Social Offerings, </a:t>
+            </a:r>
+            <a:r>
+              <a:rPr lang="en-US" sz="1700" dirty="0" smtClean="0">
+                <a:latin typeface="Arial" pitchFamily="34" charset="0"/>
+                <a:cs typeface="Arial" pitchFamily="34" charset="0"/>
+              </a:rPr>
+              <a:t>Biloxi </a:t>
+            </a:r>
+            <a:r>
+              <a:rPr lang="en-US" sz="1700" dirty="0">
+                <a:latin typeface="Arial" pitchFamily="34" charset="0"/>
+                <a:cs typeface="Arial" pitchFamily="34" charset="0"/>
+              </a:rPr>
+              <a:t>achieved the highest community attachment rating in the Deep South region</a:t>
+            </a:r>
+            <a:r>
+              <a:rPr lang="en-US" sz="1700" dirty="0" smtClean="0">
+                <a:latin typeface="Arial" pitchFamily="34" charset="0"/>
+                <a:cs typeface="Arial" pitchFamily="34" charset="0"/>
+              </a:rPr>
+              <a:t>.	</a:t>
+            </a:r>
+            <a:endParaRPr lang="en-US" sz="1700" dirty="0">
+              <a:latin typeface="Arial" pitchFamily="34" charset="0"/>
+              <a:cs typeface="Arial" pitchFamily="34" charset="0"/>
+            </a:endParaRPr>
+          </a:p>
+        </p:txBody>
+      </p:sp>
+      <p:pic>
+        <p:nvPicPr>
+          <p:cNvPr id="24" name="Picture 23"/>
+          <p:cNvPicPr>
+            <a:picLocks noChangeAspect="1"/>
+          </p:cNvPicPr>
+          <p:nvPr/>
+        </p:nvPicPr>
+        <p:blipFill rotWithShape="1">
+          <a:blip r:embed="rId10" cstate="print">
+            <a:extLst>
+              <a:ext uri="{28A0092B-C50C-407E-A947-70E740481C1C}">
+                <a14:useLocalDpi xmlns:a14="http://schemas.microsoft.com/office/drawing/2010/main" val="0"/>
+              </a:ext>
+            </a:extLst>
+          </a:blip>
+          <a:srcRect l="20396" t="2671"/>
+          <a:stretch/>
+        </p:blipFill>
+        <p:spPr>
+          <a:xfrm>
+            <a:off x="18143505" y="17929482"/>
+            <a:ext cx="3831173" cy="3548342"/>
+          </a:xfrm>
+          <a:prstGeom prst="rect">
+            <a:avLst/>
+          </a:prstGeom>
+        </p:spPr>
+      </p:pic>
+      <p:pic>
+        <p:nvPicPr>
+          <p:cNvPr id="53" name="Picture 52"/>
+          <p:cNvPicPr>
+            <a:picLocks noChangeAspect="1"/>
+          </p:cNvPicPr>
+          <p:nvPr/>
+        </p:nvPicPr>
+        <p:blipFill rotWithShape="1">
+          <a:blip r:embed="rId11" cstate="print">
+            <a:extLst>
+              <a:ext uri="{28A0092B-C50C-407E-A947-70E740481C1C}">
+                <a14:useLocalDpi xmlns:a14="http://schemas.microsoft.com/office/drawing/2010/main" val="0"/>
+              </a:ext>
+            </a:extLst>
+          </a:blip>
+          <a:srcRect l="1675" t="1283" r="3915" b="856"/>
+          <a:stretch/>
+        </p:blipFill>
+        <p:spPr>
+          <a:xfrm>
+            <a:off x="13102544" y="10163175"/>
+            <a:ext cx="4920693" cy="7292841"/>
+          </a:xfrm>
+          <a:prstGeom prst="rect">
+            <a:avLst/>
+          </a:prstGeom>
+        </p:spPr>
+      </p:pic>
+      <p:pic>
+        <p:nvPicPr>
+          <p:cNvPr id="68" name="Picture 67"/>
+          <p:cNvPicPr>
+            <a:picLocks noChangeAspect="1"/>
+          </p:cNvPicPr>
+          <p:nvPr/>
+        </p:nvPicPr>
+        <p:blipFill rotWithShape="1">
+          <a:blip r:embed="rId12" cstate="print">
+            <a:extLst>
+              <a:ext uri="{28A0092B-C50C-407E-A947-70E740481C1C}">
+                <a14:useLocalDpi xmlns:a14="http://schemas.microsoft.com/office/drawing/2010/main" val="0"/>
+              </a:ext>
+            </a:extLst>
+          </a:blip>
+          <a:srcRect l="355" r="5501" b="4995"/>
+          <a:stretch/>
+        </p:blipFill>
+        <p:spPr>
+          <a:xfrm>
+            <a:off x="22148778" y="22302275"/>
+            <a:ext cx="3305640" cy="3448824"/>
+          </a:xfrm>
+          <a:prstGeom prst="rect">
+            <a:avLst/>
+          </a:prstGeom>
+        </p:spPr>
+      </p:pic>
+      <p:pic>
+        <p:nvPicPr>
+          <p:cNvPr id="70" name="Picture 69"/>
+          <p:cNvPicPr>
+            <a:picLocks noChangeAspect="1"/>
+          </p:cNvPicPr>
+          <p:nvPr/>
+        </p:nvPicPr>
+        <p:blipFill rotWithShape="1">
+          <a:blip r:embed="rId13" cstate="print">
+            <a:extLst>
+              <a:ext uri="{28A0092B-C50C-407E-A947-70E740481C1C}">
+                <a14:useLocalDpi xmlns:a14="http://schemas.microsoft.com/office/drawing/2010/main" val="0"/>
+              </a:ext>
+            </a:extLst>
+          </a:blip>
+          <a:srcRect l="102" r="5199" b="4995"/>
+          <a:stretch/>
+        </p:blipFill>
+        <p:spPr>
+          <a:xfrm>
+            <a:off x="25582921" y="22302275"/>
+            <a:ext cx="3325137" cy="3448825"/>
+          </a:xfrm>
+          <a:prstGeom prst="rect">
+            <a:avLst/>
+          </a:prstGeom>
+        </p:spPr>
+      </p:pic>
+      <p:pic>
+        <p:nvPicPr>
+          <p:cNvPr id="71" name="Picture 70"/>
+          <p:cNvPicPr>
+            <a:picLocks noChangeAspect="1"/>
+          </p:cNvPicPr>
+          <p:nvPr/>
+        </p:nvPicPr>
+        <p:blipFill rotWithShape="1">
+          <a:blip r:embed="rId14" cstate="print">
+            <a:extLst>
+              <a:ext uri="{28A0092B-C50C-407E-A947-70E740481C1C}">
+                <a14:useLocalDpi xmlns:a14="http://schemas.microsoft.com/office/drawing/2010/main" val="0"/>
+              </a:ext>
+            </a:extLst>
+          </a:blip>
+          <a:srcRect l="281" r="2869" b="4907"/>
+          <a:stretch/>
+        </p:blipFill>
+        <p:spPr>
+          <a:xfrm>
+            <a:off x="29040637" y="22300674"/>
+            <a:ext cx="3400681" cy="3452027"/>
+          </a:xfrm>
+          <a:prstGeom prst="rect">
+            <a:avLst/>
+          </a:prstGeom>
+        </p:spPr>
+      </p:pic>
+      <p:pic>
+        <p:nvPicPr>
+          <p:cNvPr id="74" name="Picture 73"/>
+          <p:cNvPicPr>
+            <a:picLocks noChangeAspect="1"/>
+          </p:cNvPicPr>
+          <p:nvPr/>
+        </p:nvPicPr>
+        <p:blipFill rotWithShape="1">
+          <a:blip r:embed="rId15" cstate="print">
+            <a:extLst>
+              <a:ext uri="{28A0092B-C50C-407E-A947-70E740481C1C}">
+                <a14:useLocalDpi xmlns:a14="http://schemas.microsoft.com/office/drawing/2010/main" val="0"/>
+              </a:ext>
+            </a:extLst>
+          </a:blip>
+          <a:srcRect l="286" t="2064" r="127" b="5465"/>
+          <a:stretch/>
+        </p:blipFill>
+        <p:spPr>
+          <a:xfrm>
+            <a:off x="36028376" y="16951958"/>
+            <a:ext cx="7512693" cy="4650656"/>
+          </a:xfrm>
+          <a:prstGeom prst="rect">
+            <a:avLst/>
+          </a:prstGeom>
+        </p:spPr>
+      </p:pic>
+      <p:pic>
+        <p:nvPicPr>
+          <p:cNvPr id="77" name="Picture 76"/>
+          <p:cNvPicPr>
+            <a:picLocks noChangeAspect="1"/>
+          </p:cNvPicPr>
+          <p:nvPr/>
+        </p:nvPicPr>
+        <p:blipFill rotWithShape="1">
+          <a:blip r:embed="rId16" cstate="print">
+            <a:extLst>
+              <a:ext uri="{28A0092B-C50C-407E-A947-70E740481C1C}">
+                <a14:useLocalDpi xmlns:a14="http://schemas.microsoft.com/office/drawing/2010/main" val="0"/>
+              </a:ext>
+            </a:extLst>
+          </a:blip>
+          <a:srcRect b="3594"/>
+          <a:stretch/>
+        </p:blipFill>
+        <p:spPr>
+          <a:xfrm>
+            <a:off x="22189678" y="17965049"/>
+            <a:ext cx="10327145" cy="3457403"/>
           </a:xfrm>
           <a:prstGeom prst="rect">
             <a:avLst/>

--- a/poster/Poster_DataExpo2013_Kaplan_Hare.pptx
+++ b/poster/Poster_DataExpo2013_Kaplan_Hare.pptx
@@ -5471,14 +5471,7 @@
                 <a:latin typeface="Arial" pitchFamily="34" charset="0"/>
                 <a:cs typeface="Arial" pitchFamily="34" charset="0"/>
               </a:rPr>
-              <a:t>Deep </a:t>
-            </a:r>
-            <a:r>
-              <a:rPr lang="en-US" sz="2600" dirty="0" smtClean="0">
-                <a:latin typeface="Arial" pitchFamily="34" charset="0"/>
-                <a:cs typeface="Arial" pitchFamily="34" charset="0"/>
-              </a:rPr>
-              <a:t>South – The Safety Angle</a:t>
+              <a:t>Deep South – The Safety Angle</a:t>
             </a:r>
             <a:endParaRPr lang="en-US" sz="2600" dirty="0">
               <a:latin typeface="Arial" pitchFamily="34" charset="0"/>
@@ -8508,6 +8501,93 @@
           </a:prstGeom>
         </p:spPr>
       </p:pic>
+      <p:pic>
+        <p:nvPicPr>
+          <p:cNvPr id="7" name="Picture 6"/>
+          <p:cNvPicPr>
+            <a:picLocks noChangeAspect="1"/>
+          </p:cNvPicPr>
+          <p:nvPr/>
+        </p:nvPicPr>
+        <p:blipFill rotWithShape="1">
+          <a:blip r:embed="rId17" cstate="print">
+            <a:extLst>
+              <a:ext uri="{28A0092B-C50C-407E-A947-70E740481C1C}">
+                <a14:useLocalDpi xmlns:a14="http://schemas.microsoft.com/office/drawing/2010/main" val="0"/>
+              </a:ext>
+            </a:extLst>
+          </a:blip>
+          <a:srcRect b="2363"/>
+          <a:stretch/>
+        </p:blipFill>
+        <p:spPr>
+          <a:xfrm>
+            <a:off x="22189677" y="17947266"/>
+            <a:ext cx="10360279" cy="3512775"/>
+          </a:xfrm>
+          <a:prstGeom prst="rect">
+            <a:avLst/>
+          </a:prstGeom>
+        </p:spPr>
+      </p:pic>
+      <p:pic>
+        <p:nvPicPr>
+          <p:cNvPr id="48" name="Picture 47"/>
+          <p:cNvPicPr>
+            <a:picLocks noChangeAspect="1"/>
+          </p:cNvPicPr>
+          <p:nvPr/>
+        </p:nvPicPr>
+        <p:blipFill rotWithShape="1">
+          <a:blip r:embed="rId18" cstate="print">
+            <a:extLst>
+              <a:ext uri="{28A0092B-C50C-407E-A947-70E740481C1C}">
+                <a14:useLocalDpi xmlns:a14="http://schemas.microsoft.com/office/drawing/2010/main" val="0"/>
+              </a:ext>
+            </a:extLst>
+          </a:blip>
+          <a:srcRect l="4900" t="1602" r="2860" b="947"/>
+          <a:stretch/>
+        </p:blipFill>
+        <p:spPr>
+          <a:xfrm>
+            <a:off x="28962562" y="3269420"/>
+            <a:ext cx="3736438" cy="3092061"/>
+          </a:xfrm>
+          <a:prstGeom prst="rect">
+            <a:avLst/>
+          </a:prstGeom>
+        </p:spPr>
+      </p:pic>
+      <p:pic>
+        <p:nvPicPr>
+          <p:cNvPr id="49" name="Picture 48"/>
+          <p:cNvPicPr>
+            <a:picLocks noChangeAspect="1"/>
+          </p:cNvPicPr>
+          <p:nvPr/>
+        </p:nvPicPr>
+        <p:blipFill rotWithShape="1">
+          <a:blip r:embed="rId19" cstate="print">
+            <a:extLst>
+              <a:ext uri="{28A0092B-C50C-407E-A947-70E740481C1C}">
+                <a14:useLocalDpi xmlns:a14="http://schemas.microsoft.com/office/drawing/2010/main" val="0"/>
+              </a:ext>
+            </a:extLst>
+          </a:blip>
+          <a:srcRect l="2659" t="283" r="2848" b="2267"/>
+          <a:stretch/>
+        </p:blipFill>
+        <p:spPr>
+          <a:xfrm>
+            <a:off x="32827299" y="3269420"/>
+            <a:ext cx="3827721" cy="3092061"/>
+          </a:xfrm>
+          <a:prstGeom prst="rect">
+            <a:avLst/>
+          </a:prstGeom>
+        </p:spPr>
+      </p:pic>
     </p:spTree>
     <p:extLst>
       <p:ext uri="{BB962C8B-B14F-4D97-AF65-F5344CB8AC3E}">

--- a/poster/Poster_DataExpo2013_Kaplan_Hare.pptx
+++ b/poster/Poster_DataExpo2013_Kaplan_Hare.pptx
@@ -192,7 +192,7 @@
           <a:p>
             <a:fld id="{FB9341E4-CD2F-49AF-BE6F-5123F55E34CC}" type="datetimeFigureOut">
               <a:rPr lang="en-US" smtClean="0"/>
-              <a:t>8/1/2013</a:t>
+              <a:t>8/2/2013</a:t>
             </a:fld>
             <a:endParaRPr lang="en-US"/>
           </a:p>
@@ -725,7 +725,7 @@
           <a:p>
             <a:fld id="{EC5820C2-EEC8-4B3E-825C-12D1B6D3BEB7}" type="datetimeFigureOut">
               <a:rPr lang="en-US" smtClean="0"/>
-              <a:t>8/1/2013</a:t>
+              <a:t>8/2/2013</a:t>
             </a:fld>
             <a:endParaRPr lang="en-US"/>
           </a:p>
@@ -895,7 +895,7 @@
           <a:p>
             <a:fld id="{EC5820C2-EEC8-4B3E-825C-12D1B6D3BEB7}" type="datetimeFigureOut">
               <a:rPr lang="en-US" smtClean="0"/>
-              <a:t>8/1/2013</a:t>
+              <a:t>8/2/2013</a:t>
             </a:fld>
             <a:endParaRPr lang="en-US"/>
           </a:p>
@@ -1075,7 +1075,7 @@
           <a:p>
             <a:fld id="{EC5820C2-EEC8-4B3E-825C-12D1B6D3BEB7}" type="datetimeFigureOut">
               <a:rPr lang="en-US" smtClean="0"/>
-              <a:t>8/1/2013</a:t>
+              <a:t>8/2/2013</a:t>
             </a:fld>
             <a:endParaRPr lang="en-US"/>
           </a:p>
@@ -1245,7 +1245,7 @@
           <a:p>
             <a:fld id="{EC5820C2-EEC8-4B3E-825C-12D1B6D3BEB7}" type="datetimeFigureOut">
               <a:rPr lang="en-US" smtClean="0"/>
-              <a:t>8/1/2013</a:t>
+              <a:t>8/2/2013</a:t>
             </a:fld>
             <a:endParaRPr lang="en-US"/>
           </a:p>
@@ -1491,7 +1491,7 @@
           <a:p>
             <a:fld id="{EC5820C2-EEC8-4B3E-825C-12D1B6D3BEB7}" type="datetimeFigureOut">
               <a:rPr lang="en-US" smtClean="0"/>
-              <a:t>8/1/2013</a:t>
+              <a:t>8/2/2013</a:t>
             </a:fld>
             <a:endParaRPr lang="en-US"/>
           </a:p>
@@ -1779,7 +1779,7 @@
           <a:p>
             <a:fld id="{EC5820C2-EEC8-4B3E-825C-12D1B6D3BEB7}" type="datetimeFigureOut">
               <a:rPr lang="en-US" smtClean="0"/>
-              <a:t>8/1/2013</a:t>
+              <a:t>8/2/2013</a:t>
             </a:fld>
             <a:endParaRPr lang="en-US"/>
           </a:p>
@@ -2201,7 +2201,7 @@
           <a:p>
             <a:fld id="{EC5820C2-EEC8-4B3E-825C-12D1B6D3BEB7}" type="datetimeFigureOut">
               <a:rPr lang="en-US" smtClean="0"/>
-              <a:t>8/1/2013</a:t>
+              <a:t>8/2/2013</a:t>
             </a:fld>
             <a:endParaRPr lang="en-US"/>
           </a:p>
@@ -2319,7 +2319,7 @@
           <a:p>
             <a:fld id="{EC5820C2-EEC8-4B3E-825C-12D1B6D3BEB7}" type="datetimeFigureOut">
               <a:rPr lang="en-US" smtClean="0"/>
-              <a:t>8/1/2013</a:t>
+              <a:t>8/2/2013</a:t>
             </a:fld>
             <a:endParaRPr lang="en-US"/>
           </a:p>
@@ -2414,7 +2414,7 @@
           <a:p>
             <a:fld id="{EC5820C2-EEC8-4B3E-825C-12D1B6D3BEB7}" type="datetimeFigureOut">
               <a:rPr lang="en-US" smtClean="0"/>
-              <a:t>8/1/2013</a:t>
+              <a:t>8/2/2013</a:t>
             </a:fld>
             <a:endParaRPr lang="en-US"/>
           </a:p>
@@ -2691,7 +2691,7 @@
           <a:p>
             <a:fld id="{EC5820C2-EEC8-4B3E-825C-12D1B6D3BEB7}" type="datetimeFigureOut">
               <a:rPr lang="en-US" smtClean="0"/>
-              <a:t>8/1/2013</a:t>
+              <a:t>8/2/2013</a:t>
             </a:fld>
             <a:endParaRPr lang="en-US"/>
           </a:p>
@@ -2944,7 +2944,7 @@
           <a:p>
             <a:fld id="{EC5820C2-EEC8-4B3E-825C-12D1B6D3BEB7}" type="datetimeFigureOut">
               <a:rPr lang="en-US" smtClean="0"/>
-              <a:t>8/1/2013</a:t>
+              <a:t>8/2/2013</a:t>
             </a:fld>
             <a:endParaRPr lang="en-US"/>
           </a:p>
@@ -3157,7 +3157,7 @@
           <a:p>
             <a:fld id="{EC5820C2-EEC8-4B3E-825C-12D1B6D3BEB7}" type="datetimeFigureOut">
               <a:rPr lang="en-US" smtClean="0"/>
-              <a:t>8/1/2013</a:t>
+              <a:t>8/2/2013</a:t>
             </a:fld>
             <a:endParaRPr lang="en-US"/>
           </a:p>
@@ -6008,7 +6008,28 @@
                 <a:latin typeface="Arial" pitchFamily="34" charset="0"/>
                 <a:cs typeface="Arial" pitchFamily="34" charset="0"/>
               </a:rPr>
-              <a:t>The data come from the Knight Foundation’s  ‘</a:t>
+              <a:t>The </a:t>
+            </a:r>
+            <a:r>
+              <a:rPr lang="en-US" sz="1700" smtClean="0">
+                <a:latin typeface="Arial" pitchFamily="34" charset="0"/>
+                <a:cs typeface="Arial" pitchFamily="34" charset="0"/>
+              </a:rPr>
+              <a:t>data </a:t>
+            </a:r>
+            <a:r>
+              <a:rPr lang="en-US" sz="1700" smtClean="0">
+                <a:latin typeface="Arial" pitchFamily="34" charset="0"/>
+                <a:cs typeface="Arial" pitchFamily="34" charset="0"/>
+              </a:rPr>
+              <a:t>comes </a:t>
+            </a:r>
+            <a:r>
+              <a:rPr lang="en-US" sz="1700" dirty="0" smtClean="0">
+                <a:latin typeface="Arial" pitchFamily="34" charset="0"/>
+                <a:cs typeface="Arial" pitchFamily="34" charset="0"/>
+              </a:rPr>
+              <a:t>from the Knight Foundation’s  ‘</a:t>
             </a:r>
             <a:r>
               <a:rPr lang="en-US" sz="1700" dirty="0">
@@ -6036,7 +6057,21 @@
                 <a:latin typeface="Arial" pitchFamily="34" charset="0"/>
                 <a:cs typeface="Arial" pitchFamily="34" charset="0"/>
               </a:rPr>
-              <a:t>three years in 26 communities across the United States. The 26 communities do not constitute a random sample of communities across the United States; participating communities were those where the Knight Foundation was already active. Along with survey answers, the data contains derived metrics that were used to gain insight to what makes a community thrive.</a:t>
+              <a:t>three years in 26 communities across the United States. The 26 communities do not constitute a random sample of communities across the United States; participating communities were those where the Knight Foundation was already active. Along with survey answers, the data contains derived metrics that were used to gain insight </a:t>
+            </a:r>
+            <a:r>
+              <a:rPr lang="en-US" sz="1700" dirty="0" smtClean="0">
+                <a:latin typeface="Arial" pitchFamily="34" charset="0"/>
+                <a:cs typeface="Arial" pitchFamily="34" charset="0"/>
+              </a:rPr>
+              <a:t>into </a:t>
+            </a:r>
+            <a:r>
+              <a:rPr lang="en-US" sz="1700" dirty="0" smtClean="0">
+                <a:latin typeface="Arial" pitchFamily="34" charset="0"/>
+                <a:cs typeface="Arial" pitchFamily="34" charset="0"/>
+              </a:rPr>
+              <a:t>what makes a community thrive.</a:t>
             </a:r>
           </a:p>
         </p:txBody>
@@ -7337,14 +7372,35 @@
                 <a:latin typeface="Arial" pitchFamily="34" charset="0"/>
                 <a:cs typeface="Arial" pitchFamily="34" charset="0"/>
               </a:rPr>
-              <a:t>other community in the dataset experienced a change of less than 0.06 between these years.  The average change was </a:t>
+              <a:t>other community in the dataset experienced a change of less than 0.06 between these years</a:t>
             </a:r>
             <a:r>
               <a:rPr lang="en-US" sz="1700" dirty="0" smtClean="0">
                 <a:latin typeface="Arial" pitchFamily="34" charset="0"/>
                 <a:cs typeface="Arial" pitchFamily="34" charset="0"/>
               </a:rPr>
-              <a:t> 0.19.</a:t>
+              <a:t>. </a:t>
+            </a:r>
+            <a:r>
+              <a:rPr lang="en-US" sz="1700" dirty="0">
+                <a:latin typeface="Arial" pitchFamily="34" charset="0"/>
+                <a:cs typeface="Arial" pitchFamily="34" charset="0"/>
+              </a:rPr>
+              <a:t>The average change </a:t>
+            </a:r>
+            <a:r>
+              <a:rPr lang="en-US" sz="1700" dirty="0" smtClean="0">
+                <a:latin typeface="Arial" pitchFamily="34" charset="0"/>
+                <a:cs typeface="Arial" pitchFamily="34" charset="0"/>
+              </a:rPr>
+              <a:t>was </a:t>
+            </a:r>
+            <a:r>
+              <a:rPr lang="en-US" sz="1700" dirty="0" smtClean="0">
+                <a:latin typeface="Arial" pitchFamily="34" charset="0"/>
+                <a:cs typeface="Arial" pitchFamily="34" charset="0"/>
+              </a:rPr>
+              <a:t>0.19.</a:t>
             </a:r>
             <a:endParaRPr lang="en-US" sz="1700" dirty="0">
               <a:latin typeface="Arial" pitchFamily="34" charset="0"/>
@@ -7492,7 +7548,21 @@
                 <a:latin typeface="Arial" pitchFamily="34" charset="0"/>
                 <a:cs typeface="Arial" pitchFamily="34" charset="0"/>
               </a:rPr>
-              <a:t>of 0.49, compared to 0.46 for the average of all cities.  This might help explain why the Great Plains region has the largest overall </a:t>
+              <a:t>of 0.49, compared to 0.46 for the average of all cities</a:t>
+            </a:r>
+            <a:r>
+              <a:rPr lang="en-US" sz="1700" dirty="0" smtClean="0">
+                <a:latin typeface="Arial" pitchFamily="34" charset="0"/>
+                <a:cs typeface="Arial" pitchFamily="34" charset="0"/>
+              </a:rPr>
+              <a:t>.</a:t>
+            </a:r>
+            <a:r>
+              <a:rPr lang="en-US" sz="1700" dirty="0">
+                <a:latin typeface="Arial" pitchFamily="34" charset="0"/>
+                <a:cs typeface="Arial" pitchFamily="34" charset="0"/>
+              </a:rPr>
+              <a:t> This might help explain why the Great Plains region has the largest overall </a:t>
             </a:r>
             <a:r>
               <a:rPr lang="en-US" sz="1700" dirty="0" smtClean="0">
@@ -8153,7 +8223,35 @@
                 <a:latin typeface="Arial" pitchFamily="34" charset="0"/>
                 <a:cs typeface="Arial" pitchFamily="34" charset="0"/>
               </a:rPr>
-              <a:t>Two of the three cities comprising the West region, Boulder, CO and Long Beach, CA, have the urbanicity designation of "Very high urbanicity - medium population".  These are cities in which a large percentage of the moderately-sized population lives in the urban core. Although the average value for the openness metric is lower for this urbanicity designation than all cities as a whole, Boulder and Long Beach are ranked #1 and #5 in openness respectively.  This helps the two cities to achieve the top 10 in among all cities in overall community attachment</a:t>
+              <a:t>Two of the three cities comprising the West region, Boulder, CO and Long Beach, CA, have the urbanicity designation of "Very high urbanicity - medium population</a:t>
+            </a:r>
+            <a:r>
+              <a:rPr lang="en-US" sz="1700" dirty="0" smtClean="0">
+                <a:latin typeface="Arial" pitchFamily="34" charset="0"/>
+                <a:cs typeface="Arial" pitchFamily="34" charset="0"/>
+              </a:rPr>
+              <a:t>".</a:t>
+            </a:r>
+            <a:r>
+              <a:rPr lang="en-US" sz="1700" dirty="0">
+                <a:latin typeface="Arial" pitchFamily="34" charset="0"/>
+                <a:cs typeface="Arial" pitchFamily="34" charset="0"/>
+              </a:rPr>
+              <a:t> These are cities in which a large percentage of the moderately-sized population lives in the urban core. Although the average value for the openness metric is lower for this urbanicity designation than all cities as a whole, Boulder and Long Beach are ranked #1 and #5 in openness respectively</a:t>
+            </a:r>
+            <a:r>
+              <a:rPr lang="en-US" sz="1700" dirty="0" smtClean="0">
+                <a:latin typeface="Arial" pitchFamily="34" charset="0"/>
+                <a:cs typeface="Arial" pitchFamily="34" charset="0"/>
+              </a:rPr>
+              <a:t>.</a:t>
+            </a:r>
+            <a:r>
+              <a:rPr lang="en-US" sz="1700" dirty="0">
+                <a:latin typeface="Arial" pitchFamily="34" charset="0"/>
+                <a:cs typeface="Arial" pitchFamily="34" charset="0"/>
+              </a:rPr>
+              <a:t> This helps the two cities to achieve the top 10 in among all cities in overall community attachment</a:t>
             </a:r>
             <a:r>
               <a:rPr lang="en-US" sz="1700" dirty="0" smtClean="0">

--- a/poster/Poster_DataExpo2013_Kaplan_Hare.pptx
+++ b/poster/Poster_DataExpo2013_Kaplan_Hare.pptx
@@ -6022,7 +6022,7 @@
                 <a:latin typeface="Arial" pitchFamily="34" charset="0"/>
                 <a:cs typeface="Arial" pitchFamily="34" charset="0"/>
               </a:rPr>
-              <a:t>comes </a:t>
+              <a:t>come </a:t>
             </a:r>
             <a:r>
               <a:rPr lang="en-US" sz="1700" dirty="0" smtClean="0">
@@ -6057,21 +6057,7 @@
                 <a:latin typeface="Arial" pitchFamily="34" charset="0"/>
                 <a:cs typeface="Arial" pitchFamily="34" charset="0"/>
               </a:rPr>
-              <a:t>three years in 26 communities across the United States. The 26 communities do not constitute a random sample of communities across the United States; participating communities were those where the Knight Foundation was already active. Along with survey answers, the data contains derived metrics that were used to gain insight </a:t>
-            </a:r>
-            <a:r>
-              <a:rPr lang="en-US" sz="1700" dirty="0" smtClean="0">
-                <a:latin typeface="Arial" pitchFamily="34" charset="0"/>
-                <a:cs typeface="Arial" pitchFamily="34" charset="0"/>
-              </a:rPr>
-              <a:t>into </a:t>
-            </a:r>
-            <a:r>
-              <a:rPr lang="en-US" sz="1700" dirty="0" smtClean="0">
-                <a:latin typeface="Arial" pitchFamily="34" charset="0"/>
-                <a:cs typeface="Arial" pitchFamily="34" charset="0"/>
-              </a:rPr>
-              <a:t>what makes a community thrive.</a:t>
+              <a:t>three years in 26 communities across the United States. The 26 communities do not constitute a random sample of communities across the United States; participating communities were those where the Knight Foundation was already active. Along with survey answers, the data contains derived metrics that were used to gain insight into what makes a community thrive.</a:t>
             </a:r>
           </a:p>
         </p:txBody>
@@ -7393,14 +7379,7 @@
                 <a:latin typeface="Arial" pitchFamily="34" charset="0"/>
                 <a:cs typeface="Arial" pitchFamily="34" charset="0"/>
               </a:rPr>
-              <a:t>was </a:t>
-            </a:r>
-            <a:r>
-              <a:rPr lang="en-US" sz="1700" dirty="0" smtClean="0">
-                <a:latin typeface="Arial" pitchFamily="34" charset="0"/>
-                <a:cs typeface="Arial" pitchFamily="34" charset="0"/>
-              </a:rPr>
-              <a:t>0.19.</a:t>
+              <a:t>was 0.19.</a:t>
             </a:r>
             <a:endParaRPr lang="en-US" sz="1700" dirty="0">
               <a:latin typeface="Arial" pitchFamily="34" charset="0"/>
@@ -8204,7 +8183,7 @@
         </p:nvSpPr>
         <p:spPr>
           <a:xfrm>
-            <a:off x="12958830" y="6978680"/>
+            <a:off x="12958830" y="7026386"/>
             <a:ext cx="5208121" cy="3231654"/>
           </a:xfrm>
           <a:prstGeom prst="rect">
@@ -8267,138 +8246,137 @@
           </a:p>
         </p:txBody>
       </p:sp>
+      <p:sp>
+        <p:nvSpPr>
+          <p:cNvPr id="61" name="TextBox 60"/>
+          <p:cNvSpPr txBox="1"/>
+          <p:nvPr/>
+        </p:nvSpPr>
+        <p:spPr>
+          <a:xfrm>
+            <a:off x="12958830" y="18506356"/>
+            <a:ext cx="5208121" cy="3231654"/>
+          </a:xfrm>
+          <a:prstGeom prst="rect">
+            <a:avLst/>
+          </a:prstGeom>
+          <a:noFill/>
+        </p:spPr>
+        <p:txBody>
+          <a:bodyPr wrap="square" rtlCol="0">
+            <a:spAutoFit/>
+          </a:bodyPr>
+          <a:lstStyle/>
+          <a:p>
+            <a:r>
+              <a:rPr lang="en-US" sz="1700" dirty="0">
+                <a:latin typeface="Arial" pitchFamily="34" charset="0"/>
+                <a:cs typeface="Arial" pitchFamily="34" charset="0"/>
+              </a:rPr>
+              <a:t>In 2008, Columbus, GA and Macon, GA ranked 4th lowest and 3rd lowest among the 26 cities in terms of safety. </a:t>
+            </a:r>
+            <a:r>
+              <a:rPr lang="en-US" sz="1700" dirty="0" smtClean="0">
+                <a:latin typeface="Arial" pitchFamily="34" charset="0"/>
+                <a:cs typeface="Arial" pitchFamily="34" charset="0"/>
+              </a:rPr>
+              <a:t>By </a:t>
+            </a:r>
+            <a:r>
+              <a:rPr lang="en-US" sz="1700" dirty="0">
+                <a:latin typeface="Arial" pitchFamily="34" charset="0"/>
+                <a:cs typeface="Arial" pitchFamily="34" charset="0"/>
+              </a:rPr>
+              <a:t>2010, the situation declined further, as Macon declined to the lowest ranking, Milledgeville, GA took the 3rd lowest spot, and Columbus held at the 4th lowest. However, one community in the Deep South, Biloxi</a:t>
+            </a:r>
+            <a:r>
+              <a:rPr lang="en-US" sz="1700" dirty="0" smtClean="0">
+                <a:latin typeface="Arial" pitchFamily="34" charset="0"/>
+                <a:cs typeface="Arial" pitchFamily="34" charset="0"/>
+              </a:rPr>
+              <a:t>, MS, </a:t>
+            </a:r>
+            <a:r>
+              <a:rPr lang="en-US" sz="1700" dirty="0">
+                <a:latin typeface="Arial" pitchFamily="34" charset="0"/>
+                <a:cs typeface="Arial" pitchFamily="34" charset="0"/>
+              </a:rPr>
+              <a:t>bucked this trend</a:t>
+            </a:r>
+            <a:r>
+              <a:rPr lang="en-US" sz="1700" dirty="0" smtClean="0">
+                <a:latin typeface="Arial" pitchFamily="34" charset="0"/>
+                <a:cs typeface="Arial" pitchFamily="34" charset="0"/>
+              </a:rPr>
+              <a:t>. </a:t>
+            </a:r>
+            <a:r>
+              <a:rPr lang="en-US" sz="1700" dirty="0">
+                <a:latin typeface="Arial" pitchFamily="34" charset="0"/>
+                <a:cs typeface="Arial" pitchFamily="34" charset="0"/>
+              </a:rPr>
+              <a:t>In 2010, the city was the 8th highest ranked among all cities. Aided further with 2010's #2 overall ranking in Social Offerings, </a:t>
+            </a:r>
+            <a:r>
+              <a:rPr lang="en-US" sz="1700" dirty="0" smtClean="0">
+                <a:latin typeface="Arial" pitchFamily="34" charset="0"/>
+                <a:cs typeface="Arial" pitchFamily="34" charset="0"/>
+              </a:rPr>
+              <a:t>Biloxi </a:t>
+            </a:r>
+            <a:r>
+              <a:rPr lang="en-US" sz="1700" dirty="0">
+                <a:latin typeface="Arial" pitchFamily="34" charset="0"/>
+                <a:cs typeface="Arial" pitchFamily="34" charset="0"/>
+              </a:rPr>
+              <a:t>achieved the highest community attachment rating in the Deep South region</a:t>
+            </a:r>
+            <a:r>
+              <a:rPr lang="en-US" sz="1700" dirty="0" smtClean="0">
+                <a:latin typeface="Arial" pitchFamily="34" charset="0"/>
+                <a:cs typeface="Arial" pitchFamily="34" charset="0"/>
+              </a:rPr>
+              <a:t>.	</a:t>
+            </a:r>
+            <a:endParaRPr lang="en-US" sz="1700" dirty="0">
+              <a:latin typeface="Arial" pitchFamily="34" charset="0"/>
+              <a:cs typeface="Arial" pitchFamily="34" charset="0"/>
+            </a:endParaRPr>
+          </a:p>
+        </p:txBody>
+      </p:sp>
       <p:pic>
         <p:nvPicPr>
-          <p:cNvPr id="23" name="Picture 22"/>
+          <p:cNvPr id="24" name="Picture 23"/>
           <p:cNvPicPr>
             <a:picLocks noChangeAspect="1"/>
           </p:cNvPicPr>
           <p:nvPr/>
         </p:nvPicPr>
-        <p:blipFill>
-          <a:blip r:embed="rId9">
+        <p:blipFill rotWithShape="1">
+          <a:blip r:embed="rId9" cstate="print">
             <a:extLst>
               <a:ext uri="{28A0092B-C50C-407E-A947-70E740481C1C}">
                 <a14:useLocalDpi xmlns:a14="http://schemas.microsoft.com/office/drawing/2010/main" val="0"/>
               </a:ext>
             </a:extLst>
           </a:blip>
-          <a:stretch>
-            <a:fillRect/>
-          </a:stretch>
+          <a:srcRect l="20396" t="2671"/>
+          <a:stretch/>
         </p:blipFill>
         <p:spPr>
           <a:xfrm>
-            <a:off x="13131664" y="3752660"/>
-            <a:ext cx="4862452" cy="3205415"/>
+            <a:off x="18143505" y="17929482"/>
+            <a:ext cx="3831173" cy="3548342"/>
           </a:xfrm>
           <a:prstGeom prst="rect">
             <a:avLst/>
           </a:prstGeom>
         </p:spPr>
       </p:pic>
-      <p:sp>
-        <p:nvSpPr>
-          <p:cNvPr id="61" name="TextBox 60"/>
-          <p:cNvSpPr txBox="1"/>
-          <p:nvPr/>
-        </p:nvSpPr>
-        <p:spPr>
-          <a:xfrm>
-            <a:off x="12958830" y="18506356"/>
-            <a:ext cx="5208121" cy="3231654"/>
-          </a:xfrm>
-          <a:prstGeom prst="rect">
-            <a:avLst/>
-          </a:prstGeom>
-          <a:noFill/>
-        </p:spPr>
-        <p:txBody>
-          <a:bodyPr wrap="square" rtlCol="0">
-            <a:spAutoFit/>
-          </a:bodyPr>
-          <a:lstStyle/>
-          <a:p>
-            <a:r>
-              <a:rPr lang="en-US" sz="1700" dirty="0">
-                <a:latin typeface="Arial" pitchFamily="34" charset="0"/>
-                <a:cs typeface="Arial" pitchFamily="34" charset="0"/>
-              </a:rPr>
-              <a:t>In 2008, Columbus, GA and Macon, GA ranked 4th lowest and 3rd lowest among the 26 cities in terms of safety. </a:t>
-            </a:r>
-            <a:r>
-              <a:rPr lang="en-US" sz="1700" dirty="0" smtClean="0">
-                <a:latin typeface="Arial" pitchFamily="34" charset="0"/>
-                <a:cs typeface="Arial" pitchFamily="34" charset="0"/>
-              </a:rPr>
-              <a:t>By </a:t>
-            </a:r>
-            <a:r>
-              <a:rPr lang="en-US" sz="1700" dirty="0">
-                <a:latin typeface="Arial" pitchFamily="34" charset="0"/>
-                <a:cs typeface="Arial" pitchFamily="34" charset="0"/>
-              </a:rPr>
-              <a:t>2010, the situation declined further, as Macon declined to the lowest ranking, Milledgeville, GA took the 3rd lowest spot, and Columbus held at the 4th lowest. However, one community in the Deep South, Biloxi</a:t>
-            </a:r>
-            <a:r>
-              <a:rPr lang="en-US" sz="1700" dirty="0" smtClean="0">
-                <a:latin typeface="Arial" pitchFamily="34" charset="0"/>
-                <a:cs typeface="Arial" pitchFamily="34" charset="0"/>
-              </a:rPr>
-              <a:t>, MS, </a:t>
-            </a:r>
-            <a:r>
-              <a:rPr lang="en-US" sz="1700" dirty="0">
-                <a:latin typeface="Arial" pitchFamily="34" charset="0"/>
-                <a:cs typeface="Arial" pitchFamily="34" charset="0"/>
-              </a:rPr>
-              <a:t>bucked this trend</a:t>
-            </a:r>
-            <a:r>
-              <a:rPr lang="en-US" sz="1700" dirty="0" smtClean="0">
-                <a:latin typeface="Arial" pitchFamily="34" charset="0"/>
-                <a:cs typeface="Arial" pitchFamily="34" charset="0"/>
-              </a:rPr>
-              <a:t>. </a:t>
-            </a:r>
-            <a:r>
-              <a:rPr lang="en-US" sz="1700" dirty="0">
-                <a:latin typeface="Arial" pitchFamily="34" charset="0"/>
-                <a:cs typeface="Arial" pitchFamily="34" charset="0"/>
-              </a:rPr>
-              <a:t>In 2010, the city was the 8th highest ranked among all cities. Aided further with 2010's #2 overall ranking in Social Offerings, </a:t>
-            </a:r>
-            <a:r>
-              <a:rPr lang="en-US" sz="1700" dirty="0" smtClean="0">
-                <a:latin typeface="Arial" pitchFamily="34" charset="0"/>
-                <a:cs typeface="Arial" pitchFamily="34" charset="0"/>
-              </a:rPr>
-              <a:t>Biloxi </a:t>
-            </a:r>
-            <a:r>
-              <a:rPr lang="en-US" sz="1700" dirty="0">
-                <a:latin typeface="Arial" pitchFamily="34" charset="0"/>
-                <a:cs typeface="Arial" pitchFamily="34" charset="0"/>
-              </a:rPr>
-              <a:t>achieved the highest community attachment rating in the Deep South region</a:t>
-            </a:r>
-            <a:r>
-              <a:rPr lang="en-US" sz="1700" dirty="0" smtClean="0">
-                <a:latin typeface="Arial" pitchFamily="34" charset="0"/>
-                <a:cs typeface="Arial" pitchFamily="34" charset="0"/>
-              </a:rPr>
-              <a:t>.	</a:t>
-            </a:r>
-            <a:endParaRPr lang="en-US" sz="1700" dirty="0">
-              <a:latin typeface="Arial" pitchFamily="34" charset="0"/>
-              <a:cs typeface="Arial" pitchFamily="34" charset="0"/>
-            </a:endParaRPr>
-          </a:p>
-        </p:txBody>
-      </p:sp>
       <p:pic>
         <p:nvPicPr>
-          <p:cNvPr id="24" name="Picture 23"/>
+          <p:cNvPr id="53" name="Picture 52"/>
           <p:cNvPicPr>
             <a:picLocks noChangeAspect="1"/>
           </p:cNvPicPr>
@@ -8412,13 +8390,13 @@
               </a:ext>
             </a:extLst>
           </a:blip>
-          <a:srcRect l="20396" t="2671"/>
+          <a:srcRect l="1675" t="1283" r="3915" b="856"/>
           <a:stretch/>
         </p:blipFill>
         <p:spPr>
           <a:xfrm>
-            <a:off x="18143505" y="17929482"/>
-            <a:ext cx="3831173" cy="3548342"/>
+            <a:off x="13102544" y="10210881"/>
+            <a:ext cx="4920693" cy="7292841"/>
           </a:xfrm>
           <a:prstGeom prst="rect">
             <a:avLst/>
@@ -8427,7 +8405,7 @@
       </p:pic>
       <p:pic>
         <p:nvPicPr>
-          <p:cNvPr id="53" name="Picture 52"/>
+          <p:cNvPr id="68" name="Picture 67"/>
           <p:cNvPicPr>
             <a:picLocks noChangeAspect="1"/>
           </p:cNvPicPr>
@@ -8441,13 +8419,13 @@
               </a:ext>
             </a:extLst>
           </a:blip>
-          <a:srcRect l="1675" t="1283" r="3915" b="856"/>
+          <a:srcRect l="355" r="5501" b="4995"/>
           <a:stretch/>
         </p:blipFill>
         <p:spPr>
           <a:xfrm>
-            <a:off x="13102544" y="10163175"/>
-            <a:ext cx="4920693" cy="7292841"/>
+            <a:off x="22148778" y="22302275"/>
+            <a:ext cx="3305640" cy="3448824"/>
           </a:xfrm>
           <a:prstGeom prst="rect">
             <a:avLst/>
@@ -8456,7 +8434,7 @@
       </p:pic>
       <p:pic>
         <p:nvPicPr>
-          <p:cNvPr id="68" name="Picture 67"/>
+          <p:cNvPr id="70" name="Picture 69"/>
           <p:cNvPicPr>
             <a:picLocks noChangeAspect="1"/>
           </p:cNvPicPr>
@@ -8470,13 +8448,13 @@
               </a:ext>
             </a:extLst>
           </a:blip>
-          <a:srcRect l="355" r="5501" b="4995"/>
+          <a:srcRect l="102" r="5199" b="4995"/>
           <a:stretch/>
         </p:blipFill>
         <p:spPr>
           <a:xfrm>
-            <a:off x="22148778" y="22302275"/>
-            <a:ext cx="3305640" cy="3448824"/>
+            <a:off x="25582921" y="22302275"/>
+            <a:ext cx="3325137" cy="3448825"/>
           </a:xfrm>
           <a:prstGeom prst="rect">
             <a:avLst/>
@@ -8485,7 +8463,7 @@
       </p:pic>
       <p:pic>
         <p:nvPicPr>
-          <p:cNvPr id="70" name="Picture 69"/>
+          <p:cNvPr id="71" name="Picture 70"/>
           <p:cNvPicPr>
             <a:picLocks noChangeAspect="1"/>
           </p:cNvPicPr>
@@ -8499,13 +8477,13 @@
               </a:ext>
             </a:extLst>
           </a:blip>
-          <a:srcRect l="102" r="5199" b="4995"/>
+          <a:srcRect l="281" r="2869" b="4907"/>
           <a:stretch/>
         </p:blipFill>
         <p:spPr>
           <a:xfrm>
-            <a:off x="25582921" y="22302275"/>
-            <a:ext cx="3325137" cy="3448825"/>
+            <a:off x="29040637" y="22300674"/>
+            <a:ext cx="3400681" cy="3452027"/>
           </a:xfrm>
           <a:prstGeom prst="rect">
             <a:avLst/>
@@ -8514,7 +8492,7 @@
       </p:pic>
       <p:pic>
         <p:nvPicPr>
-          <p:cNvPr id="71" name="Picture 70"/>
+          <p:cNvPr id="74" name="Picture 73"/>
           <p:cNvPicPr>
             <a:picLocks noChangeAspect="1"/>
           </p:cNvPicPr>
@@ -8528,13 +8506,13 @@
               </a:ext>
             </a:extLst>
           </a:blip>
-          <a:srcRect l="281" r="2869" b="4907"/>
+          <a:srcRect l="286" t="2064" r="127" b="5465"/>
           <a:stretch/>
         </p:blipFill>
         <p:spPr>
           <a:xfrm>
-            <a:off x="29040637" y="22300674"/>
-            <a:ext cx="3400681" cy="3452027"/>
+            <a:off x="36028376" y="16951958"/>
+            <a:ext cx="7512693" cy="4650656"/>
           </a:xfrm>
           <a:prstGeom prst="rect">
             <a:avLst/>
@@ -8543,7 +8521,7 @@
       </p:pic>
       <p:pic>
         <p:nvPicPr>
-          <p:cNvPr id="74" name="Picture 73"/>
+          <p:cNvPr id="77" name="Picture 76"/>
           <p:cNvPicPr>
             <a:picLocks noChangeAspect="1"/>
           </p:cNvPicPr>
@@ -8557,13 +8535,13 @@
               </a:ext>
             </a:extLst>
           </a:blip>
-          <a:srcRect l="286" t="2064" r="127" b="5465"/>
+          <a:srcRect b="3594"/>
           <a:stretch/>
         </p:blipFill>
         <p:spPr>
           <a:xfrm>
-            <a:off x="36028376" y="16951958"/>
-            <a:ext cx="7512693" cy="4650656"/>
+            <a:off x="22189678" y="17965049"/>
+            <a:ext cx="10327145" cy="3457403"/>
           </a:xfrm>
           <a:prstGeom prst="rect">
             <a:avLst/>
@@ -8572,7 +8550,7 @@
       </p:pic>
       <p:pic>
         <p:nvPicPr>
-          <p:cNvPr id="77" name="Picture 76"/>
+          <p:cNvPr id="7" name="Picture 6"/>
           <p:cNvPicPr>
             <a:picLocks noChangeAspect="1"/>
           </p:cNvPicPr>
@@ -8586,13 +8564,13 @@
               </a:ext>
             </a:extLst>
           </a:blip>
-          <a:srcRect b="3594"/>
+          <a:srcRect b="2363"/>
           <a:stretch/>
         </p:blipFill>
         <p:spPr>
           <a:xfrm>
-            <a:off x="22189678" y="17965049"/>
-            <a:ext cx="10327145" cy="3457403"/>
+            <a:off x="22189677" y="17947266"/>
+            <a:ext cx="10360279" cy="3512775"/>
           </a:xfrm>
           <a:prstGeom prst="rect">
             <a:avLst/>
@@ -8601,7 +8579,7 @@
       </p:pic>
       <p:pic>
         <p:nvPicPr>
-          <p:cNvPr id="7" name="Picture 6"/>
+          <p:cNvPr id="48" name="Picture 47"/>
           <p:cNvPicPr>
             <a:picLocks noChangeAspect="1"/>
           </p:cNvPicPr>
@@ -8615,13 +8593,13 @@
               </a:ext>
             </a:extLst>
           </a:blip>
-          <a:srcRect b="2363"/>
+          <a:srcRect l="4900" t="1602" r="2860" b="947"/>
           <a:stretch/>
         </p:blipFill>
         <p:spPr>
           <a:xfrm>
-            <a:off x="22189677" y="17947266"/>
-            <a:ext cx="10360279" cy="3512775"/>
+            <a:off x="28962562" y="3269420"/>
+            <a:ext cx="3736438" cy="3092061"/>
           </a:xfrm>
           <a:prstGeom prst="rect">
             <a:avLst/>
@@ -8630,7 +8608,7 @@
       </p:pic>
       <p:pic>
         <p:nvPicPr>
-          <p:cNvPr id="48" name="Picture 47"/>
+          <p:cNvPr id="49" name="Picture 48"/>
           <p:cNvPicPr>
             <a:picLocks noChangeAspect="1"/>
           </p:cNvPicPr>
@@ -8644,13 +8622,13 @@
               </a:ext>
             </a:extLst>
           </a:blip>
-          <a:srcRect l="4900" t="1602" r="2860" b="947"/>
+          <a:srcRect l="2659" t="283" r="2848" b="2267"/>
           <a:stretch/>
         </p:blipFill>
         <p:spPr>
           <a:xfrm>
-            <a:off x="28962562" y="3269420"/>
-            <a:ext cx="3736438" cy="3092061"/>
+            <a:off x="32827299" y="3269420"/>
+            <a:ext cx="3827721" cy="3092061"/>
           </a:xfrm>
           <a:prstGeom prst="rect">
             <a:avLst/>
@@ -8659,7 +8637,7 @@
       </p:pic>
       <p:pic>
         <p:nvPicPr>
-          <p:cNvPr id="49" name="Picture 48"/>
+          <p:cNvPr id="19" name="Picture 18"/>
           <p:cNvPicPr>
             <a:picLocks noChangeAspect="1"/>
           </p:cNvPicPr>
@@ -8673,13 +8651,13 @@
               </a:ext>
             </a:extLst>
           </a:blip>
-          <a:srcRect l="2659" t="283" r="2848" b="2267"/>
+          <a:srcRect t="11256" b="307"/>
           <a:stretch/>
         </p:blipFill>
         <p:spPr>
           <a:xfrm>
-            <a:off x="32827299" y="3269420"/>
-            <a:ext cx="3827721" cy="3092061"/>
+            <a:off x="13130586" y="3720006"/>
+            <a:ext cx="4864608" cy="3282527"/>
           </a:xfrm>
           <a:prstGeom prst="rect">
             <a:avLst/>

--- a/poster/Poster_DataExpo2013_Kaplan_Hare.pptx
+++ b/poster/Poster_DataExpo2013_Kaplan_Hare.pptx
@@ -6015,14 +6015,7 @@
                 <a:latin typeface="Arial" pitchFamily="34" charset="0"/>
                 <a:cs typeface="Arial" pitchFamily="34" charset="0"/>
               </a:rPr>
-              <a:t>data </a:t>
-            </a:r>
-            <a:r>
-              <a:rPr lang="en-US" sz="1700" smtClean="0">
-                <a:latin typeface="Arial" pitchFamily="34" charset="0"/>
-                <a:cs typeface="Arial" pitchFamily="34" charset="0"/>
-              </a:rPr>
-              <a:t>come </a:t>
+              <a:t>data come </a:t>
             </a:r>
             <a:r>
               <a:rPr lang="en-US" sz="1700" dirty="0" smtClean="0">
@@ -8202,27 +8195,55 @@
                 <a:latin typeface="Arial" pitchFamily="34" charset="0"/>
                 <a:cs typeface="Arial" pitchFamily="34" charset="0"/>
               </a:rPr>
-              <a:t>Two of the three cities comprising the West region, Boulder, CO and Long Beach, CA, have the urbanicity designation of "Very high urbanicity - medium population</a:t>
+              <a:t>Two of the three cities comprising the West region, Boulder, CO and Long Beach, CA, have the </a:t>
             </a:r>
             <a:r>
               <a:rPr lang="en-US" sz="1700" dirty="0" smtClean="0">
                 <a:latin typeface="Arial" pitchFamily="34" charset="0"/>
                 <a:cs typeface="Arial" pitchFamily="34" charset="0"/>
               </a:rPr>
-              <a:t>".</a:t>
+              <a:t>Urbanicity </a:t>
             </a:r>
             <a:r>
               <a:rPr lang="en-US" sz="1700" dirty="0">
                 <a:latin typeface="Arial" pitchFamily="34" charset="0"/>
                 <a:cs typeface="Arial" pitchFamily="34" charset="0"/>
               </a:rPr>
-              <a:t> These are cities in which a large percentage of the moderately-sized population lives in the urban core. Although the average value for the openness metric is lower for this urbanicity designation than all cities as a whole, Boulder and Long Beach are ranked #1 and #5 in openness respectively</a:t>
+              <a:t>designation of </a:t>
             </a:r>
             <a:r>
               <a:rPr lang="en-US" sz="1700" dirty="0" smtClean="0">
                 <a:latin typeface="Arial" pitchFamily="34" charset="0"/>
                 <a:cs typeface="Arial" pitchFamily="34" charset="0"/>
               </a:rPr>
+              <a:t>“Very </a:t>
+            </a:r>
+            <a:r>
+              <a:rPr lang="en-US" sz="1700" dirty="0">
+                <a:latin typeface="Arial" pitchFamily="34" charset="0"/>
+                <a:cs typeface="Arial" pitchFamily="34" charset="0"/>
+              </a:rPr>
+              <a:t>high urbanicity - medium </a:t>
+            </a:r>
+            <a:r>
+              <a:rPr lang="en-US" sz="1700" dirty="0" smtClean="0">
+                <a:latin typeface="Arial" pitchFamily="34" charset="0"/>
+                <a:cs typeface="Arial" pitchFamily="34" charset="0"/>
+              </a:rPr>
+              <a:t>population</a:t>
+            </a:r>
+            <a:r>
+              <a:rPr lang="en-US" sz="1700" dirty="0" smtClean="0">
+                <a:latin typeface="Arial" pitchFamily="34" charset="0"/>
+                <a:cs typeface="Arial" pitchFamily="34" charset="0"/>
+              </a:rPr>
+              <a:t>”</a:t>
+            </a:r>
+            <a:r>
+              <a:rPr lang="en-US" sz="1700" dirty="0" smtClean="0">
+                <a:latin typeface="Arial" pitchFamily="34" charset="0"/>
+                <a:cs typeface="Arial" pitchFamily="34" charset="0"/>
+              </a:rPr>
               <a:t>.</a:t>
             </a:r>
             <a:r>
@@ -8230,7 +8251,91 @@
                 <a:latin typeface="Arial" pitchFamily="34" charset="0"/>
                 <a:cs typeface="Arial" pitchFamily="34" charset="0"/>
               </a:rPr>
-              <a:t> This helps the two cities to achieve the top 10 in among all cities in overall community attachment</a:t>
+              <a:t> These are cities in which a large percentage of the moderately-sized population lives in the urban core. Although the average value for the </a:t>
+            </a:r>
+            <a:r>
+              <a:rPr lang="en-US" sz="1700" dirty="0" smtClean="0">
+                <a:latin typeface="Arial" pitchFamily="34" charset="0"/>
+                <a:cs typeface="Arial" pitchFamily="34" charset="0"/>
+              </a:rPr>
+              <a:t>Openness </a:t>
+            </a:r>
+            <a:r>
+              <a:rPr lang="en-US" sz="1700" dirty="0">
+                <a:latin typeface="Arial" pitchFamily="34" charset="0"/>
+                <a:cs typeface="Arial" pitchFamily="34" charset="0"/>
+              </a:rPr>
+              <a:t>metric is lower for this </a:t>
+            </a:r>
+            <a:r>
+              <a:rPr lang="en-US" sz="1700" dirty="0" smtClean="0">
+                <a:latin typeface="Arial" pitchFamily="34" charset="0"/>
+                <a:cs typeface="Arial" pitchFamily="34" charset="0"/>
+              </a:rPr>
+              <a:t>Urbanicity </a:t>
+            </a:r>
+            <a:r>
+              <a:rPr lang="en-US" sz="1700" dirty="0">
+                <a:latin typeface="Arial" pitchFamily="34" charset="0"/>
+                <a:cs typeface="Arial" pitchFamily="34" charset="0"/>
+              </a:rPr>
+              <a:t>designation than all cities as a whole, Boulder and Long Beach are ranked #1 and #5 in </a:t>
+            </a:r>
+            <a:r>
+              <a:rPr lang="en-US" sz="1700" dirty="0" smtClean="0">
+                <a:latin typeface="Arial" pitchFamily="34" charset="0"/>
+                <a:cs typeface="Arial" pitchFamily="34" charset="0"/>
+              </a:rPr>
+              <a:t>Openness </a:t>
+            </a:r>
+            <a:r>
+              <a:rPr lang="en-US" sz="1700" dirty="0">
+                <a:latin typeface="Arial" pitchFamily="34" charset="0"/>
+                <a:cs typeface="Arial" pitchFamily="34" charset="0"/>
+              </a:rPr>
+              <a:t>respectively</a:t>
+            </a:r>
+            <a:r>
+              <a:rPr lang="en-US" sz="1700" dirty="0" smtClean="0">
+                <a:latin typeface="Arial" pitchFamily="34" charset="0"/>
+                <a:cs typeface="Arial" pitchFamily="34" charset="0"/>
+              </a:rPr>
+              <a:t>.</a:t>
+            </a:r>
+            <a:r>
+              <a:rPr lang="en-US" sz="1700" dirty="0">
+                <a:latin typeface="Arial" pitchFamily="34" charset="0"/>
+                <a:cs typeface="Arial" pitchFamily="34" charset="0"/>
+              </a:rPr>
+              <a:t> This helps the two cities to achieve the top 10 in among all cities in </a:t>
+            </a:r>
+            <a:r>
+              <a:rPr lang="en-US" sz="1700">
+                <a:latin typeface="Arial" pitchFamily="34" charset="0"/>
+                <a:cs typeface="Arial" pitchFamily="34" charset="0"/>
+              </a:rPr>
+              <a:t>overall </a:t>
+            </a:r>
+            <a:r>
+              <a:rPr lang="en-US" sz="1700" smtClean="0">
+                <a:latin typeface="Arial" pitchFamily="34" charset="0"/>
+                <a:cs typeface="Arial" pitchFamily="34" charset="0"/>
+              </a:rPr>
+              <a:t>Community </a:t>
+            </a:r>
+            <a:r>
+              <a:rPr lang="en-US" sz="1700" dirty="0">
+                <a:latin typeface="Arial" pitchFamily="34" charset="0"/>
+                <a:cs typeface="Arial" pitchFamily="34" charset="0"/>
+              </a:rPr>
+              <a:t>A</a:t>
+            </a:r>
+            <a:r>
+              <a:rPr lang="en-US" sz="1700" smtClean="0">
+                <a:latin typeface="Arial" pitchFamily="34" charset="0"/>
+                <a:cs typeface="Arial" pitchFamily="34" charset="0"/>
+              </a:rPr>
+              <a:t>ttachment</a:t>
             </a:r>
             <a:r>
               <a:rPr lang="en-US" sz="1700" dirty="0" smtClean="0">
@@ -8273,13 +8378,27 @@
                 <a:latin typeface="Arial" pitchFamily="34" charset="0"/>
                 <a:cs typeface="Arial" pitchFamily="34" charset="0"/>
               </a:rPr>
-              <a:t>In 2008, Columbus, GA and Macon, GA ranked 4th lowest and 3rd lowest among the 26 cities in terms of safety. </a:t>
+              <a:t>In 2008, Columbus, GA and Macon, GA ranked 4th lowest and 3rd lowest among the 26 cities in terms of </a:t>
             </a:r>
             <a:r>
               <a:rPr lang="en-US" sz="1700" dirty="0" smtClean="0">
                 <a:latin typeface="Arial" pitchFamily="34" charset="0"/>
                 <a:cs typeface="Arial" pitchFamily="34" charset="0"/>
               </a:rPr>
+              <a:t>Safety</a:t>
+            </a:r>
+            <a:r>
+              <a:rPr lang="en-US" sz="1700" dirty="0">
+                <a:latin typeface="Arial" pitchFamily="34" charset="0"/>
+                <a:cs typeface="Arial" pitchFamily="34" charset="0"/>
+              </a:rPr>
+              <a:t>. </a:t>
+            </a:r>
+            <a:r>
+              <a:rPr lang="en-US" sz="1700" dirty="0" smtClean="0">
+                <a:latin typeface="Arial" pitchFamily="34" charset="0"/>
+                <a:cs typeface="Arial" pitchFamily="34" charset="0"/>
+              </a:rPr>
               <a:t>By </a:t>
             </a:r>
             <a:r>
@@ -8287,13 +8406,27 @@
                 <a:latin typeface="Arial" pitchFamily="34" charset="0"/>
                 <a:cs typeface="Arial" pitchFamily="34" charset="0"/>
               </a:rPr>
-              <a:t>2010, the situation declined further, as Macon declined to the lowest ranking, Milledgeville, GA took the 3rd lowest spot, and Columbus held at the 4th lowest. However, one community in the Deep South, Biloxi</a:t>
+              <a:t>2010, the situation </a:t>
             </a:r>
             <a:r>
               <a:rPr lang="en-US" sz="1700" dirty="0" smtClean="0">
                 <a:latin typeface="Arial" pitchFamily="34" charset="0"/>
                 <a:cs typeface="Arial" pitchFamily="34" charset="0"/>
               </a:rPr>
+              <a:t>degraded further</a:t>
+            </a:r>
+            <a:r>
+              <a:rPr lang="en-US" sz="1700" dirty="0">
+                <a:latin typeface="Arial" pitchFamily="34" charset="0"/>
+                <a:cs typeface="Arial" pitchFamily="34" charset="0"/>
+              </a:rPr>
+              <a:t>, as Macon declined to the lowest ranking, Milledgeville, GA took the 3rd lowest spot, and Columbus held at the 4th lowest. However, one community in the Deep South, Biloxi</a:t>
+            </a:r>
+            <a:r>
+              <a:rPr lang="en-US" sz="1700" dirty="0" smtClean="0">
+                <a:latin typeface="Arial" pitchFamily="34" charset="0"/>
+                <a:cs typeface="Arial" pitchFamily="34" charset="0"/>
+              </a:rPr>
               <a:t>, MS, </a:t>
             </a:r>
             <a:r>
@@ -8329,7 +8462,35 @@
                 <a:latin typeface="Arial" pitchFamily="34" charset="0"/>
                 <a:cs typeface="Arial" pitchFamily="34" charset="0"/>
               </a:rPr>
-              <a:t>achieved the highest community attachment rating in the Deep South region</a:t>
+              <a:t>achieved the highest </a:t>
+            </a:r>
+            <a:r>
+              <a:rPr lang="en-US" sz="1700" dirty="0" smtClean="0">
+                <a:latin typeface="Arial" pitchFamily="34" charset="0"/>
+                <a:cs typeface="Arial" pitchFamily="34" charset="0"/>
+              </a:rPr>
+              <a:t>Community </a:t>
+            </a:r>
+            <a:r>
+              <a:rPr lang="en-US" sz="1700" dirty="0">
+                <a:latin typeface="Arial" pitchFamily="34" charset="0"/>
+                <a:cs typeface="Arial" pitchFamily="34" charset="0"/>
+              </a:rPr>
+              <a:t>A</a:t>
+            </a:r>
+            <a:r>
+              <a:rPr lang="en-US" sz="1700" dirty="0" smtClean="0">
+                <a:latin typeface="Arial" pitchFamily="34" charset="0"/>
+                <a:cs typeface="Arial" pitchFamily="34" charset="0"/>
+              </a:rPr>
+              <a:t>ttachment </a:t>
+            </a:r>
+            <a:r>
+              <a:rPr lang="en-US" sz="1700" dirty="0">
+                <a:latin typeface="Arial" pitchFamily="34" charset="0"/>
+                <a:cs typeface="Arial" pitchFamily="34" charset="0"/>
+              </a:rPr>
+              <a:t>rating in the Deep South region</a:t>
             </a:r>
             <a:r>
               <a:rPr lang="en-US" sz="1700" dirty="0" smtClean="0">

--- a/poster/Poster_DataExpo2013_Kaplan_Hare.pptx
+++ b/poster/Poster_DataExpo2013_Kaplan_Hare.pptx
@@ -5449,7 +5449,7 @@
         </p:nvSpPr>
         <p:spPr>
           <a:xfrm>
-            <a:off x="12958830" y="18032963"/>
+            <a:off x="12958830" y="17885700"/>
             <a:ext cx="18590285" cy="492443"/>
           </a:xfrm>
           <a:prstGeom prst="rect">
@@ -6008,49 +6008,49 @@
                 <a:latin typeface="Arial" pitchFamily="34" charset="0"/>
                 <a:cs typeface="Arial" pitchFamily="34" charset="0"/>
               </a:rPr>
-              <a:t>The </a:t>
-            </a:r>
-            <a:r>
-              <a:rPr lang="en-US" sz="1700" smtClean="0">
-                <a:latin typeface="Arial" pitchFamily="34" charset="0"/>
-                <a:cs typeface="Arial" pitchFamily="34" charset="0"/>
-              </a:rPr>
-              <a:t>data come </a:t>
+              <a:t>The data come from the Knight Foundation’s  ‘</a:t>
+            </a:r>
+            <a:r>
+              <a:rPr lang="en-US" sz="1700" dirty="0">
+                <a:latin typeface="Arial" pitchFamily="34" charset="0"/>
+                <a:cs typeface="Arial" pitchFamily="34" charset="0"/>
+              </a:rPr>
+              <a:t>Soul of the Community</a:t>
             </a:r>
             <a:r>
               <a:rPr lang="en-US" sz="1700" dirty="0" smtClean="0">
                 <a:latin typeface="Arial" pitchFamily="34" charset="0"/>
                 <a:cs typeface="Arial" pitchFamily="34" charset="0"/>
               </a:rPr>
-              <a:t>from the Knight Foundation’s  ‘</a:t>
+              <a:t>’ project. The </a:t>
             </a:r>
             <a:r>
               <a:rPr lang="en-US" sz="1700" dirty="0">
                 <a:latin typeface="Arial" pitchFamily="34" charset="0"/>
                 <a:cs typeface="Arial" pitchFamily="34" charset="0"/>
               </a:rPr>
-              <a:t>Soul of the Community</a:t>
+              <a:t>Knight Foundation in cooperation with Gallup collected data from 43,000 people over </a:t>
             </a:r>
             <a:r>
               <a:rPr lang="en-US" sz="1700" dirty="0" smtClean="0">
                 <a:latin typeface="Arial" pitchFamily="34" charset="0"/>
                 <a:cs typeface="Arial" pitchFamily="34" charset="0"/>
               </a:rPr>
-              <a:t>’ project. The </a:t>
-            </a:r>
-            <a:r>
-              <a:rPr lang="en-US" sz="1700" dirty="0">
-                <a:latin typeface="Arial" pitchFamily="34" charset="0"/>
-                <a:cs typeface="Arial" pitchFamily="34" charset="0"/>
-              </a:rPr>
-              <a:t>Knight Foundation in cooperation with Gallup collected data from 43,000 people over </a:t>
+              <a:t>three years in 26 communities across the United States. The 26 communities do not constitute a random sample of communities across the United States; participating communities were those where the Knight Foundation was already active. Along with survey answers, the data </a:t>
             </a:r>
             <a:r>
               <a:rPr lang="en-US" sz="1700" dirty="0" smtClean="0">
                 <a:latin typeface="Arial" pitchFamily="34" charset="0"/>
                 <a:cs typeface="Arial" pitchFamily="34" charset="0"/>
               </a:rPr>
-              <a:t>three years in 26 communities across the United States. The 26 communities do not constitute a random sample of communities across the United States; participating communities were those where the Knight Foundation was already active. Along with survey answers, the data contains derived metrics that were used to gain insight into what makes a community thrive.</a:t>
+              <a:t>contain </a:t>
+            </a:r>
+            <a:r>
+              <a:rPr lang="en-US" sz="1700" dirty="0" smtClean="0">
+                <a:latin typeface="Arial" pitchFamily="34" charset="0"/>
+                <a:cs typeface="Arial" pitchFamily="34" charset="0"/>
+              </a:rPr>
+              <a:t>derived metrics that were used to gain insight into what makes a community thrive.</a:t>
             </a:r>
           </a:p>
         </p:txBody>
@@ -7464,14 +7464,21 @@
                 <a:latin typeface="Arial" pitchFamily="34" charset="0"/>
                 <a:cs typeface="Arial" pitchFamily="34" charset="0"/>
               </a:rPr>
-              <a:t>, the Great Plains has </a:t>
+              <a:t>, the Great Plains </a:t>
             </a:r>
             <a:r>
               <a:rPr lang="en-US" sz="1700" dirty="0" smtClean="0">
                 <a:latin typeface="Arial" pitchFamily="34" charset="0"/>
                 <a:cs typeface="Arial" pitchFamily="34" charset="0"/>
               </a:rPr>
-              <a:t> a </a:t>
+              <a:t>has </a:t>
+            </a:r>
+            <a:r>
+              <a:rPr lang="en-US" sz="1700" dirty="0" smtClean="0">
+                <a:latin typeface="Arial" pitchFamily="34" charset="0"/>
+                <a:cs typeface="Arial" pitchFamily="34" charset="0"/>
+              </a:rPr>
+              <a:t>a </a:t>
             </a:r>
             <a:r>
               <a:rPr lang="en-US" sz="1700" dirty="0">
@@ -7938,7 +7945,28 @@
                 <a:latin typeface="Arial" pitchFamily="34" charset="0"/>
                 <a:cs typeface="Arial" pitchFamily="34" charset="0"/>
               </a:rPr>
-              <a:t>This fifth most attached community ranks in the lowest half of all communities except in Social Offerings. Myrtle </a:t>
+              <a:t>The 5</a:t>
+            </a:r>
+            <a:r>
+              <a:rPr lang="en-US" sz="1700" baseline="30000" dirty="0" smtClean="0">
+                <a:latin typeface="Arial" pitchFamily="34" charset="0"/>
+                <a:cs typeface="Arial" pitchFamily="34" charset="0"/>
+              </a:rPr>
+              <a:t>th</a:t>
+            </a:r>
+            <a:r>
+              <a:rPr lang="en-US" sz="1700" dirty="0" smtClean="0">
+                <a:latin typeface="Arial" pitchFamily="34" charset="0"/>
+                <a:cs typeface="Arial" pitchFamily="34" charset="0"/>
+              </a:rPr>
+              <a:t> most </a:t>
+            </a:r>
+            <a:r>
+              <a:rPr lang="en-US" sz="1700" dirty="0" smtClean="0">
+                <a:latin typeface="Arial" pitchFamily="34" charset="0"/>
+                <a:cs typeface="Arial" pitchFamily="34" charset="0"/>
+              </a:rPr>
+              <a:t>attached community ranks in the lowest half of all communities except in Social Offerings. Myrtle </a:t>
             </a:r>
             <a:r>
               <a:rPr lang="en-US" sz="1700" dirty="0">
@@ -7952,14 +7980,28 @@
                 <a:latin typeface="Arial" pitchFamily="34" charset="0"/>
                 <a:cs typeface="Arial" pitchFamily="34" charset="0"/>
               </a:rPr>
-              <a:t>third </a:t>
+              <a:t>3</a:t>
+            </a:r>
+            <a:r>
+              <a:rPr lang="en-US" sz="1700" baseline="30000" dirty="0" smtClean="0">
+                <a:latin typeface="Arial" pitchFamily="34" charset="0"/>
+                <a:cs typeface="Arial" pitchFamily="34" charset="0"/>
+              </a:rPr>
+              <a:t>rd</a:t>
+            </a:r>
+            <a:r>
+              <a:rPr lang="en-US" sz="1700" dirty="0" smtClean="0">
+                <a:latin typeface="Arial" pitchFamily="34" charset="0"/>
+                <a:cs typeface="Arial" pitchFamily="34" charset="0"/>
+              </a:rPr>
+              <a:t> worst </a:t>
             </a:r>
             <a:r>
               <a:rPr lang="en-US" sz="1700" dirty="0">
                 <a:latin typeface="Arial" pitchFamily="34" charset="0"/>
                 <a:cs typeface="Arial" pitchFamily="34" charset="0"/>
               </a:rPr>
-              <a:t>worst in terms of Social </a:t>
+              <a:t>in terms of Social </a:t>
             </a:r>
             <a:r>
               <a:rPr lang="en-US" sz="1700" dirty="0" smtClean="0">
@@ -7969,11 +8011,32 @@
               <a:t>Capital and </a:t>
             </a:r>
             <a:r>
+              <a:rPr lang="en-US" sz="1700" dirty="0" smtClean="0">
+                <a:latin typeface="Arial" pitchFamily="34" charset="0"/>
+                <a:cs typeface="Arial" pitchFamily="34" charset="0"/>
+              </a:rPr>
+              <a:t>6</a:t>
+            </a:r>
+            <a:r>
+              <a:rPr lang="en-US" sz="1700" baseline="30000" dirty="0" smtClean="0">
+                <a:latin typeface="Arial" pitchFamily="34" charset="0"/>
+                <a:cs typeface="Arial" pitchFamily="34" charset="0"/>
+              </a:rPr>
+              <a:t>th</a:t>
+            </a:r>
+            <a:r>
+              <a:rPr lang="en-US" sz="1700" dirty="0" smtClean="0">
+                <a:latin typeface="Arial" pitchFamily="34" charset="0"/>
+                <a:cs typeface="Arial" pitchFamily="34" charset="0"/>
+              </a:rPr>
+              <a:t> worst </a:t>
+            </a:r>
+            <a:r>
               <a:rPr lang="en-US" sz="1700" dirty="0">
                 <a:latin typeface="Arial" pitchFamily="34" charset="0"/>
                 <a:cs typeface="Arial" pitchFamily="34" charset="0"/>
               </a:rPr>
-              <a:t>sixth worst in terms of </a:t>
+              <a:t>in terms of </a:t>
             </a:r>
             <a:r>
               <a:rPr lang="en-US" sz="1700" dirty="0" smtClean="0">
@@ -8198,11 +8261,18 @@
               <a:t>Two of the three cities comprising the West region, Boulder, CO and Long Beach, CA, have the </a:t>
             </a:r>
             <a:r>
+              <a:rPr lang="en-US" sz="1700" dirty="0">
+                <a:latin typeface="Arial" pitchFamily="34" charset="0"/>
+                <a:cs typeface="Arial" pitchFamily="34" charset="0"/>
+              </a:rPr>
+              <a:t>u</a:t>
+            </a:r>
+            <a:r>
               <a:rPr lang="en-US" sz="1700" dirty="0" smtClean="0">
                 <a:latin typeface="Arial" pitchFamily="34" charset="0"/>
                 <a:cs typeface="Arial" pitchFamily="34" charset="0"/>
               </a:rPr>
-              <a:t>Urbanicity </a:t>
+              <a:t>rbanicity </a:t>
             </a:r>
             <a:r>
               <a:rPr lang="en-US" sz="1700" dirty="0">
@@ -8230,20 +8300,111 @@
                 <a:latin typeface="Arial" pitchFamily="34" charset="0"/>
                 <a:cs typeface="Arial" pitchFamily="34" charset="0"/>
               </a:rPr>
-              <a:t>population</a:t>
+              <a:t>population”.</a:t>
+            </a:r>
+            <a:r>
+              <a:rPr lang="en-US" sz="1700" dirty="0">
+                <a:latin typeface="Arial" pitchFamily="34" charset="0"/>
+                <a:cs typeface="Arial" pitchFamily="34" charset="0"/>
+              </a:rPr>
+              <a:t> These are cities in which a large percentage of the moderately-sized population lives in the urban core. Although the average value for the </a:t>
             </a:r>
             <a:r>
               <a:rPr lang="en-US" sz="1700" dirty="0" smtClean="0">
                 <a:latin typeface="Arial" pitchFamily="34" charset="0"/>
                 <a:cs typeface="Arial" pitchFamily="34" charset="0"/>
               </a:rPr>
-              <a:t>”</a:t>
+              <a:t>Openness </a:t>
+            </a:r>
+            <a:r>
+              <a:rPr lang="en-US" sz="1700" dirty="0">
+                <a:latin typeface="Arial" pitchFamily="34" charset="0"/>
+                <a:cs typeface="Arial" pitchFamily="34" charset="0"/>
+              </a:rPr>
+              <a:t>metric is lower for this </a:t>
+            </a:r>
+            <a:r>
+              <a:rPr lang="en-US" sz="1700" dirty="0">
+                <a:latin typeface="Arial" pitchFamily="34" charset="0"/>
+                <a:cs typeface="Arial" pitchFamily="34" charset="0"/>
+              </a:rPr>
+              <a:t>u</a:t>
             </a:r>
             <a:r>
               <a:rPr lang="en-US" sz="1700" dirty="0" smtClean="0">
                 <a:latin typeface="Arial" pitchFamily="34" charset="0"/>
                 <a:cs typeface="Arial" pitchFamily="34" charset="0"/>
               </a:rPr>
+              <a:t>rbanicity </a:t>
+            </a:r>
+            <a:r>
+              <a:rPr lang="en-US" sz="1700" dirty="0">
+                <a:latin typeface="Arial" pitchFamily="34" charset="0"/>
+                <a:cs typeface="Arial" pitchFamily="34" charset="0"/>
+              </a:rPr>
+              <a:t>designation than all cities as a whole, Boulder and Long Beach are ranked </a:t>
+            </a:r>
+            <a:r>
+              <a:rPr lang="en-US" sz="1700" dirty="0" smtClean="0">
+                <a:latin typeface="Arial" pitchFamily="34" charset="0"/>
+                <a:cs typeface="Arial" pitchFamily="34" charset="0"/>
+              </a:rPr>
+              <a:t>1</a:t>
+            </a:r>
+            <a:r>
+              <a:rPr lang="en-US" sz="1700" baseline="30000" dirty="0" smtClean="0">
+                <a:latin typeface="Arial" pitchFamily="34" charset="0"/>
+                <a:cs typeface="Arial" pitchFamily="34" charset="0"/>
+              </a:rPr>
+              <a:t>st</a:t>
+            </a:r>
+            <a:r>
+              <a:rPr lang="en-US" sz="1700" dirty="0">
+                <a:latin typeface="Arial" pitchFamily="34" charset="0"/>
+                <a:cs typeface="Arial" pitchFamily="34" charset="0"/>
+              </a:rPr>
+              <a:t> </a:t>
+            </a:r>
+            <a:r>
+              <a:rPr lang="en-US" sz="1700" dirty="0" smtClean="0">
+                <a:latin typeface="Arial" pitchFamily="34" charset="0"/>
+                <a:cs typeface="Arial" pitchFamily="34" charset="0"/>
+              </a:rPr>
+              <a:t>and 5</a:t>
+            </a:r>
+            <a:r>
+              <a:rPr lang="en-US" sz="1700" baseline="30000" dirty="0" smtClean="0">
+                <a:latin typeface="Arial" pitchFamily="34" charset="0"/>
+                <a:cs typeface="Arial" pitchFamily="34" charset="0"/>
+              </a:rPr>
+              <a:t>th</a:t>
+            </a:r>
+            <a:r>
+              <a:rPr lang="en-US" sz="1700" dirty="0" smtClean="0">
+                <a:latin typeface="Arial" pitchFamily="34" charset="0"/>
+                <a:cs typeface="Arial" pitchFamily="34" charset="0"/>
+              </a:rPr>
+              <a:t> in </a:t>
+            </a:r>
+            <a:r>
+              <a:rPr lang="en-US" sz="1700" dirty="0" smtClean="0">
+                <a:latin typeface="Arial" pitchFamily="34" charset="0"/>
+                <a:cs typeface="Arial" pitchFamily="34" charset="0"/>
+              </a:rPr>
+              <a:t>Openness </a:t>
+            </a:r>
+            <a:r>
+              <a:rPr lang="en-US" sz="1700" dirty="0">
+                <a:latin typeface="Arial" pitchFamily="34" charset="0"/>
+                <a:cs typeface="Arial" pitchFamily="34" charset="0"/>
+              </a:rPr>
+              <a:t>respectively</a:t>
+            </a:r>
+            <a:r>
+              <a:rPr lang="en-US" sz="1700" dirty="0" smtClean="0">
+                <a:latin typeface="Arial" pitchFamily="34" charset="0"/>
+                <a:cs typeface="Arial" pitchFamily="34" charset="0"/>
+              </a:rPr>
               <a:t>.</a:t>
             </a:r>
             <a:r>
@@ -8251,98 +8412,42 @@
                 <a:latin typeface="Arial" pitchFamily="34" charset="0"/>
                 <a:cs typeface="Arial" pitchFamily="34" charset="0"/>
               </a:rPr>
-              <a:t> These are cities in which a large percentage of the moderately-sized population lives in the urban core. Although the average value for the </a:t>
+              <a:t> This helps the two cities to achieve the top </a:t>
             </a:r>
             <a:r>
               <a:rPr lang="en-US" sz="1700" dirty="0" smtClean="0">
                 <a:latin typeface="Arial" pitchFamily="34" charset="0"/>
                 <a:cs typeface="Arial" pitchFamily="34" charset="0"/>
               </a:rPr>
-              <a:t>Openness </a:t>
+              <a:t>ten among </a:t>
             </a:r>
             <a:r>
               <a:rPr lang="en-US" sz="1700" dirty="0">
                 <a:latin typeface="Arial" pitchFamily="34" charset="0"/>
                 <a:cs typeface="Arial" pitchFamily="34" charset="0"/>
               </a:rPr>
-              <a:t>metric is lower for this </a:t>
+              <a:t>all cities in overall </a:t>
             </a:r>
             <a:r>
               <a:rPr lang="en-US" sz="1700" dirty="0" smtClean="0">
                 <a:latin typeface="Arial" pitchFamily="34" charset="0"/>
                 <a:cs typeface="Arial" pitchFamily="34" charset="0"/>
               </a:rPr>
-              <a:t>Urbanicity </a:t>
+              <a:t>Community </a:t>
             </a:r>
             <a:r>
               <a:rPr lang="en-US" sz="1700" dirty="0">
                 <a:latin typeface="Arial" pitchFamily="34" charset="0"/>
                 <a:cs typeface="Arial" pitchFamily="34" charset="0"/>
               </a:rPr>
-              <a:t>designation than all cities as a whole, Boulder and Long Beach are ranked #1 and #5 in </a:t>
+              <a:t>A</a:t>
             </a:r>
             <a:r>
               <a:rPr lang="en-US" sz="1700" dirty="0" smtClean="0">
                 <a:latin typeface="Arial" pitchFamily="34" charset="0"/>
                 <a:cs typeface="Arial" pitchFamily="34" charset="0"/>
               </a:rPr>
-              <a:t>Openness </a:t>
-            </a:r>
-            <a:r>
-              <a:rPr lang="en-US" sz="1700" dirty="0">
-                <a:latin typeface="Arial" pitchFamily="34" charset="0"/>
-                <a:cs typeface="Arial" pitchFamily="34" charset="0"/>
-              </a:rPr>
-              <a:t>respectively</a:t>
-            </a:r>
-            <a:r>
-              <a:rPr lang="en-US" sz="1700" dirty="0" smtClean="0">
-                <a:latin typeface="Arial" pitchFamily="34" charset="0"/>
-                <a:cs typeface="Arial" pitchFamily="34" charset="0"/>
-              </a:rPr>
-              <a:t>.</a:t>
-            </a:r>
-            <a:r>
-              <a:rPr lang="en-US" sz="1700" dirty="0">
-                <a:latin typeface="Arial" pitchFamily="34" charset="0"/>
-                <a:cs typeface="Arial" pitchFamily="34" charset="0"/>
-              </a:rPr>
-              <a:t> This helps the two cities to achieve the top 10 in among all cities in </a:t>
-            </a:r>
-            <a:r>
-              <a:rPr lang="en-US" sz="1700">
-                <a:latin typeface="Arial" pitchFamily="34" charset="0"/>
-                <a:cs typeface="Arial" pitchFamily="34" charset="0"/>
-              </a:rPr>
-              <a:t>overall </a:t>
-            </a:r>
-            <a:r>
-              <a:rPr lang="en-US" sz="1700" smtClean="0">
-                <a:latin typeface="Arial" pitchFamily="34" charset="0"/>
-                <a:cs typeface="Arial" pitchFamily="34" charset="0"/>
-              </a:rPr>
-              <a:t>Community </a:t>
-            </a:r>
-            <a:r>
-              <a:rPr lang="en-US" sz="1700" dirty="0">
-                <a:latin typeface="Arial" pitchFamily="34" charset="0"/>
-                <a:cs typeface="Arial" pitchFamily="34" charset="0"/>
-              </a:rPr>
-              <a:t>A</a:t>
-            </a:r>
-            <a:r>
-              <a:rPr lang="en-US" sz="1700" smtClean="0">
-                <a:latin typeface="Arial" pitchFamily="34" charset="0"/>
-                <a:cs typeface="Arial" pitchFamily="34" charset="0"/>
-              </a:rPr>
-              <a:t>ttachment</a:t>
-            </a:r>
-            <a:r>
-              <a:rPr lang="en-US" sz="1700" dirty="0" smtClean="0">
-                <a:latin typeface="Arial" pitchFamily="34" charset="0"/>
-                <a:cs typeface="Arial" pitchFamily="34" charset="0"/>
-              </a:rPr>
-              <a:t>.	</a:t>
+              <a:t>ttachment.	</a:t>
             </a:r>
             <a:endParaRPr lang="en-US" sz="1700" dirty="0">
               <a:latin typeface="Arial" pitchFamily="34" charset="0"/>
@@ -8359,7 +8464,7 @@
         </p:nvSpPr>
         <p:spPr>
           <a:xfrm>
-            <a:off x="12958830" y="18506356"/>
+            <a:off x="12958830" y="18359093"/>
             <a:ext cx="5208121" cy="3231654"/>
           </a:xfrm>
           <a:prstGeom prst="rect">
@@ -8378,13 +8483,69 @@
                 <a:latin typeface="Arial" pitchFamily="34" charset="0"/>
                 <a:cs typeface="Arial" pitchFamily="34" charset="0"/>
               </a:rPr>
-              <a:t>In 2008, Columbus, GA and Macon, GA ranked 4th lowest and 3rd lowest among the 26 cities in terms of </a:t>
+              <a:t>In 2008, Columbus, GA and Macon, GA ranked </a:t>
             </a:r>
             <a:r>
               <a:rPr lang="en-US" sz="1700" dirty="0" smtClean="0">
                 <a:latin typeface="Arial" pitchFamily="34" charset="0"/>
                 <a:cs typeface="Arial" pitchFamily="34" charset="0"/>
               </a:rPr>
+              <a:t>4</a:t>
+            </a:r>
+            <a:r>
+              <a:rPr lang="en-US" sz="1700" baseline="30000" dirty="0" smtClean="0">
+                <a:latin typeface="Arial" pitchFamily="34" charset="0"/>
+                <a:cs typeface="Arial" pitchFamily="34" charset="0"/>
+              </a:rPr>
+              <a:t>th</a:t>
+            </a:r>
+            <a:r>
+              <a:rPr lang="en-US" sz="1700" dirty="0" smtClean="0">
+                <a:latin typeface="Arial" pitchFamily="34" charset="0"/>
+                <a:cs typeface="Arial" pitchFamily="34" charset="0"/>
+              </a:rPr>
+              <a:t> </a:t>
+            </a:r>
+            <a:r>
+              <a:rPr lang="en-US" sz="1700" dirty="0">
+                <a:latin typeface="Arial" pitchFamily="34" charset="0"/>
+                <a:cs typeface="Arial" pitchFamily="34" charset="0"/>
+              </a:rPr>
+              <a:t>lowest and </a:t>
+            </a:r>
+            <a:r>
+              <a:rPr lang="en-US" sz="1700" dirty="0" smtClean="0">
+                <a:latin typeface="Arial" pitchFamily="34" charset="0"/>
+                <a:cs typeface="Arial" pitchFamily="34" charset="0"/>
+              </a:rPr>
+              <a:t>3</a:t>
+            </a:r>
+            <a:r>
+              <a:rPr lang="en-US" sz="1700" baseline="30000" dirty="0" smtClean="0">
+                <a:latin typeface="Arial" pitchFamily="34" charset="0"/>
+                <a:cs typeface="Arial" pitchFamily="34" charset="0"/>
+              </a:rPr>
+              <a:t>rd</a:t>
+            </a:r>
+            <a:r>
+              <a:rPr lang="en-US" sz="1700" dirty="0" smtClean="0">
+                <a:latin typeface="Arial" pitchFamily="34" charset="0"/>
+                <a:cs typeface="Arial" pitchFamily="34" charset="0"/>
+              </a:rPr>
+              <a:t> </a:t>
+            </a:r>
+            <a:r>
+              <a:rPr lang="en-US" sz="1700" dirty="0">
+                <a:latin typeface="Arial" pitchFamily="34" charset="0"/>
+                <a:cs typeface="Arial" pitchFamily="34" charset="0"/>
+              </a:rPr>
+              <a:t>lowest among the 26 cities in terms of </a:t>
+            </a:r>
+            <a:r>
+              <a:rPr lang="en-US" sz="1700" dirty="0" smtClean="0">
+                <a:latin typeface="Arial" pitchFamily="34" charset="0"/>
+                <a:cs typeface="Arial" pitchFamily="34" charset="0"/>
+              </a:rPr>
               <a:t>Safety</a:t>
             </a:r>
             <a:r>
@@ -8420,13 +8581,69 @@
                 <a:latin typeface="Arial" pitchFamily="34" charset="0"/>
                 <a:cs typeface="Arial" pitchFamily="34" charset="0"/>
               </a:rPr>
-              <a:t>, as Macon declined to the lowest ranking, Milledgeville, GA took the 3rd lowest spot, and Columbus held at the 4th lowest. However, one community in the Deep South, Biloxi</a:t>
+              <a:t>, as Macon declined to the lowest ranking, Milledgeville, GA took the </a:t>
             </a:r>
             <a:r>
               <a:rPr lang="en-US" sz="1700" dirty="0" smtClean="0">
                 <a:latin typeface="Arial" pitchFamily="34" charset="0"/>
                 <a:cs typeface="Arial" pitchFamily="34" charset="0"/>
               </a:rPr>
+              <a:t>3</a:t>
+            </a:r>
+            <a:r>
+              <a:rPr lang="en-US" sz="1700" baseline="30000" dirty="0" smtClean="0">
+                <a:latin typeface="Arial" pitchFamily="34" charset="0"/>
+                <a:cs typeface="Arial" pitchFamily="34" charset="0"/>
+              </a:rPr>
+              <a:t>rd</a:t>
+            </a:r>
+            <a:r>
+              <a:rPr lang="en-US" sz="1700" dirty="0" smtClean="0">
+                <a:latin typeface="Arial" pitchFamily="34" charset="0"/>
+                <a:cs typeface="Arial" pitchFamily="34" charset="0"/>
+              </a:rPr>
+              <a:t> </a:t>
+            </a:r>
+            <a:r>
+              <a:rPr lang="en-US" sz="1700" dirty="0">
+                <a:latin typeface="Arial" pitchFamily="34" charset="0"/>
+                <a:cs typeface="Arial" pitchFamily="34" charset="0"/>
+              </a:rPr>
+              <a:t>lowest spot, and Columbus held at the </a:t>
+            </a:r>
+            <a:r>
+              <a:rPr lang="en-US" sz="1700" dirty="0" smtClean="0">
+                <a:latin typeface="Arial" pitchFamily="34" charset="0"/>
+                <a:cs typeface="Arial" pitchFamily="34" charset="0"/>
+              </a:rPr>
+              <a:t>4</a:t>
+            </a:r>
+            <a:r>
+              <a:rPr lang="en-US" sz="1700" baseline="30000" dirty="0" smtClean="0">
+                <a:latin typeface="Arial" pitchFamily="34" charset="0"/>
+                <a:cs typeface="Arial" pitchFamily="34" charset="0"/>
+              </a:rPr>
+              <a:t>th</a:t>
+            </a:r>
+            <a:r>
+              <a:rPr lang="en-US" sz="1700" dirty="0" smtClean="0">
+                <a:latin typeface="Arial" pitchFamily="34" charset="0"/>
+                <a:cs typeface="Arial" pitchFamily="34" charset="0"/>
+              </a:rPr>
+              <a:t> </a:t>
+            </a:r>
+            <a:r>
+              <a:rPr lang="en-US" sz="1700" dirty="0">
+                <a:latin typeface="Arial" pitchFamily="34" charset="0"/>
+                <a:cs typeface="Arial" pitchFamily="34" charset="0"/>
+              </a:rPr>
+              <a:t>lowest. However, one community in the Deep South, Biloxi</a:t>
+            </a:r>
+            <a:r>
+              <a:rPr lang="en-US" sz="1700" dirty="0" smtClean="0">
+                <a:latin typeface="Arial" pitchFamily="34" charset="0"/>
+                <a:cs typeface="Arial" pitchFamily="34" charset="0"/>
+              </a:rPr>
               <a:t>, MS, </a:t>
             </a:r>
             <a:r>
@@ -8448,7 +8665,63 @@
                 <a:latin typeface="Arial" pitchFamily="34" charset="0"/>
                 <a:cs typeface="Arial" pitchFamily="34" charset="0"/>
               </a:rPr>
-              <a:t>In 2010, the city was the 8th highest ranked among all cities. Aided further with 2010's #2 overall ranking in Social Offerings, </a:t>
+              <a:t>In 2010, the city was the </a:t>
+            </a:r>
+            <a:r>
+              <a:rPr lang="en-US" sz="1700" dirty="0" smtClean="0">
+                <a:latin typeface="Arial" pitchFamily="34" charset="0"/>
+                <a:cs typeface="Arial" pitchFamily="34" charset="0"/>
+              </a:rPr>
+              <a:t>8</a:t>
+            </a:r>
+            <a:r>
+              <a:rPr lang="en-US" sz="1700" baseline="30000" dirty="0" smtClean="0">
+                <a:latin typeface="Arial" pitchFamily="34" charset="0"/>
+                <a:cs typeface="Arial" pitchFamily="34" charset="0"/>
+              </a:rPr>
+              <a:t>th</a:t>
+            </a:r>
+            <a:r>
+              <a:rPr lang="en-US" sz="1700" dirty="0" smtClean="0">
+                <a:latin typeface="Arial" pitchFamily="34" charset="0"/>
+                <a:cs typeface="Arial" pitchFamily="34" charset="0"/>
+              </a:rPr>
+              <a:t> </a:t>
+            </a:r>
+            <a:r>
+              <a:rPr lang="en-US" sz="1700" dirty="0">
+                <a:latin typeface="Arial" pitchFamily="34" charset="0"/>
+                <a:cs typeface="Arial" pitchFamily="34" charset="0"/>
+              </a:rPr>
+              <a:t>highest ranked among all cities. Aided further with 2010's </a:t>
+            </a:r>
+            <a:r>
+              <a:rPr lang="en-US" sz="1700" dirty="0" smtClean="0">
+                <a:latin typeface="Arial" pitchFamily="34" charset="0"/>
+                <a:cs typeface="Arial" pitchFamily="34" charset="0"/>
+              </a:rPr>
+              <a:t>2</a:t>
+            </a:r>
+            <a:r>
+              <a:rPr lang="en-US" sz="1700" baseline="30000" dirty="0" smtClean="0">
+                <a:latin typeface="Arial" pitchFamily="34" charset="0"/>
+                <a:cs typeface="Arial" pitchFamily="34" charset="0"/>
+              </a:rPr>
+              <a:t>nd</a:t>
+            </a:r>
+            <a:r>
+              <a:rPr lang="en-US" sz="1700" dirty="0" smtClean="0">
+                <a:latin typeface="Arial" pitchFamily="34" charset="0"/>
+                <a:cs typeface="Arial" pitchFamily="34" charset="0"/>
+              </a:rPr>
+              <a:t> </a:t>
+            </a:r>
+            <a:r>
+              <a:rPr lang="en-US" sz="1700" dirty="0">
+                <a:latin typeface="Arial" pitchFamily="34" charset="0"/>
+                <a:cs typeface="Arial" pitchFamily="34" charset="0"/>
+              </a:rPr>
+              <a:t>overall ranking in Social Offerings, </a:t>
             </a:r>
             <a:r>
               <a:rPr lang="en-US" sz="1700" dirty="0" smtClean="0">

--- a/poster/Poster_DataExpo2013_Kaplan_Hare.pptx
+++ b/poster/Poster_DataExpo2013_Kaplan_Hare.pptx
@@ -5,10 +5,11 @@
     <p:sldMasterId id="2147483648" r:id="rId1"/>
   </p:sldMasterIdLst>
   <p:notesMasterIdLst>
-    <p:notesMasterId r:id="rId3"/>
+    <p:notesMasterId r:id="rId4"/>
   </p:notesMasterIdLst>
   <p:sldIdLst>
     <p:sldId id="256" r:id="rId2"/>
+    <p:sldId id="257" r:id="rId3"/>
   </p:sldIdLst>
   <p:sldSz cx="43891200" cy="21945600"/>
   <p:notesSz cx="6858000" cy="9144000"/>
@@ -192,7 +193,7 @@
           <a:p>
             <a:fld id="{FB9341E4-CD2F-49AF-BE6F-5123F55E34CC}" type="datetimeFigureOut">
               <a:rPr lang="en-US" smtClean="0"/>
-              <a:t>8/2/2013</a:t>
+              <a:t>9/12/2013</a:t>
             </a:fld>
             <a:endParaRPr lang="en-US"/>
           </a:p>
@@ -725,7 +726,7 @@
           <a:p>
             <a:fld id="{EC5820C2-EEC8-4B3E-825C-12D1B6D3BEB7}" type="datetimeFigureOut">
               <a:rPr lang="en-US" smtClean="0"/>
-              <a:t>8/2/2013</a:t>
+              <a:t>9/12/2013</a:t>
             </a:fld>
             <a:endParaRPr lang="en-US"/>
           </a:p>
@@ -895,7 +896,7 @@
           <a:p>
             <a:fld id="{EC5820C2-EEC8-4B3E-825C-12D1B6D3BEB7}" type="datetimeFigureOut">
               <a:rPr lang="en-US" smtClean="0"/>
-              <a:t>8/2/2013</a:t>
+              <a:t>9/12/2013</a:t>
             </a:fld>
             <a:endParaRPr lang="en-US"/>
           </a:p>
@@ -1075,7 +1076,7 @@
           <a:p>
             <a:fld id="{EC5820C2-EEC8-4B3E-825C-12D1B6D3BEB7}" type="datetimeFigureOut">
               <a:rPr lang="en-US" smtClean="0"/>
-              <a:t>8/2/2013</a:t>
+              <a:t>9/12/2013</a:t>
             </a:fld>
             <a:endParaRPr lang="en-US"/>
           </a:p>
@@ -1245,7 +1246,7 @@
           <a:p>
             <a:fld id="{EC5820C2-EEC8-4B3E-825C-12D1B6D3BEB7}" type="datetimeFigureOut">
               <a:rPr lang="en-US" smtClean="0"/>
-              <a:t>8/2/2013</a:t>
+              <a:t>9/12/2013</a:t>
             </a:fld>
             <a:endParaRPr lang="en-US"/>
           </a:p>
@@ -1491,7 +1492,7 @@
           <a:p>
             <a:fld id="{EC5820C2-EEC8-4B3E-825C-12D1B6D3BEB7}" type="datetimeFigureOut">
               <a:rPr lang="en-US" smtClean="0"/>
-              <a:t>8/2/2013</a:t>
+              <a:t>9/12/2013</a:t>
             </a:fld>
             <a:endParaRPr lang="en-US"/>
           </a:p>
@@ -1779,7 +1780,7 @@
           <a:p>
             <a:fld id="{EC5820C2-EEC8-4B3E-825C-12D1B6D3BEB7}" type="datetimeFigureOut">
               <a:rPr lang="en-US" smtClean="0"/>
-              <a:t>8/2/2013</a:t>
+              <a:t>9/12/2013</a:t>
             </a:fld>
             <a:endParaRPr lang="en-US"/>
           </a:p>
@@ -2201,7 +2202,7 @@
           <a:p>
             <a:fld id="{EC5820C2-EEC8-4B3E-825C-12D1B6D3BEB7}" type="datetimeFigureOut">
               <a:rPr lang="en-US" smtClean="0"/>
-              <a:t>8/2/2013</a:t>
+              <a:t>9/12/2013</a:t>
             </a:fld>
             <a:endParaRPr lang="en-US"/>
           </a:p>
@@ -2319,7 +2320,7 @@
           <a:p>
             <a:fld id="{EC5820C2-EEC8-4B3E-825C-12D1B6D3BEB7}" type="datetimeFigureOut">
               <a:rPr lang="en-US" smtClean="0"/>
-              <a:t>8/2/2013</a:t>
+              <a:t>9/12/2013</a:t>
             </a:fld>
             <a:endParaRPr lang="en-US"/>
           </a:p>
@@ -2414,7 +2415,7 @@
           <a:p>
             <a:fld id="{EC5820C2-EEC8-4B3E-825C-12D1B6D3BEB7}" type="datetimeFigureOut">
               <a:rPr lang="en-US" smtClean="0"/>
-              <a:t>8/2/2013</a:t>
+              <a:t>9/12/2013</a:t>
             </a:fld>
             <a:endParaRPr lang="en-US"/>
           </a:p>
@@ -2691,7 +2692,7 @@
           <a:p>
             <a:fld id="{EC5820C2-EEC8-4B3E-825C-12D1B6D3BEB7}" type="datetimeFigureOut">
               <a:rPr lang="en-US" smtClean="0"/>
-              <a:t>8/2/2013</a:t>
+              <a:t>9/12/2013</a:t>
             </a:fld>
             <a:endParaRPr lang="en-US"/>
           </a:p>
@@ -2944,7 +2945,7 @@
           <a:p>
             <a:fld id="{EC5820C2-EEC8-4B3E-825C-12D1B6D3BEB7}" type="datetimeFigureOut">
               <a:rPr lang="en-US" smtClean="0"/>
-              <a:t>8/2/2013</a:t>
+              <a:t>9/12/2013</a:t>
             </a:fld>
             <a:endParaRPr lang="en-US"/>
           </a:p>
@@ -3157,7 +3158,7 @@
           <a:p>
             <a:fld id="{EC5820C2-EEC8-4B3E-825C-12D1B6D3BEB7}" type="datetimeFigureOut">
               <a:rPr lang="en-US" smtClean="0"/>
-              <a:t>8/2/2013</a:t>
+              <a:t>9/12/2013</a:t>
             </a:fld>
             <a:endParaRPr lang="en-US"/>
           </a:p>
@@ -6036,21 +6037,7 @@
                 <a:latin typeface="Arial" pitchFamily="34" charset="0"/>
                 <a:cs typeface="Arial" pitchFamily="34" charset="0"/>
               </a:rPr>
-              <a:t>three years in 26 communities across the United States. The 26 communities do not constitute a random sample of communities across the United States; participating communities were those where the Knight Foundation was already active. Along with survey answers, the data </a:t>
-            </a:r>
-            <a:r>
-              <a:rPr lang="en-US" sz="1700" dirty="0" smtClean="0">
-                <a:latin typeface="Arial" pitchFamily="34" charset="0"/>
-                <a:cs typeface="Arial" pitchFamily="34" charset="0"/>
-              </a:rPr>
-              <a:t>contain </a:t>
-            </a:r>
-            <a:r>
-              <a:rPr lang="en-US" sz="1700" dirty="0" smtClean="0">
-                <a:latin typeface="Arial" pitchFamily="34" charset="0"/>
-                <a:cs typeface="Arial" pitchFamily="34" charset="0"/>
-              </a:rPr>
-              <a:t>derived metrics that were used to gain insight into what makes a community thrive.</a:t>
+              <a:t>three years in 26 communities across the United States. The 26 communities do not constitute a random sample of communities across the United States; participating communities were those where the Knight Foundation was already active. Along with survey answers, the data contain derived metrics that were used to gain insight into what makes a community thrive.</a:t>
             </a:r>
           </a:p>
         </p:txBody>
@@ -7471,14 +7458,7 @@
                 <a:latin typeface="Arial" pitchFamily="34" charset="0"/>
                 <a:cs typeface="Arial" pitchFamily="34" charset="0"/>
               </a:rPr>
-              <a:t>has </a:t>
-            </a:r>
-            <a:r>
-              <a:rPr lang="en-US" sz="1700" dirty="0" smtClean="0">
-                <a:latin typeface="Arial" pitchFamily="34" charset="0"/>
-                <a:cs typeface="Arial" pitchFamily="34" charset="0"/>
-              </a:rPr>
-              <a:t>a </a:t>
+              <a:t>has a </a:t>
             </a:r>
             <a:r>
               <a:rPr lang="en-US" sz="1700" dirty="0">
@@ -7959,63 +7939,49 @@
                 <a:latin typeface="Arial" pitchFamily="34" charset="0"/>
                 <a:cs typeface="Arial" pitchFamily="34" charset="0"/>
               </a:rPr>
-              <a:t> most </a:t>
+              <a:t> most attached community ranks in the lowest half of all communities except in Social Offerings. Myrtle </a:t>
+            </a:r>
+            <a:r>
+              <a:rPr lang="en-US" sz="1700" dirty="0">
+                <a:latin typeface="Arial" pitchFamily="34" charset="0"/>
+                <a:cs typeface="Arial" pitchFamily="34" charset="0"/>
+              </a:rPr>
+              <a:t>Beach ranks </a:t>
             </a:r>
             <a:r>
               <a:rPr lang="en-US" sz="1700" dirty="0" smtClean="0">
                 <a:latin typeface="Arial" pitchFamily="34" charset="0"/>
                 <a:cs typeface="Arial" pitchFamily="34" charset="0"/>
               </a:rPr>
-              <a:t>attached community ranks in the lowest half of all communities except in Social Offerings. Myrtle </a:t>
+              <a:t>3</a:t>
+            </a:r>
+            <a:r>
+              <a:rPr lang="en-US" sz="1700" baseline="30000" dirty="0" smtClean="0">
+                <a:latin typeface="Arial" pitchFamily="34" charset="0"/>
+                <a:cs typeface="Arial" pitchFamily="34" charset="0"/>
+              </a:rPr>
+              <a:t>rd</a:t>
+            </a:r>
+            <a:r>
+              <a:rPr lang="en-US" sz="1700" dirty="0" smtClean="0">
+                <a:latin typeface="Arial" pitchFamily="34" charset="0"/>
+                <a:cs typeface="Arial" pitchFamily="34" charset="0"/>
+              </a:rPr>
+              <a:t> worst </a:t>
             </a:r>
             <a:r>
               <a:rPr lang="en-US" sz="1700" dirty="0">
                 <a:latin typeface="Arial" pitchFamily="34" charset="0"/>
                 <a:cs typeface="Arial" pitchFamily="34" charset="0"/>
               </a:rPr>
-              <a:t>Beach ranks </a:t>
+              <a:t>in terms of Social </a:t>
             </a:r>
             <a:r>
               <a:rPr lang="en-US" sz="1700" dirty="0" smtClean="0">
                 <a:latin typeface="Arial" pitchFamily="34" charset="0"/>
                 <a:cs typeface="Arial" pitchFamily="34" charset="0"/>
               </a:rPr>
-              <a:t>3</a:t>
-            </a:r>
-            <a:r>
-              <a:rPr lang="en-US" sz="1700" baseline="30000" dirty="0" smtClean="0">
-                <a:latin typeface="Arial" pitchFamily="34" charset="0"/>
-                <a:cs typeface="Arial" pitchFamily="34" charset="0"/>
-              </a:rPr>
-              <a:t>rd</a:t>
-            </a:r>
-            <a:r>
-              <a:rPr lang="en-US" sz="1700" dirty="0" smtClean="0">
-                <a:latin typeface="Arial" pitchFamily="34" charset="0"/>
-                <a:cs typeface="Arial" pitchFamily="34" charset="0"/>
-              </a:rPr>
-              <a:t> worst </a:t>
-            </a:r>
-            <a:r>
-              <a:rPr lang="en-US" sz="1700" dirty="0">
-                <a:latin typeface="Arial" pitchFamily="34" charset="0"/>
-                <a:cs typeface="Arial" pitchFamily="34" charset="0"/>
-              </a:rPr>
-              <a:t>in terms of Social </a:t>
-            </a:r>
-            <a:r>
-              <a:rPr lang="en-US" sz="1700" dirty="0" smtClean="0">
-                <a:latin typeface="Arial" pitchFamily="34" charset="0"/>
-                <a:cs typeface="Arial" pitchFamily="34" charset="0"/>
-              </a:rPr>
-              <a:t>Capital and </a:t>
-            </a:r>
-            <a:r>
-              <a:rPr lang="en-US" sz="1700" dirty="0" smtClean="0">
-                <a:latin typeface="Arial" pitchFamily="34" charset="0"/>
-                <a:cs typeface="Arial" pitchFamily="34" charset="0"/>
-              </a:rPr>
-              <a:t>6</a:t>
+              <a:t>Capital and 6</a:t>
             </a:r>
             <a:r>
               <a:rPr lang="en-US" sz="1700" baseline="30000" dirty="0" smtClean="0">
@@ -8258,20 +8224,69 @@
                 <a:latin typeface="Arial" pitchFamily="34" charset="0"/>
                 <a:cs typeface="Arial" pitchFamily="34" charset="0"/>
               </a:rPr>
-              <a:t>Two of the three cities comprising the West region, Boulder, CO and Long Beach, CA, have the </a:t>
+              <a:t>Two of the three cities comprising the West region, Boulder, CO and Long Beach, CA, have the u</a:t>
+            </a:r>
+            <a:r>
+              <a:rPr lang="en-US" sz="1700" dirty="0" smtClean="0">
+                <a:latin typeface="Arial" pitchFamily="34" charset="0"/>
+                <a:cs typeface="Arial" pitchFamily="34" charset="0"/>
+              </a:rPr>
+              <a:t>rbanicity </a:t>
             </a:r>
             <a:r>
               <a:rPr lang="en-US" sz="1700" dirty="0">
                 <a:latin typeface="Arial" pitchFamily="34" charset="0"/>
                 <a:cs typeface="Arial" pitchFamily="34" charset="0"/>
               </a:rPr>
-              <a:t>u</a:t>
+              <a:t>designation of </a:t>
             </a:r>
             <a:r>
               <a:rPr lang="en-US" sz="1700" dirty="0" smtClean="0">
                 <a:latin typeface="Arial" pitchFamily="34" charset="0"/>
                 <a:cs typeface="Arial" pitchFamily="34" charset="0"/>
               </a:rPr>
+              <a:t>“Very </a:t>
+            </a:r>
+            <a:r>
+              <a:rPr lang="en-US" sz="1700" dirty="0">
+                <a:latin typeface="Arial" pitchFamily="34" charset="0"/>
+                <a:cs typeface="Arial" pitchFamily="34" charset="0"/>
+              </a:rPr>
+              <a:t>high urbanicity - medium </a:t>
+            </a:r>
+            <a:r>
+              <a:rPr lang="en-US" sz="1700" dirty="0" smtClean="0">
+                <a:latin typeface="Arial" pitchFamily="34" charset="0"/>
+                <a:cs typeface="Arial" pitchFamily="34" charset="0"/>
+              </a:rPr>
+              <a:t>population”.</a:t>
+            </a:r>
+            <a:r>
+              <a:rPr lang="en-US" sz="1700" dirty="0">
+                <a:latin typeface="Arial" pitchFamily="34" charset="0"/>
+                <a:cs typeface="Arial" pitchFamily="34" charset="0"/>
+              </a:rPr>
+              <a:t> These are cities in which a large percentage of the moderately-sized population lives in the urban core. Although the average value for the </a:t>
+            </a:r>
+            <a:r>
+              <a:rPr lang="en-US" sz="1700" dirty="0" smtClean="0">
+                <a:latin typeface="Arial" pitchFamily="34" charset="0"/>
+                <a:cs typeface="Arial" pitchFamily="34" charset="0"/>
+              </a:rPr>
+              <a:t>Openness </a:t>
+            </a:r>
+            <a:r>
+              <a:rPr lang="en-US" sz="1700" dirty="0">
+                <a:latin typeface="Arial" pitchFamily="34" charset="0"/>
+                <a:cs typeface="Arial" pitchFamily="34" charset="0"/>
+              </a:rPr>
+              <a:t>metric is lower for this u</a:t>
+            </a:r>
+            <a:r>
+              <a:rPr lang="en-US" sz="1700" dirty="0" smtClean="0">
+                <a:latin typeface="Arial" pitchFamily="34" charset="0"/>
+                <a:cs typeface="Arial" pitchFamily="34" charset="0"/>
+              </a:rPr>
               <a:t>rbanicity </a:t>
             </a:r>
             <a:r>
@@ -8279,119 +8294,49 @@
                 <a:latin typeface="Arial" pitchFamily="34" charset="0"/>
                 <a:cs typeface="Arial" pitchFamily="34" charset="0"/>
               </a:rPr>
-              <a:t>designation of </a:t>
+              <a:t>designation than all cities as a whole, Boulder and Long Beach are ranked </a:t>
             </a:r>
             <a:r>
               <a:rPr lang="en-US" sz="1700" dirty="0" smtClean="0">
                 <a:latin typeface="Arial" pitchFamily="34" charset="0"/>
                 <a:cs typeface="Arial" pitchFamily="34" charset="0"/>
               </a:rPr>
-              <a:t>“Very </a:t>
+              <a:t>1</a:t>
+            </a:r>
+            <a:r>
+              <a:rPr lang="en-US" sz="1700" baseline="30000" dirty="0" smtClean="0">
+                <a:latin typeface="Arial" pitchFamily="34" charset="0"/>
+                <a:cs typeface="Arial" pitchFamily="34" charset="0"/>
+              </a:rPr>
+              <a:t>st</a:t>
             </a:r>
             <a:r>
               <a:rPr lang="en-US" sz="1700" dirty="0">
                 <a:latin typeface="Arial" pitchFamily="34" charset="0"/>
                 <a:cs typeface="Arial" pitchFamily="34" charset="0"/>
               </a:rPr>
-              <a:t>high urbanicity - medium </a:t>
+              <a:t> </a:t>
             </a:r>
             <a:r>
               <a:rPr lang="en-US" sz="1700" dirty="0" smtClean="0">
                 <a:latin typeface="Arial" pitchFamily="34" charset="0"/>
                 <a:cs typeface="Arial" pitchFamily="34" charset="0"/>
               </a:rPr>
-              <a:t>population”.</a:t>
-            </a:r>
-            <a:r>
-              <a:rPr lang="en-US" sz="1700" dirty="0">
-                <a:latin typeface="Arial" pitchFamily="34" charset="0"/>
-                <a:cs typeface="Arial" pitchFamily="34" charset="0"/>
-              </a:rPr>
-              <a:t> These are cities in which a large percentage of the moderately-sized population lives in the urban core. Although the average value for the </a:t>
+              <a:t>and 5</a:t>
+            </a:r>
+            <a:r>
+              <a:rPr lang="en-US" sz="1700" baseline="30000" dirty="0" smtClean="0">
+                <a:latin typeface="Arial" pitchFamily="34" charset="0"/>
+                <a:cs typeface="Arial" pitchFamily="34" charset="0"/>
+              </a:rPr>
+              <a:t>th</a:t>
             </a:r>
             <a:r>
               <a:rPr lang="en-US" sz="1700" dirty="0" smtClean="0">
                 <a:latin typeface="Arial" pitchFamily="34" charset="0"/>
                 <a:cs typeface="Arial" pitchFamily="34" charset="0"/>
               </a:rPr>
-              <a:t>Openness </a:t>
-            </a:r>
-            <a:r>
-              <a:rPr lang="en-US" sz="1700" dirty="0">
-                <a:latin typeface="Arial" pitchFamily="34" charset="0"/>
-                <a:cs typeface="Arial" pitchFamily="34" charset="0"/>
-              </a:rPr>
-              <a:t>metric is lower for this </a:t>
-            </a:r>
-            <a:r>
-              <a:rPr lang="en-US" sz="1700" dirty="0">
-                <a:latin typeface="Arial" pitchFamily="34" charset="0"/>
-                <a:cs typeface="Arial" pitchFamily="34" charset="0"/>
-              </a:rPr>
-              <a:t>u</a:t>
-            </a:r>
-            <a:r>
-              <a:rPr lang="en-US" sz="1700" dirty="0" smtClean="0">
-                <a:latin typeface="Arial" pitchFamily="34" charset="0"/>
-                <a:cs typeface="Arial" pitchFamily="34" charset="0"/>
-              </a:rPr>
-              <a:t>rbanicity </a:t>
-            </a:r>
-            <a:r>
-              <a:rPr lang="en-US" sz="1700" dirty="0">
-                <a:latin typeface="Arial" pitchFamily="34" charset="0"/>
-                <a:cs typeface="Arial" pitchFamily="34" charset="0"/>
-              </a:rPr>
-              <a:t>designation than all cities as a whole, Boulder and Long Beach are ranked </a:t>
-            </a:r>
-            <a:r>
-              <a:rPr lang="en-US" sz="1700" dirty="0" smtClean="0">
-                <a:latin typeface="Arial" pitchFamily="34" charset="0"/>
-                <a:cs typeface="Arial" pitchFamily="34" charset="0"/>
-              </a:rPr>
-              <a:t>1</a:t>
-            </a:r>
-            <a:r>
-              <a:rPr lang="en-US" sz="1700" baseline="30000" dirty="0" smtClean="0">
-                <a:latin typeface="Arial" pitchFamily="34" charset="0"/>
-                <a:cs typeface="Arial" pitchFamily="34" charset="0"/>
-              </a:rPr>
-              <a:t>st</a:t>
-            </a:r>
-            <a:r>
-              <a:rPr lang="en-US" sz="1700" dirty="0">
-                <a:latin typeface="Arial" pitchFamily="34" charset="0"/>
-                <a:cs typeface="Arial" pitchFamily="34" charset="0"/>
-              </a:rPr>
-              <a:t> </a:t>
-            </a:r>
-            <a:r>
-              <a:rPr lang="en-US" sz="1700" dirty="0" smtClean="0">
-                <a:latin typeface="Arial" pitchFamily="34" charset="0"/>
-                <a:cs typeface="Arial" pitchFamily="34" charset="0"/>
-              </a:rPr>
-              <a:t>and 5</a:t>
-            </a:r>
-            <a:r>
-              <a:rPr lang="en-US" sz="1700" baseline="30000" dirty="0" smtClean="0">
-                <a:latin typeface="Arial" pitchFamily="34" charset="0"/>
-                <a:cs typeface="Arial" pitchFamily="34" charset="0"/>
-              </a:rPr>
-              <a:t>th</a:t>
-            </a:r>
-            <a:r>
-              <a:rPr lang="en-US" sz="1700" dirty="0" smtClean="0">
-                <a:latin typeface="Arial" pitchFamily="34" charset="0"/>
-                <a:cs typeface="Arial" pitchFamily="34" charset="0"/>
-              </a:rPr>
-              <a:t> in </a:t>
-            </a:r>
-            <a:r>
-              <a:rPr lang="en-US" sz="1700" dirty="0" smtClean="0">
-                <a:latin typeface="Arial" pitchFamily="34" charset="0"/>
-                <a:cs typeface="Arial" pitchFamily="34" charset="0"/>
-              </a:rPr>
-              <a:t>Openness </a:t>
+              <a:t> in Openness </a:t>
             </a:r>
             <a:r>
               <a:rPr lang="en-US" sz="1700" dirty="0">
@@ -9115,6 +9060,333 @@
       </p:par>
     </p:tnLst>
   </p:timing>
+</p:sld>
+</file>
+
+<file path=ppt/slides/slide2.xml><?xml version="1.0" encoding="utf-8"?>
+<p:sld xmlns:a="http://schemas.openxmlformats.org/drawingml/2006/main" xmlns:r="http://schemas.openxmlformats.org/officeDocument/2006/relationships" xmlns:p="http://schemas.openxmlformats.org/presentationml/2006/main">
+  <p:cSld>
+    <p:spTree>
+      <p:nvGrpSpPr>
+        <p:cNvPr id="1" name=""/>
+        <p:cNvGrpSpPr/>
+        <p:nvPr/>
+      </p:nvGrpSpPr>
+      <p:grpSpPr>
+        <a:xfrm>
+          <a:off x="0" y="0"/>
+          <a:ext cx="0" cy="0"/>
+          <a:chOff x="0" y="0"/>
+          <a:chExt cx="0" cy="0"/>
+        </a:xfrm>
+      </p:grpSpPr>
+      <p:grpSp>
+        <p:nvGrpSpPr>
+          <p:cNvPr id="41" name="Group 40"/>
+          <p:cNvGrpSpPr>
+            <a:grpSpLocks noChangeAspect="1"/>
+          </p:cNvGrpSpPr>
+          <p:nvPr/>
+        </p:nvGrpSpPr>
+        <p:grpSpPr>
+          <a:xfrm>
+            <a:off x="16989552" y="6426406"/>
+            <a:ext cx="14059282" cy="7315200"/>
+            <a:chOff x="16989552" y="6426406"/>
+            <a:chExt cx="22554592" cy="11735404"/>
+          </a:xfrm>
+        </p:grpSpPr>
+        <p:pic>
+          <p:nvPicPr>
+            <p:cNvPr id="22" name="Picture 21"/>
+            <p:cNvPicPr>
+              <a:picLocks noChangeAspect="1"/>
+            </p:cNvPicPr>
+            <p:nvPr/>
+          </p:nvPicPr>
+          <p:blipFill>
+            <a:blip r:embed="rId2">
+              <a:extLst>
+                <a:ext uri="{28A0092B-C50C-407E-A947-70E740481C1C}">
+                  <a14:useLocalDpi xmlns:a14="http://schemas.microsoft.com/office/drawing/2010/main" val="0"/>
+                </a:ext>
+              </a:extLst>
+            </a:blip>
+            <a:stretch>
+              <a:fillRect/>
+            </a:stretch>
+          </p:blipFill>
+          <p:spPr>
+            <a:xfrm>
+              <a:off x="16989552" y="6426406"/>
+              <a:ext cx="22554592" cy="11735404"/>
+            </a:xfrm>
+            <a:prstGeom prst="rect">
+              <a:avLst/>
+            </a:prstGeom>
+          </p:spPr>
+        </p:pic>
+        <p:sp>
+          <p:nvSpPr>
+            <p:cNvPr id="25" name="Rectangle 24"/>
+            <p:cNvSpPr/>
+            <p:nvPr/>
+          </p:nvSpPr>
+          <p:spPr>
+            <a:xfrm>
+              <a:off x="18873200" y="10665561"/>
+              <a:ext cx="7258545" cy="3456450"/>
+            </a:xfrm>
+            <a:prstGeom prst="rect">
+              <a:avLst/>
+            </a:prstGeom>
+            <a:noFill/>
+            <a:ln>
+              <a:solidFill>
+                <a:schemeClr val="tx1">
+                  <a:lumMod val="50000"/>
+                  <a:lumOff val="50000"/>
+                </a:schemeClr>
+              </a:solidFill>
+              <a:prstDash val="dash"/>
+            </a:ln>
+          </p:spPr>
+          <p:style>
+            <a:lnRef idx="2">
+              <a:schemeClr val="accent1">
+                <a:shade val="50000"/>
+              </a:schemeClr>
+            </a:lnRef>
+            <a:fillRef idx="1">
+              <a:schemeClr val="accent1"/>
+            </a:fillRef>
+            <a:effectRef idx="0">
+              <a:schemeClr val="accent1"/>
+            </a:effectRef>
+            <a:fontRef idx="minor">
+              <a:schemeClr val="lt1"/>
+            </a:fontRef>
+          </p:style>
+          <p:txBody>
+            <a:bodyPr rtlCol="0" anchor="ctr"/>
+            <a:lstStyle/>
+            <a:p>
+              <a:pPr algn="ctr"/>
+              <a:endParaRPr lang="en-US"/>
+            </a:p>
+          </p:txBody>
+        </p:sp>
+        <p:sp>
+          <p:nvSpPr>
+            <p:cNvPr id="26" name="Rectangle 25"/>
+            <p:cNvSpPr/>
+            <p:nvPr/>
+          </p:nvSpPr>
+          <p:spPr>
+            <a:xfrm>
+              <a:off x="27245490" y="7746780"/>
+              <a:ext cx="3072400" cy="5261485"/>
+            </a:xfrm>
+            <a:prstGeom prst="rect">
+              <a:avLst/>
+            </a:prstGeom>
+            <a:noFill/>
+            <a:ln>
+              <a:solidFill>
+                <a:schemeClr val="tx1">
+                  <a:lumMod val="50000"/>
+                  <a:lumOff val="50000"/>
+                </a:schemeClr>
+              </a:solidFill>
+              <a:prstDash val="dash"/>
+            </a:ln>
+          </p:spPr>
+          <p:style>
+            <a:lnRef idx="2">
+              <a:schemeClr val="accent1">
+                <a:shade val="50000"/>
+              </a:schemeClr>
+            </a:lnRef>
+            <a:fillRef idx="1">
+              <a:schemeClr val="accent1"/>
+            </a:fillRef>
+            <a:effectRef idx="0">
+              <a:schemeClr val="accent1"/>
+            </a:effectRef>
+            <a:fontRef idx="minor">
+              <a:schemeClr val="lt1"/>
+            </a:fontRef>
+          </p:style>
+          <p:txBody>
+            <a:bodyPr rtlCol="0" anchor="ctr"/>
+            <a:lstStyle/>
+            <a:p>
+              <a:pPr algn="ctr"/>
+              <a:endParaRPr lang="en-US"/>
+            </a:p>
+          </p:txBody>
+        </p:sp>
+        <p:sp>
+          <p:nvSpPr>
+            <p:cNvPr id="27" name="Rectangle 26"/>
+            <p:cNvSpPr/>
+            <p:nvPr/>
+          </p:nvSpPr>
+          <p:spPr>
+            <a:xfrm>
+              <a:off x="30893964" y="9590220"/>
+              <a:ext cx="5376701" cy="2995589"/>
+            </a:xfrm>
+            <a:prstGeom prst="rect">
+              <a:avLst/>
+            </a:prstGeom>
+            <a:noFill/>
+            <a:ln>
+              <a:solidFill>
+                <a:schemeClr val="tx1">
+                  <a:lumMod val="50000"/>
+                  <a:lumOff val="50000"/>
+                </a:schemeClr>
+              </a:solidFill>
+              <a:prstDash val="dash"/>
+            </a:ln>
+          </p:spPr>
+          <p:style>
+            <a:lnRef idx="2">
+              <a:schemeClr val="accent1">
+                <a:shade val="50000"/>
+              </a:schemeClr>
+            </a:lnRef>
+            <a:fillRef idx="1">
+              <a:schemeClr val="accent1"/>
+            </a:fillRef>
+            <a:effectRef idx="0">
+              <a:schemeClr val="accent1"/>
+            </a:effectRef>
+            <a:fontRef idx="minor">
+              <a:schemeClr val="lt1"/>
+            </a:fontRef>
+          </p:style>
+          <p:txBody>
+            <a:bodyPr rtlCol="0" anchor="ctr"/>
+            <a:lstStyle/>
+            <a:p>
+              <a:pPr algn="ctr"/>
+              <a:endParaRPr lang="en-US"/>
+            </a:p>
+          </p:txBody>
+        </p:sp>
+        <p:sp>
+          <p:nvSpPr>
+            <p:cNvPr id="30" name="Rectangle 29"/>
+            <p:cNvSpPr/>
+            <p:nvPr/>
+          </p:nvSpPr>
+          <p:spPr>
+            <a:xfrm>
+              <a:off x="33198265" y="12585811"/>
+              <a:ext cx="2265895" cy="5410997"/>
+            </a:xfrm>
+            <a:prstGeom prst="rect">
+              <a:avLst/>
+            </a:prstGeom>
+            <a:noFill/>
+            <a:ln>
+              <a:solidFill>
+                <a:schemeClr val="tx1">
+                  <a:lumMod val="50000"/>
+                  <a:lumOff val="50000"/>
+                </a:schemeClr>
+              </a:solidFill>
+              <a:prstDash val="dash"/>
+            </a:ln>
+          </p:spPr>
+          <p:style>
+            <a:lnRef idx="2">
+              <a:schemeClr val="accent1">
+                <a:shade val="50000"/>
+              </a:schemeClr>
+            </a:lnRef>
+            <a:fillRef idx="1">
+              <a:schemeClr val="accent1"/>
+            </a:fillRef>
+            <a:effectRef idx="0">
+              <a:schemeClr val="accent1"/>
+            </a:effectRef>
+            <a:fontRef idx="minor">
+              <a:schemeClr val="lt1"/>
+            </a:fontRef>
+          </p:style>
+          <p:txBody>
+            <a:bodyPr rtlCol="0" anchor="ctr"/>
+            <a:lstStyle/>
+            <a:p>
+              <a:pPr algn="ctr"/>
+              <a:endParaRPr lang="en-US"/>
+            </a:p>
+          </p:txBody>
+        </p:sp>
+        <p:sp>
+          <p:nvSpPr>
+            <p:cNvPr id="31" name="Rectangle 30"/>
+            <p:cNvSpPr/>
+            <p:nvPr/>
+          </p:nvSpPr>
+          <p:spPr>
+            <a:xfrm>
+              <a:off x="30625129" y="12585810"/>
+              <a:ext cx="2573136" cy="3341235"/>
+            </a:xfrm>
+            <a:prstGeom prst="rect">
+              <a:avLst/>
+            </a:prstGeom>
+            <a:noFill/>
+            <a:ln>
+              <a:solidFill>
+                <a:schemeClr val="tx1">
+                  <a:lumMod val="50000"/>
+                  <a:lumOff val="50000"/>
+                </a:schemeClr>
+              </a:solidFill>
+              <a:prstDash val="dash"/>
+            </a:ln>
+          </p:spPr>
+          <p:style>
+            <a:lnRef idx="2">
+              <a:schemeClr val="accent1">
+                <a:shade val="50000"/>
+              </a:schemeClr>
+            </a:lnRef>
+            <a:fillRef idx="1">
+              <a:schemeClr val="accent1"/>
+            </a:fillRef>
+            <a:effectRef idx="0">
+              <a:schemeClr val="accent1"/>
+            </a:effectRef>
+            <a:fontRef idx="minor">
+              <a:schemeClr val="lt1"/>
+            </a:fontRef>
+          </p:style>
+          <p:txBody>
+            <a:bodyPr rtlCol="0" anchor="ctr"/>
+            <a:lstStyle/>
+            <a:p>
+              <a:pPr algn="ctr"/>
+              <a:endParaRPr lang="en-US"/>
+            </a:p>
+          </p:txBody>
+        </p:sp>
+      </p:grpSp>
+    </p:spTree>
+    <p:extLst>
+      <p:ext uri="{BB962C8B-B14F-4D97-AF65-F5344CB8AC3E}">
+        <p14:creationId xmlns:p14="http://schemas.microsoft.com/office/powerpoint/2010/main" val="2394948937"/>
+      </p:ext>
+    </p:extLst>
+  </p:cSld>
+  <p:clrMapOvr>
+    <a:masterClrMapping/>
+  </p:clrMapOvr>
 </p:sld>
 </file>
 

--- a/poster/Poster_DataExpo2013_Kaplan_Hare.pptx
+++ b/poster/Poster_DataExpo2013_Kaplan_Hare.pptx
@@ -9082,300 +9082,369 @@
       </p:grpSpPr>
       <p:grpSp>
         <p:nvGrpSpPr>
-          <p:cNvPr id="41" name="Group 40"/>
-          <p:cNvGrpSpPr>
-            <a:grpSpLocks noChangeAspect="1"/>
-          </p:cNvGrpSpPr>
+          <p:cNvPr id="2" name="Group 1"/>
+          <p:cNvGrpSpPr/>
           <p:nvPr/>
         </p:nvGrpSpPr>
         <p:grpSpPr>
           <a:xfrm>
-            <a:off x="16989552" y="6426406"/>
-            <a:ext cx="14059282" cy="7315200"/>
-            <a:chOff x="16989552" y="6426406"/>
-            <a:chExt cx="22554592" cy="11735404"/>
+            <a:off x="16645710" y="6426406"/>
+            <a:ext cx="14394366" cy="7315200"/>
+            <a:chOff x="16645710" y="6426406"/>
+            <a:chExt cx="14394366" cy="7315200"/>
           </a:xfrm>
         </p:grpSpPr>
+        <p:grpSp>
+          <p:nvGrpSpPr>
+            <p:cNvPr id="41" name="Group 40"/>
+            <p:cNvGrpSpPr>
+              <a:grpSpLocks noChangeAspect="1"/>
+            </p:cNvGrpSpPr>
+            <p:nvPr/>
+          </p:nvGrpSpPr>
+          <p:grpSpPr>
+            <a:xfrm>
+              <a:off x="16998309" y="6426406"/>
+              <a:ext cx="14041767" cy="7315200"/>
+              <a:chOff x="17003601" y="6426406"/>
+              <a:chExt cx="22526494" cy="11735404"/>
+            </a:xfrm>
+          </p:grpSpPr>
+          <p:pic>
+            <p:nvPicPr>
+              <p:cNvPr id="22" name="Picture 21"/>
+              <p:cNvPicPr>
+                <a:picLocks noChangeAspect="1"/>
+              </p:cNvPicPr>
+              <p:nvPr/>
+            </p:nvPicPr>
+            <p:blipFill>
+              <a:blip r:embed="rId2" cstate="print">
+                <a:extLst>
+                  <a:ext uri="{28A0092B-C50C-407E-A947-70E740481C1C}">
+                    <a14:useLocalDpi xmlns:a14="http://schemas.microsoft.com/office/drawing/2010/main" val="0"/>
+                  </a:ext>
+                </a:extLst>
+              </a:blip>
+              <a:stretch>
+                <a:fillRect/>
+              </a:stretch>
+            </p:blipFill>
+            <p:spPr>
+              <a:xfrm>
+                <a:off x="17003601" y="6426406"/>
+                <a:ext cx="22526494" cy="11735404"/>
+              </a:xfrm>
+              <a:prstGeom prst="rect">
+                <a:avLst/>
+              </a:prstGeom>
+            </p:spPr>
+          </p:pic>
+          <p:sp>
+            <p:nvSpPr>
+              <p:cNvPr id="25" name="Rectangle 24"/>
+              <p:cNvSpPr/>
+              <p:nvPr/>
+            </p:nvSpPr>
+            <p:spPr>
+              <a:xfrm>
+                <a:off x="18873200" y="10665561"/>
+                <a:ext cx="7258545" cy="3456450"/>
+              </a:xfrm>
+              <a:prstGeom prst="rect">
+                <a:avLst/>
+              </a:prstGeom>
+              <a:noFill/>
+              <a:ln>
+                <a:solidFill>
+                  <a:schemeClr val="tx1">
+                    <a:lumMod val="50000"/>
+                    <a:lumOff val="50000"/>
+                  </a:schemeClr>
+                </a:solidFill>
+                <a:prstDash val="dash"/>
+              </a:ln>
+            </p:spPr>
+            <p:style>
+              <a:lnRef idx="2">
+                <a:schemeClr val="accent1">
+                  <a:shade val="50000"/>
+                </a:schemeClr>
+              </a:lnRef>
+              <a:fillRef idx="1">
+                <a:schemeClr val="accent1"/>
+              </a:fillRef>
+              <a:effectRef idx="0">
+                <a:schemeClr val="accent1"/>
+              </a:effectRef>
+              <a:fontRef idx="minor">
+                <a:schemeClr val="lt1"/>
+              </a:fontRef>
+            </p:style>
+            <p:txBody>
+              <a:bodyPr rtlCol="0" anchor="ctr"/>
+              <a:lstStyle/>
+              <a:p>
+                <a:pPr algn="ctr"/>
+                <a:endParaRPr lang="en-US"/>
+              </a:p>
+            </p:txBody>
+          </p:sp>
+          <p:sp>
+            <p:nvSpPr>
+              <p:cNvPr id="26" name="Rectangle 25"/>
+              <p:cNvSpPr/>
+              <p:nvPr/>
+            </p:nvSpPr>
+            <p:spPr>
+              <a:xfrm>
+                <a:off x="27245490" y="7746780"/>
+                <a:ext cx="3072400" cy="5261485"/>
+              </a:xfrm>
+              <a:prstGeom prst="rect">
+                <a:avLst/>
+              </a:prstGeom>
+              <a:noFill/>
+              <a:ln>
+                <a:solidFill>
+                  <a:schemeClr val="tx1">
+                    <a:lumMod val="50000"/>
+                    <a:lumOff val="50000"/>
+                  </a:schemeClr>
+                </a:solidFill>
+                <a:prstDash val="dash"/>
+              </a:ln>
+            </p:spPr>
+            <p:style>
+              <a:lnRef idx="2">
+                <a:schemeClr val="accent1">
+                  <a:shade val="50000"/>
+                </a:schemeClr>
+              </a:lnRef>
+              <a:fillRef idx="1">
+                <a:schemeClr val="accent1"/>
+              </a:fillRef>
+              <a:effectRef idx="0">
+                <a:schemeClr val="accent1"/>
+              </a:effectRef>
+              <a:fontRef idx="minor">
+                <a:schemeClr val="lt1"/>
+              </a:fontRef>
+            </p:style>
+            <p:txBody>
+              <a:bodyPr rtlCol="0" anchor="ctr"/>
+              <a:lstStyle/>
+              <a:p>
+                <a:pPr algn="ctr"/>
+                <a:endParaRPr lang="en-US"/>
+              </a:p>
+            </p:txBody>
+          </p:sp>
+          <p:sp>
+            <p:nvSpPr>
+              <p:cNvPr id="27" name="Rectangle 26"/>
+              <p:cNvSpPr/>
+              <p:nvPr/>
+            </p:nvSpPr>
+            <p:spPr>
+              <a:xfrm>
+                <a:off x="30893964" y="9590220"/>
+                <a:ext cx="5376701" cy="2995589"/>
+              </a:xfrm>
+              <a:prstGeom prst="rect">
+                <a:avLst/>
+              </a:prstGeom>
+              <a:noFill/>
+              <a:ln>
+                <a:solidFill>
+                  <a:schemeClr val="tx1">
+                    <a:lumMod val="50000"/>
+                    <a:lumOff val="50000"/>
+                  </a:schemeClr>
+                </a:solidFill>
+                <a:prstDash val="dash"/>
+              </a:ln>
+            </p:spPr>
+            <p:style>
+              <a:lnRef idx="2">
+                <a:schemeClr val="accent1">
+                  <a:shade val="50000"/>
+                </a:schemeClr>
+              </a:lnRef>
+              <a:fillRef idx="1">
+                <a:schemeClr val="accent1"/>
+              </a:fillRef>
+              <a:effectRef idx="0">
+                <a:schemeClr val="accent1"/>
+              </a:effectRef>
+              <a:fontRef idx="minor">
+                <a:schemeClr val="lt1"/>
+              </a:fontRef>
+            </p:style>
+            <p:txBody>
+              <a:bodyPr rtlCol="0" anchor="ctr"/>
+              <a:lstStyle/>
+              <a:p>
+                <a:pPr algn="ctr"/>
+                <a:endParaRPr lang="en-US"/>
+              </a:p>
+            </p:txBody>
+          </p:sp>
+          <p:sp>
+            <p:nvSpPr>
+              <p:cNvPr id="30" name="Rectangle 29"/>
+              <p:cNvSpPr/>
+              <p:nvPr/>
+            </p:nvSpPr>
+            <p:spPr>
+              <a:xfrm>
+                <a:off x="33198265" y="12585811"/>
+                <a:ext cx="2265895" cy="5410997"/>
+              </a:xfrm>
+              <a:prstGeom prst="rect">
+                <a:avLst/>
+              </a:prstGeom>
+              <a:noFill/>
+              <a:ln>
+                <a:solidFill>
+                  <a:schemeClr val="tx1">
+                    <a:lumMod val="50000"/>
+                    <a:lumOff val="50000"/>
+                  </a:schemeClr>
+                </a:solidFill>
+                <a:prstDash val="dash"/>
+              </a:ln>
+            </p:spPr>
+            <p:style>
+              <a:lnRef idx="2">
+                <a:schemeClr val="accent1">
+                  <a:shade val="50000"/>
+                </a:schemeClr>
+              </a:lnRef>
+              <a:fillRef idx="1">
+                <a:schemeClr val="accent1"/>
+              </a:fillRef>
+              <a:effectRef idx="0">
+                <a:schemeClr val="accent1"/>
+              </a:effectRef>
+              <a:fontRef idx="minor">
+                <a:schemeClr val="lt1"/>
+              </a:fontRef>
+            </p:style>
+            <p:txBody>
+              <a:bodyPr rtlCol="0" anchor="ctr"/>
+              <a:lstStyle/>
+              <a:p>
+                <a:pPr algn="ctr"/>
+                <a:endParaRPr lang="en-US"/>
+              </a:p>
+            </p:txBody>
+          </p:sp>
+          <p:sp>
+            <p:nvSpPr>
+              <p:cNvPr id="31" name="Rectangle 30"/>
+              <p:cNvSpPr/>
+              <p:nvPr/>
+            </p:nvSpPr>
+            <p:spPr>
+              <a:xfrm>
+                <a:off x="30625129" y="12585810"/>
+                <a:ext cx="2573136" cy="3341235"/>
+              </a:xfrm>
+              <a:prstGeom prst="rect">
+                <a:avLst/>
+              </a:prstGeom>
+              <a:noFill/>
+              <a:ln>
+                <a:solidFill>
+                  <a:schemeClr val="tx1">
+                    <a:lumMod val="50000"/>
+                    <a:lumOff val="50000"/>
+                  </a:schemeClr>
+                </a:solidFill>
+                <a:prstDash val="dash"/>
+              </a:ln>
+            </p:spPr>
+            <p:style>
+              <a:lnRef idx="2">
+                <a:schemeClr val="accent1">
+                  <a:shade val="50000"/>
+                </a:schemeClr>
+              </a:lnRef>
+              <a:fillRef idx="1">
+                <a:schemeClr val="accent1"/>
+              </a:fillRef>
+              <a:effectRef idx="0">
+                <a:schemeClr val="accent1"/>
+              </a:effectRef>
+              <a:fontRef idx="minor">
+                <a:schemeClr val="lt1"/>
+              </a:fontRef>
+            </p:style>
+            <p:txBody>
+              <a:bodyPr rtlCol="0" anchor="ctr"/>
+              <a:lstStyle/>
+              <a:p>
+                <a:pPr algn="ctr"/>
+                <a:endParaRPr lang="en-US"/>
+              </a:p>
+            </p:txBody>
+          </p:sp>
+        </p:grpSp>
         <p:pic>
           <p:nvPicPr>
-            <p:cNvPr id="22" name="Picture 21"/>
+            <p:cNvPr id="1026" name="Picture 2"/>
             <p:cNvPicPr>
-              <a:picLocks noChangeAspect="1"/>
+              <a:picLocks noChangeAspect="1" noChangeArrowheads="1"/>
             </p:cNvPicPr>
             <p:nvPr/>
           </p:nvPicPr>
           <p:blipFill>
-            <a:blip r:embed="rId2">
+            <a:blip r:embed="rId3">
               <a:extLst>
                 <a:ext uri="{28A0092B-C50C-407E-A947-70E740481C1C}">
                   <a14:useLocalDpi xmlns:a14="http://schemas.microsoft.com/office/drawing/2010/main" val="0"/>
                 </a:ext>
               </a:extLst>
             </a:blip>
+            <a:srcRect/>
             <a:stretch>
               <a:fillRect/>
             </a:stretch>
           </p:blipFill>
-          <p:spPr>
+          <p:spPr bwMode="auto">
             <a:xfrm>
-              <a:off x="16989552" y="6426406"/>
-              <a:ext cx="22554592" cy="11735404"/>
-            </a:xfrm>
-            <a:prstGeom prst="rect">
-              <a:avLst/>
-            </a:prstGeom>
-          </p:spPr>
-        </p:pic>
-        <p:sp>
-          <p:nvSpPr>
-            <p:cNvPr id="25" name="Rectangle 24"/>
-            <p:cNvSpPr/>
-            <p:nvPr/>
-          </p:nvSpPr>
-          <p:spPr>
-            <a:xfrm>
-              <a:off x="18873200" y="10665561"/>
-              <a:ext cx="7258545" cy="3456450"/>
+              <a:off x="16645710" y="6426406"/>
+              <a:ext cx="2419350" cy="1000125"/>
             </a:xfrm>
             <a:prstGeom prst="rect">
               <a:avLst/>
             </a:prstGeom>
             <a:noFill/>
             <a:ln>
-              <a:solidFill>
-                <a:schemeClr val="tx1">
-                  <a:lumMod val="50000"/>
-                  <a:lumOff val="50000"/>
-                </a:schemeClr>
-              </a:solidFill>
-              <a:prstDash val="dash"/>
+              <a:noFill/>
             </a:ln>
+            <a:extLst>
+              <a:ext uri="{909E8E84-426E-40DD-AFC4-6F175D3DCCD1}">
+                <a14:hiddenFill xmlns:a14="http://schemas.microsoft.com/office/drawing/2010/main">
+                  <a:solidFill>
+                    <a:schemeClr val="accent1"/>
+                  </a:solidFill>
+                </a14:hiddenFill>
+              </a:ext>
+              <a:ext uri="{91240B29-F687-4F45-9708-019B960494DF}">
+                <a14:hiddenLine xmlns:a14="http://schemas.microsoft.com/office/drawing/2010/main" w="9525">
+                  <a:solidFill>
+                    <a:schemeClr val="tx1"/>
+                  </a:solidFill>
+                  <a:miter lim="800000"/>
+                  <a:headEnd/>
+                  <a:tailEnd/>
+                </a14:hiddenLine>
+              </a:ext>
+            </a:extLst>
           </p:spPr>
-          <p:style>
-            <a:lnRef idx="2">
-              <a:schemeClr val="accent1">
-                <a:shade val="50000"/>
-              </a:schemeClr>
-            </a:lnRef>
-            <a:fillRef idx="1">
-              <a:schemeClr val="accent1"/>
-            </a:fillRef>
-            <a:effectRef idx="0">
-              <a:schemeClr val="accent1"/>
-            </a:effectRef>
-            <a:fontRef idx="minor">
-              <a:schemeClr val="lt1"/>
-            </a:fontRef>
-          </p:style>
-          <p:txBody>
-            <a:bodyPr rtlCol="0" anchor="ctr"/>
-            <a:lstStyle/>
-            <a:p>
-              <a:pPr algn="ctr"/>
-              <a:endParaRPr lang="en-US"/>
-            </a:p>
-          </p:txBody>
-        </p:sp>
-        <p:sp>
-          <p:nvSpPr>
-            <p:cNvPr id="26" name="Rectangle 25"/>
-            <p:cNvSpPr/>
-            <p:nvPr/>
-          </p:nvSpPr>
-          <p:spPr>
-            <a:xfrm>
-              <a:off x="27245490" y="7746780"/>
-              <a:ext cx="3072400" cy="5261485"/>
-            </a:xfrm>
-            <a:prstGeom prst="rect">
-              <a:avLst/>
-            </a:prstGeom>
-            <a:noFill/>
-            <a:ln>
-              <a:solidFill>
-                <a:schemeClr val="tx1">
-                  <a:lumMod val="50000"/>
-                  <a:lumOff val="50000"/>
-                </a:schemeClr>
-              </a:solidFill>
-              <a:prstDash val="dash"/>
-            </a:ln>
-          </p:spPr>
-          <p:style>
-            <a:lnRef idx="2">
-              <a:schemeClr val="accent1">
-                <a:shade val="50000"/>
-              </a:schemeClr>
-            </a:lnRef>
-            <a:fillRef idx="1">
-              <a:schemeClr val="accent1"/>
-            </a:fillRef>
-            <a:effectRef idx="0">
-              <a:schemeClr val="accent1"/>
-            </a:effectRef>
-            <a:fontRef idx="minor">
-              <a:schemeClr val="lt1"/>
-            </a:fontRef>
-          </p:style>
-          <p:txBody>
-            <a:bodyPr rtlCol="0" anchor="ctr"/>
-            <a:lstStyle/>
-            <a:p>
-              <a:pPr algn="ctr"/>
-              <a:endParaRPr lang="en-US"/>
-            </a:p>
-          </p:txBody>
-        </p:sp>
-        <p:sp>
-          <p:nvSpPr>
-            <p:cNvPr id="27" name="Rectangle 26"/>
-            <p:cNvSpPr/>
-            <p:nvPr/>
-          </p:nvSpPr>
-          <p:spPr>
-            <a:xfrm>
-              <a:off x="30893964" y="9590220"/>
-              <a:ext cx="5376701" cy="2995589"/>
-            </a:xfrm>
-            <a:prstGeom prst="rect">
-              <a:avLst/>
-            </a:prstGeom>
-            <a:noFill/>
-            <a:ln>
-              <a:solidFill>
-                <a:schemeClr val="tx1">
-                  <a:lumMod val="50000"/>
-                  <a:lumOff val="50000"/>
-                </a:schemeClr>
-              </a:solidFill>
-              <a:prstDash val="dash"/>
-            </a:ln>
-          </p:spPr>
-          <p:style>
-            <a:lnRef idx="2">
-              <a:schemeClr val="accent1">
-                <a:shade val="50000"/>
-              </a:schemeClr>
-            </a:lnRef>
-            <a:fillRef idx="1">
-              <a:schemeClr val="accent1"/>
-            </a:fillRef>
-            <a:effectRef idx="0">
-              <a:schemeClr val="accent1"/>
-            </a:effectRef>
-            <a:fontRef idx="minor">
-              <a:schemeClr val="lt1"/>
-            </a:fontRef>
-          </p:style>
-          <p:txBody>
-            <a:bodyPr rtlCol="0" anchor="ctr"/>
-            <a:lstStyle/>
-            <a:p>
-              <a:pPr algn="ctr"/>
-              <a:endParaRPr lang="en-US"/>
-            </a:p>
-          </p:txBody>
-        </p:sp>
-        <p:sp>
-          <p:nvSpPr>
-            <p:cNvPr id="30" name="Rectangle 29"/>
-            <p:cNvSpPr/>
-            <p:nvPr/>
-          </p:nvSpPr>
-          <p:spPr>
-            <a:xfrm>
-              <a:off x="33198265" y="12585811"/>
-              <a:ext cx="2265895" cy="5410997"/>
-            </a:xfrm>
-            <a:prstGeom prst="rect">
-              <a:avLst/>
-            </a:prstGeom>
-            <a:noFill/>
-            <a:ln>
-              <a:solidFill>
-                <a:schemeClr val="tx1">
-                  <a:lumMod val="50000"/>
-                  <a:lumOff val="50000"/>
-                </a:schemeClr>
-              </a:solidFill>
-              <a:prstDash val="dash"/>
-            </a:ln>
-          </p:spPr>
-          <p:style>
-            <a:lnRef idx="2">
-              <a:schemeClr val="accent1">
-                <a:shade val="50000"/>
-              </a:schemeClr>
-            </a:lnRef>
-            <a:fillRef idx="1">
-              <a:schemeClr val="accent1"/>
-            </a:fillRef>
-            <a:effectRef idx="0">
-              <a:schemeClr val="accent1"/>
-            </a:effectRef>
-            <a:fontRef idx="minor">
-              <a:schemeClr val="lt1"/>
-            </a:fontRef>
-          </p:style>
-          <p:txBody>
-            <a:bodyPr rtlCol="0" anchor="ctr"/>
-            <a:lstStyle/>
-            <a:p>
-              <a:pPr algn="ctr"/>
-              <a:endParaRPr lang="en-US"/>
-            </a:p>
-          </p:txBody>
-        </p:sp>
-        <p:sp>
-          <p:nvSpPr>
-            <p:cNvPr id="31" name="Rectangle 30"/>
-            <p:cNvSpPr/>
-            <p:nvPr/>
-          </p:nvSpPr>
-          <p:spPr>
-            <a:xfrm>
-              <a:off x="30625129" y="12585810"/>
-              <a:ext cx="2573136" cy="3341235"/>
-            </a:xfrm>
-            <a:prstGeom prst="rect">
-              <a:avLst/>
-            </a:prstGeom>
-            <a:noFill/>
-            <a:ln>
-              <a:solidFill>
-                <a:schemeClr val="tx1">
-                  <a:lumMod val="50000"/>
-                  <a:lumOff val="50000"/>
-                </a:schemeClr>
-              </a:solidFill>
-              <a:prstDash val="dash"/>
-            </a:ln>
-          </p:spPr>
-          <p:style>
-            <a:lnRef idx="2">
-              <a:schemeClr val="accent1">
-                <a:shade val="50000"/>
-              </a:schemeClr>
-            </a:lnRef>
-            <a:fillRef idx="1">
-              <a:schemeClr val="accent1"/>
-            </a:fillRef>
-            <a:effectRef idx="0">
-              <a:schemeClr val="accent1"/>
-            </a:effectRef>
-            <a:fontRef idx="minor">
-              <a:schemeClr val="lt1"/>
-            </a:fontRef>
-          </p:style>
-          <p:txBody>
-            <a:bodyPr rtlCol="0" anchor="ctr"/>
-            <a:lstStyle/>
-            <a:p>
-              <a:pPr algn="ctr"/>
-              <a:endParaRPr lang="en-US"/>
-            </a:p>
-          </p:txBody>
-        </p:sp>
+        </p:pic>
       </p:grpSp>
     </p:spTree>
     <p:extLst>
